--- a/PADRAO DE PROJETO_TDE.pptx
+++ b/PADRAO DE PROJETO_TDE.pptx
@@ -5,45 +5,47 @@
     <p:sldMasterId id="2147483672" r:id="rId1"/>
   </p:sldMasterIdLst>
   <p:notesMasterIdLst>
-    <p:notesMasterId r:id="rId35"/>
+    <p:notesMasterId r:id="rId37"/>
   </p:notesMasterIdLst>
   <p:handoutMasterIdLst>
-    <p:handoutMasterId r:id="rId36"/>
+    <p:handoutMasterId r:id="rId38"/>
   </p:handoutMasterIdLst>
   <p:sldIdLst>
     <p:sldId id="262" r:id="rId2"/>
     <p:sldId id="259" r:id="rId3"/>
-    <p:sldId id="263" r:id="rId4"/>
-    <p:sldId id="264" r:id="rId5"/>
-    <p:sldId id="265" r:id="rId6"/>
-    <p:sldId id="266" r:id="rId7"/>
-    <p:sldId id="267" r:id="rId8"/>
-    <p:sldId id="290" r:id="rId9"/>
-    <p:sldId id="291" r:id="rId10"/>
-    <p:sldId id="287" r:id="rId11"/>
-    <p:sldId id="288" r:id="rId12"/>
-    <p:sldId id="268" r:id="rId13"/>
-    <p:sldId id="289" r:id="rId14"/>
-    <p:sldId id="261" r:id="rId15"/>
-    <p:sldId id="269" r:id="rId16"/>
-    <p:sldId id="270" r:id="rId17"/>
-    <p:sldId id="271" r:id="rId18"/>
-    <p:sldId id="272" r:id="rId19"/>
-    <p:sldId id="273" r:id="rId20"/>
-    <p:sldId id="277" r:id="rId21"/>
-    <p:sldId id="293" r:id="rId22"/>
-    <p:sldId id="292" r:id="rId23"/>
-    <p:sldId id="278" r:id="rId24"/>
-    <p:sldId id="279" r:id="rId25"/>
-    <p:sldId id="280" r:id="rId26"/>
-    <p:sldId id="284" r:id="rId27"/>
-    <p:sldId id="282" r:id="rId28"/>
-    <p:sldId id="283" r:id="rId29"/>
-    <p:sldId id="285" r:id="rId30"/>
-    <p:sldId id="281" r:id="rId31"/>
-    <p:sldId id="286" r:id="rId32"/>
-    <p:sldId id="256" r:id="rId33"/>
-    <p:sldId id="260" r:id="rId34"/>
+    <p:sldId id="295" r:id="rId4"/>
+    <p:sldId id="294" r:id="rId5"/>
+    <p:sldId id="263" r:id="rId6"/>
+    <p:sldId id="264" r:id="rId7"/>
+    <p:sldId id="265" r:id="rId8"/>
+    <p:sldId id="266" r:id="rId9"/>
+    <p:sldId id="267" r:id="rId10"/>
+    <p:sldId id="290" r:id="rId11"/>
+    <p:sldId id="291" r:id="rId12"/>
+    <p:sldId id="287" r:id="rId13"/>
+    <p:sldId id="288" r:id="rId14"/>
+    <p:sldId id="268" r:id="rId15"/>
+    <p:sldId id="289" r:id="rId16"/>
+    <p:sldId id="261" r:id="rId17"/>
+    <p:sldId id="269" r:id="rId18"/>
+    <p:sldId id="270" r:id="rId19"/>
+    <p:sldId id="271" r:id="rId20"/>
+    <p:sldId id="272" r:id="rId21"/>
+    <p:sldId id="273" r:id="rId22"/>
+    <p:sldId id="277" r:id="rId23"/>
+    <p:sldId id="293" r:id="rId24"/>
+    <p:sldId id="292" r:id="rId25"/>
+    <p:sldId id="278" r:id="rId26"/>
+    <p:sldId id="279" r:id="rId27"/>
+    <p:sldId id="280" r:id="rId28"/>
+    <p:sldId id="284" r:id="rId29"/>
+    <p:sldId id="282" r:id="rId30"/>
+    <p:sldId id="283" r:id="rId31"/>
+    <p:sldId id="285" r:id="rId32"/>
+    <p:sldId id="281" r:id="rId33"/>
+    <p:sldId id="286" r:id="rId34"/>
+    <p:sldId id="256" r:id="rId35"/>
+    <p:sldId id="260" r:id="rId36"/>
   </p:sldIdLst>
   <p:sldSz cx="12192000" cy="6858000"/>
   <p:notesSz cx="6858000" cy="9144000"/>
@@ -151,6 +153,14 @@
     </p:ext>
   </p:extLst>
 </p:presentation>
+</file>
+
+<file path=ppt/revisionInfo.xml><?xml version="1.0" encoding="utf-8"?>
+<p1510:revInfo xmlns:a="http://schemas.openxmlformats.org/drawingml/2006/main" xmlns:r="http://schemas.openxmlformats.org/officeDocument/2006/relationships" xmlns:p1510="http://schemas.microsoft.com/office/powerpoint/2015/10/main">
+  <p1510:revLst>
+    <p1510:client id="{6944957F-CF6D-466F-B520-55C05F815216}" v="39" dt="2023-04-23T23:13:02.617"/>
+  </p1510:revLst>
+</p1510:revInfo>
 </file>
 
 <file path=ppt/diagrams/colors1.xml><?xml version="1.0" encoding="utf-8"?>
@@ -24176,7 +24186,7 @@
             <a:pPr rtl="0"/>
             <a:fld id="{C6B3AB32-59DF-41F1-9618-EDFBF5049629}" type="slidenum">
               <a:rPr lang="pt-BR" smtClean="0"/>
-              <a:t>10</a:t>
+              <a:t>9</a:t>
             </a:fld>
             <a:endParaRPr lang="pt-BR"/>
           </a:p>
@@ -24185,7 +24195,7 @@
     </p:spTree>
     <p:extLst>
       <p:ext uri="{BB962C8B-B14F-4D97-AF65-F5344CB8AC3E}">
-        <p14:creationId xmlns:p14="http://schemas.microsoft.com/office/powerpoint/2010/main" val="2729241810"/>
+        <p14:creationId xmlns:p14="http://schemas.microsoft.com/office/powerpoint/2010/main" val="2589443612"/>
       </p:ext>
     </p:extLst>
   </p:cSld>
@@ -24262,7 +24272,7 @@
             <a:pPr rtl="0"/>
             <a:fld id="{C6B3AB32-59DF-41F1-9618-EDFBF5049629}" type="slidenum">
               <a:rPr lang="pt-BR" smtClean="0"/>
-              <a:t>11</a:t>
+              <a:t>10</a:t>
             </a:fld>
             <a:endParaRPr lang="pt-BR"/>
           </a:p>
@@ -24271,7 +24281,7 @@
     </p:spTree>
     <p:extLst>
       <p:ext uri="{BB962C8B-B14F-4D97-AF65-F5344CB8AC3E}">
-        <p14:creationId xmlns:p14="http://schemas.microsoft.com/office/powerpoint/2010/main" val="3661314307"/>
+        <p14:creationId xmlns:p14="http://schemas.microsoft.com/office/powerpoint/2010/main" val="2434437706"/>
       </p:ext>
     </p:extLst>
   </p:cSld>
@@ -24348,7 +24358,7 @@
             <a:pPr rtl="0"/>
             <a:fld id="{C6B3AB32-59DF-41F1-9618-EDFBF5049629}" type="slidenum">
               <a:rPr lang="pt-BR" smtClean="0"/>
-              <a:t>12</a:t>
+              <a:t>11</a:t>
             </a:fld>
             <a:endParaRPr lang="pt-BR"/>
           </a:p>
@@ -24357,7 +24367,7 @@
     </p:spTree>
     <p:extLst>
       <p:ext uri="{BB962C8B-B14F-4D97-AF65-F5344CB8AC3E}">
-        <p14:creationId xmlns:p14="http://schemas.microsoft.com/office/powerpoint/2010/main" val="762106655"/>
+        <p14:creationId xmlns:p14="http://schemas.microsoft.com/office/powerpoint/2010/main" val="2729241810"/>
       </p:ext>
     </p:extLst>
   </p:cSld>
@@ -24434,7 +24444,7 @@
             <a:pPr rtl="0"/>
             <a:fld id="{C6B3AB32-59DF-41F1-9618-EDFBF5049629}" type="slidenum">
               <a:rPr lang="pt-BR" smtClean="0"/>
-              <a:t>13</a:t>
+              <a:t>12</a:t>
             </a:fld>
             <a:endParaRPr lang="pt-BR"/>
           </a:p>
@@ -24443,7 +24453,7 @@
     </p:spTree>
     <p:extLst>
       <p:ext uri="{BB962C8B-B14F-4D97-AF65-F5344CB8AC3E}">
-        <p14:creationId xmlns:p14="http://schemas.microsoft.com/office/powerpoint/2010/main" val="2907547157"/>
+        <p14:creationId xmlns:p14="http://schemas.microsoft.com/office/powerpoint/2010/main" val="3661314307"/>
       </p:ext>
     </p:extLst>
   </p:cSld>
@@ -24520,7 +24530,7 @@
             <a:pPr rtl="0"/>
             <a:fld id="{C6B3AB32-59DF-41F1-9618-EDFBF5049629}" type="slidenum">
               <a:rPr lang="pt-BR" smtClean="0"/>
-              <a:t>14</a:t>
+              <a:t>13</a:t>
             </a:fld>
             <a:endParaRPr lang="pt-BR"/>
           </a:p>
@@ -24529,7 +24539,7 @@
     </p:spTree>
     <p:extLst>
       <p:ext uri="{BB962C8B-B14F-4D97-AF65-F5344CB8AC3E}">
-        <p14:creationId xmlns:p14="http://schemas.microsoft.com/office/powerpoint/2010/main" val="431927585"/>
+        <p14:creationId xmlns:p14="http://schemas.microsoft.com/office/powerpoint/2010/main" val="762106655"/>
       </p:ext>
     </p:extLst>
   </p:cSld>
@@ -24606,7 +24616,7 @@
             <a:pPr rtl="0"/>
             <a:fld id="{C6B3AB32-59DF-41F1-9618-EDFBF5049629}" type="slidenum">
               <a:rPr lang="pt-BR" smtClean="0"/>
-              <a:t>15</a:t>
+              <a:t>14</a:t>
             </a:fld>
             <a:endParaRPr lang="pt-BR"/>
           </a:p>
@@ -24615,7 +24625,7 @@
     </p:spTree>
     <p:extLst>
       <p:ext uri="{BB962C8B-B14F-4D97-AF65-F5344CB8AC3E}">
-        <p14:creationId xmlns:p14="http://schemas.microsoft.com/office/powerpoint/2010/main" val="2096252351"/>
+        <p14:creationId xmlns:p14="http://schemas.microsoft.com/office/powerpoint/2010/main" val="2907547157"/>
       </p:ext>
     </p:extLst>
   </p:cSld>
@@ -24692,7 +24702,7 @@
             <a:pPr rtl="0"/>
             <a:fld id="{C6B3AB32-59DF-41F1-9618-EDFBF5049629}" type="slidenum">
               <a:rPr lang="pt-BR" smtClean="0"/>
-              <a:t>16</a:t>
+              <a:t>15</a:t>
             </a:fld>
             <a:endParaRPr lang="pt-BR"/>
           </a:p>
@@ -24701,7 +24711,7 @@
     </p:spTree>
     <p:extLst>
       <p:ext uri="{BB962C8B-B14F-4D97-AF65-F5344CB8AC3E}">
-        <p14:creationId xmlns:p14="http://schemas.microsoft.com/office/powerpoint/2010/main" val="1892288147"/>
+        <p14:creationId xmlns:p14="http://schemas.microsoft.com/office/powerpoint/2010/main" val="431927585"/>
       </p:ext>
     </p:extLst>
   </p:cSld>
@@ -24778,7 +24788,7 @@
             <a:pPr rtl="0"/>
             <a:fld id="{C6B3AB32-59DF-41F1-9618-EDFBF5049629}" type="slidenum">
               <a:rPr lang="pt-BR" smtClean="0"/>
-              <a:t>17</a:t>
+              <a:t>16</a:t>
             </a:fld>
             <a:endParaRPr lang="pt-BR"/>
           </a:p>
@@ -24787,7 +24797,7 @@
     </p:spTree>
     <p:extLst>
       <p:ext uri="{BB962C8B-B14F-4D97-AF65-F5344CB8AC3E}">
-        <p14:creationId xmlns:p14="http://schemas.microsoft.com/office/powerpoint/2010/main" val="4140748790"/>
+        <p14:creationId xmlns:p14="http://schemas.microsoft.com/office/powerpoint/2010/main" val="2096252351"/>
       </p:ext>
     </p:extLst>
   </p:cSld>
@@ -24864,7 +24874,7 @@
             <a:pPr rtl="0"/>
             <a:fld id="{C6B3AB32-59DF-41F1-9618-EDFBF5049629}" type="slidenum">
               <a:rPr lang="pt-BR" smtClean="0"/>
-              <a:t>18</a:t>
+              <a:t>17</a:t>
             </a:fld>
             <a:endParaRPr lang="pt-BR"/>
           </a:p>
@@ -24873,7 +24883,7 @@
     </p:spTree>
     <p:extLst>
       <p:ext uri="{BB962C8B-B14F-4D97-AF65-F5344CB8AC3E}">
-        <p14:creationId xmlns:p14="http://schemas.microsoft.com/office/powerpoint/2010/main" val="2563196074"/>
+        <p14:creationId xmlns:p14="http://schemas.microsoft.com/office/powerpoint/2010/main" val="1892288147"/>
       </p:ext>
     </p:extLst>
   </p:cSld>
@@ -24950,7 +24960,7 @@
             <a:pPr rtl="0"/>
             <a:fld id="{C6B3AB32-59DF-41F1-9618-EDFBF5049629}" type="slidenum">
               <a:rPr lang="pt-BR" smtClean="0"/>
-              <a:t>19</a:t>
+              <a:t>18</a:t>
             </a:fld>
             <a:endParaRPr lang="pt-BR"/>
           </a:p>
@@ -24959,7 +24969,7 @@
     </p:spTree>
     <p:extLst>
       <p:ext uri="{BB962C8B-B14F-4D97-AF65-F5344CB8AC3E}">
-        <p14:creationId xmlns:p14="http://schemas.microsoft.com/office/powerpoint/2010/main" val="3988829106"/>
+        <p14:creationId xmlns:p14="http://schemas.microsoft.com/office/powerpoint/2010/main" val="4140748790"/>
       </p:ext>
     </p:extLst>
   </p:cSld>
@@ -25122,7 +25132,7 @@
             <a:pPr rtl="0"/>
             <a:fld id="{C6B3AB32-59DF-41F1-9618-EDFBF5049629}" type="slidenum">
               <a:rPr lang="pt-BR" smtClean="0"/>
-              <a:t>32</a:t>
+              <a:t>19</a:t>
             </a:fld>
             <a:endParaRPr lang="pt-BR"/>
           </a:p>
@@ -25131,7 +25141,7 @@
     </p:spTree>
     <p:extLst>
       <p:ext uri="{BB962C8B-B14F-4D97-AF65-F5344CB8AC3E}">
-        <p14:creationId xmlns:p14="http://schemas.microsoft.com/office/powerpoint/2010/main" val="1390047011"/>
+        <p14:creationId xmlns:p14="http://schemas.microsoft.com/office/powerpoint/2010/main" val="2563196074"/>
       </p:ext>
     </p:extLst>
   </p:cSld>
@@ -25208,7 +25218,179 @@
             <a:pPr rtl="0"/>
             <a:fld id="{C6B3AB32-59DF-41F1-9618-EDFBF5049629}" type="slidenum">
               <a:rPr lang="pt-BR" smtClean="0"/>
+              <a:t>20</a:t>
+            </a:fld>
+            <a:endParaRPr lang="pt-BR"/>
+          </a:p>
+        </p:txBody>
+      </p:sp>
+    </p:spTree>
+    <p:extLst>
+      <p:ext uri="{BB962C8B-B14F-4D97-AF65-F5344CB8AC3E}">
+        <p14:creationId xmlns:p14="http://schemas.microsoft.com/office/powerpoint/2010/main" val="3988829106"/>
+      </p:ext>
+    </p:extLst>
+  </p:cSld>
+  <p:clrMapOvr>
+    <a:masterClrMapping/>
+  </p:clrMapOvr>
+</p:notes>
+</file>
+
+<file path=ppt/notesSlides/notesSlide22.xml><?xml version="1.0" encoding="utf-8"?>
+<p:notes xmlns:a="http://schemas.openxmlformats.org/drawingml/2006/main" xmlns:r="http://schemas.openxmlformats.org/officeDocument/2006/relationships" xmlns:p="http://schemas.openxmlformats.org/presentationml/2006/main">
+  <p:cSld>
+    <p:spTree>
+      <p:nvGrpSpPr>
+        <p:cNvPr id="1" name=""/>
+        <p:cNvGrpSpPr/>
+        <p:nvPr/>
+      </p:nvGrpSpPr>
+      <p:grpSpPr>
+        <a:xfrm>
+          <a:off x="0" y="0"/>
+          <a:ext cx="0" cy="0"/>
+          <a:chOff x="0" y="0"/>
+          <a:chExt cx="0" cy="0"/>
+        </a:xfrm>
+      </p:grpSpPr>
+      <p:sp>
+        <p:nvSpPr>
+          <p:cNvPr id="2" name="Espaço Reservado para Imagem do Slide 1"/>
+          <p:cNvSpPr>
+            <a:spLocks noGrp="1" noRot="1" noChangeAspect="1"/>
+          </p:cNvSpPr>
+          <p:nvPr>
+            <p:ph type="sldImg"/>
+          </p:nvPr>
+        </p:nvSpPr>
+        <p:spPr/>
+      </p:sp>
+      <p:sp>
+        <p:nvSpPr>
+          <p:cNvPr id="3" name="Espaço Reservado para Notas 2"/>
+          <p:cNvSpPr>
+            <a:spLocks noGrp="1"/>
+          </p:cNvSpPr>
+          <p:nvPr>
+            <p:ph type="body" idx="1"/>
+          </p:nvPr>
+        </p:nvSpPr>
+        <p:spPr/>
+        <p:txBody>
+          <a:bodyPr rtlCol="0"/>
+          <a:lstStyle/>
+          <a:p>
+            <a:pPr rtl="0"/>
+            <a:endParaRPr lang="pt-BR" noProof="0" dirty="0"/>
+          </a:p>
+        </p:txBody>
+      </p:sp>
+      <p:sp>
+        <p:nvSpPr>
+          <p:cNvPr id="4" name="Espaço Reservado para o Número do Slide 3"/>
+          <p:cNvSpPr>
+            <a:spLocks noGrp="1"/>
+          </p:cNvSpPr>
+          <p:nvPr>
+            <p:ph type="sldNum" sz="quarter" idx="5"/>
+          </p:nvPr>
+        </p:nvSpPr>
+        <p:spPr/>
+        <p:txBody>
+          <a:bodyPr rtlCol="0"/>
+          <a:lstStyle/>
+          <a:p>
+            <a:pPr rtl="0"/>
+            <a:fld id="{C6B3AB32-59DF-41F1-9618-EDFBF5049629}" type="slidenum">
+              <a:rPr lang="pt-BR" smtClean="0"/>
               <a:t>33</a:t>
+            </a:fld>
+            <a:endParaRPr lang="pt-BR"/>
+          </a:p>
+        </p:txBody>
+      </p:sp>
+    </p:spTree>
+    <p:extLst>
+      <p:ext uri="{BB962C8B-B14F-4D97-AF65-F5344CB8AC3E}">
+        <p14:creationId xmlns:p14="http://schemas.microsoft.com/office/powerpoint/2010/main" val="1390047011"/>
+      </p:ext>
+    </p:extLst>
+  </p:cSld>
+  <p:clrMapOvr>
+    <a:masterClrMapping/>
+  </p:clrMapOvr>
+</p:notes>
+</file>
+
+<file path=ppt/notesSlides/notesSlide23.xml><?xml version="1.0" encoding="utf-8"?>
+<p:notes xmlns:a="http://schemas.openxmlformats.org/drawingml/2006/main" xmlns:r="http://schemas.openxmlformats.org/officeDocument/2006/relationships" xmlns:p="http://schemas.openxmlformats.org/presentationml/2006/main">
+  <p:cSld>
+    <p:spTree>
+      <p:nvGrpSpPr>
+        <p:cNvPr id="1" name=""/>
+        <p:cNvGrpSpPr/>
+        <p:nvPr/>
+      </p:nvGrpSpPr>
+      <p:grpSpPr>
+        <a:xfrm>
+          <a:off x="0" y="0"/>
+          <a:ext cx="0" cy="0"/>
+          <a:chOff x="0" y="0"/>
+          <a:chExt cx="0" cy="0"/>
+        </a:xfrm>
+      </p:grpSpPr>
+      <p:sp>
+        <p:nvSpPr>
+          <p:cNvPr id="2" name="Espaço Reservado para Imagem do Slide 1"/>
+          <p:cNvSpPr>
+            <a:spLocks noGrp="1" noRot="1" noChangeAspect="1"/>
+          </p:cNvSpPr>
+          <p:nvPr>
+            <p:ph type="sldImg"/>
+          </p:nvPr>
+        </p:nvSpPr>
+        <p:spPr/>
+      </p:sp>
+      <p:sp>
+        <p:nvSpPr>
+          <p:cNvPr id="3" name="Espaço Reservado para Notas 2"/>
+          <p:cNvSpPr>
+            <a:spLocks noGrp="1"/>
+          </p:cNvSpPr>
+          <p:nvPr>
+            <p:ph type="body" idx="1"/>
+          </p:nvPr>
+        </p:nvSpPr>
+        <p:spPr/>
+        <p:txBody>
+          <a:bodyPr rtlCol="0"/>
+          <a:lstStyle/>
+          <a:p>
+            <a:pPr rtl="0"/>
+            <a:endParaRPr lang="pt-BR" noProof="0" dirty="0"/>
+          </a:p>
+        </p:txBody>
+      </p:sp>
+      <p:sp>
+        <p:nvSpPr>
+          <p:cNvPr id="4" name="Espaço Reservado para o Número do Slide 3"/>
+          <p:cNvSpPr>
+            <a:spLocks noGrp="1"/>
+          </p:cNvSpPr>
+          <p:nvPr>
+            <p:ph type="sldNum" sz="quarter" idx="5"/>
+          </p:nvPr>
+        </p:nvSpPr>
+        <p:spPr/>
+        <p:txBody>
+          <a:bodyPr rtlCol="0"/>
+          <a:lstStyle/>
+          <a:p>
+            <a:pPr rtl="0"/>
+            <a:fld id="{C6B3AB32-59DF-41F1-9618-EDFBF5049629}" type="slidenum">
+              <a:rPr lang="pt-BR" smtClean="0"/>
+              <a:t>34</a:t>
             </a:fld>
             <a:endParaRPr lang="pt-BR"/>
           </a:p>
@@ -25303,7 +25485,7 @@
     </p:spTree>
     <p:extLst>
       <p:ext uri="{BB962C8B-B14F-4D97-AF65-F5344CB8AC3E}">
-        <p14:creationId xmlns:p14="http://schemas.microsoft.com/office/powerpoint/2010/main" val="97916507"/>
+        <p14:creationId xmlns:p14="http://schemas.microsoft.com/office/powerpoint/2010/main" val="450047560"/>
       </p:ext>
     </p:extLst>
   </p:cSld>
@@ -25380,7 +25562,7 @@
             <a:pPr rtl="0"/>
             <a:fld id="{C6B3AB32-59DF-41F1-9618-EDFBF5049629}" type="slidenum">
               <a:rPr lang="pt-BR" smtClean="0"/>
-              <a:t>4</a:t>
+              <a:t>3</a:t>
             </a:fld>
             <a:endParaRPr lang="pt-BR"/>
           </a:p>
@@ -25389,7 +25571,7 @@
     </p:spTree>
     <p:extLst>
       <p:ext uri="{BB962C8B-B14F-4D97-AF65-F5344CB8AC3E}">
-        <p14:creationId xmlns:p14="http://schemas.microsoft.com/office/powerpoint/2010/main" val="3208120848"/>
+        <p14:creationId xmlns:p14="http://schemas.microsoft.com/office/powerpoint/2010/main" val="2285136353"/>
       </p:ext>
     </p:extLst>
   </p:cSld>
@@ -25466,7 +25648,7 @@
             <a:pPr rtl="0"/>
             <a:fld id="{C6B3AB32-59DF-41F1-9618-EDFBF5049629}" type="slidenum">
               <a:rPr lang="pt-BR" smtClean="0"/>
-              <a:t>5</a:t>
+              <a:t>4</a:t>
             </a:fld>
             <a:endParaRPr lang="pt-BR"/>
           </a:p>
@@ -25475,7 +25657,7 @@
     </p:spTree>
     <p:extLst>
       <p:ext uri="{BB962C8B-B14F-4D97-AF65-F5344CB8AC3E}">
-        <p14:creationId xmlns:p14="http://schemas.microsoft.com/office/powerpoint/2010/main" val="4147271752"/>
+        <p14:creationId xmlns:p14="http://schemas.microsoft.com/office/powerpoint/2010/main" val="97916507"/>
       </p:ext>
     </p:extLst>
   </p:cSld>
@@ -25552,7 +25734,7 @@
             <a:pPr rtl="0"/>
             <a:fld id="{C6B3AB32-59DF-41F1-9618-EDFBF5049629}" type="slidenum">
               <a:rPr lang="pt-BR" smtClean="0"/>
-              <a:t>6</a:t>
+              <a:t>5</a:t>
             </a:fld>
             <a:endParaRPr lang="pt-BR"/>
           </a:p>
@@ -25561,7 +25743,7 @@
     </p:spTree>
     <p:extLst>
       <p:ext uri="{BB962C8B-B14F-4D97-AF65-F5344CB8AC3E}">
-        <p14:creationId xmlns:p14="http://schemas.microsoft.com/office/powerpoint/2010/main" val="3172999996"/>
+        <p14:creationId xmlns:p14="http://schemas.microsoft.com/office/powerpoint/2010/main" val="3208120848"/>
       </p:ext>
     </p:extLst>
   </p:cSld>
@@ -25638,7 +25820,7 @@
             <a:pPr rtl="0"/>
             <a:fld id="{C6B3AB32-59DF-41F1-9618-EDFBF5049629}" type="slidenum">
               <a:rPr lang="pt-BR" smtClean="0"/>
-              <a:t>7</a:t>
+              <a:t>6</a:t>
             </a:fld>
             <a:endParaRPr lang="pt-BR"/>
           </a:p>
@@ -25647,7 +25829,7 @@
     </p:spTree>
     <p:extLst>
       <p:ext uri="{BB962C8B-B14F-4D97-AF65-F5344CB8AC3E}">
-        <p14:creationId xmlns:p14="http://schemas.microsoft.com/office/powerpoint/2010/main" val="1825006400"/>
+        <p14:creationId xmlns:p14="http://schemas.microsoft.com/office/powerpoint/2010/main" val="4147271752"/>
       </p:ext>
     </p:extLst>
   </p:cSld>
@@ -25724,7 +25906,7 @@
             <a:pPr rtl="0"/>
             <a:fld id="{C6B3AB32-59DF-41F1-9618-EDFBF5049629}" type="slidenum">
               <a:rPr lang="pt-BR" smtClean="0"/>
-              <a:t>8</a:t>
+              <a:t>7</a:t>
             </a:fld>
             <a:endParaRPr lang="pt-BR"/>
           </a:p>
@@ -25733,7 +25915,7 @@
     </p:spTree>
     <p:extLst>
       <p:ext uri="{BB962C8B-B14F-4D97-AF65-F5344CB8AC3E}">
-        <p14:creationId xmlns:p14="http://schemas.microsoft.com/office/powerpoint/2010/main" val="2589443612"/>
+        <p14:creationId xmlns:p14="http://schemas.microsoft.com/office/powerpoint/2010/main" val="3172999996"/>
       </p:ext>
     </p:extLst>
   </p:cSld>
@@ -25810,7 +25992,7 @@
             <a:pPr rtl="0"/>
             <a:fld id="{C6B3AB32-59DF-41F1-9618-EDFBF5049629}" type="slidenum">
               <a:rPr lang="pt-BR" smtClean="0"/>
-              <a:t>9</a:t>
+              <a:t>8</a:t>
             </a:fld>
             <a:endParaRPr lang="pt-BR"/>
           </a:p>
@@ -25819,7 +26001,7 @@
     </p:spTree>
     <p:extLst>
       <p:ext uri="{BB962C8B-B14F-4D97-AF65-F5344CB8AC3E}">
-        <p14:creationId xmlns:p14="http://schemas.microsoft.com/office/powerpoint/2010/main" val="2434437706"/>
+        <p14:creationId xmlns:p14="http://schemas.microsoft.com/office/powerpoint/2010/main" val="1825006400"/>
       </p:ext>
     </p:extLst>
   </p:cSld>
@@ -29918,6 +30100,506 @@
                   <a:srgbClr val="FFFEFF"/>
                 </a:solidFill>
               </a:rPr>
+              <a:t>PROJETO “iniciar </a:t>
+            </a:r>
+            <a:r>
+              <a:rPr lang="pt-BR" dirty="0" err="1">
+                <a:solidFill>
+                  <a:srgbClr val="FFFEFF"/>
+                </a:solidFill>
+              </a:rPr>
+              <a:t>cpu</a:t>
+            </a:r>
+            <a:r>
+              <a:rPr lang="pt-BR" dirty="0">
+                <a:solidFill>
+                  <a:srgbClr val="FFFEFF"/>
+                </a:solidFill>
+              </a:rPr>
+              <a:t>” – diagrama de classe sem </a:t>
+            </a:r>
+            <a:r>
+              <a:rPr lang="pt-BR" dirty="0" err="1">
+                <a:solidFill>
+                  <a:srgbClr val="FFFEFF"/>
+                </a:solidFill>
+              </a:rPr>
+              <a:t>façade</a:t>
+            </a:r>
+            <a:endParaRPr lang="pt-BR" dirty="0">
+              <a:solidFill>
+                <a:srgbClr val="FFFEFF"/>
+              </a:solidFill>
+            </a:endParaRPr>
+          </a:p>
+        </p:txBody>
+      </p:sp>
+      <p:pic>
+        <p:nvPicPr>
+          <p:cNvPr id="5" name="Espaço Reservado para Conteúdo 4" descr="Tela de computador com texto preto sobre fundo branco">
+            <a:extLst>
+              <a:ext uri="{FF2B5EF4-FFF2-40B4-BE49-F238E27FC236}">
+                <a16:creationId xmlns:a16="http://schemas.microsoft.com/office/drawing/2014/main" id="{244738B4-CDB7-521F-5166-203C07473EE5}"/>
+              </a:ext>
+            </a:extLst>
+          </p:cNvPr>
+          <p:cNvPicPr>
+            <a:picLocks noGrp="1" noChangeAspect="1"/>
+          </p:cNvPicPr>
+          <p:nvPr>
+            <p:ph idx="1"/>
+          </p:nvPr>
+        </p:nvPicPr>
+        <p:blipFill>
+          <a:blip r:embed="rId3"/>
+          <a:stretch>
+            <a:fillRect/>
+          </a:stretch>
+        </p:blipFill>
+        <p:spPr>
+          <a:xfrm>
+            <a:off x="447817" y="536712"/>
+            <a:ext cx="11290859" cy="4605261"/>
+          </a:xfrm>
+        </p:spPr>
+      </p:pic>
+    </p:spTree>
+    <p:extLst>
+      <p:ext uri="{BB962C8B-B14F-4D97-AF65-F5344CB8AC3E}">
+        <p14:creationId xmlns:p14="http://schemas.microsoft.com/office/powerpoint/2010/main" val="177369358"/>
+      </p:ext>
+    </p:extLst>
+  </p:cSld>
+  <p:clrMapOvr>
+    <a:masterClrMapping/>
+  </p:clrMapOvr>
+</p:sld>
+</file>
+
+<file path=ppt/slides/slide11.xml><?xml version="1.0" encoding="utf-8"?>
+<p:sld xmlns:a="http://schemas.openxmlformats.org/drawingml/2006/main" xmlns:r="http://schemas.openxmlformats.org/officeDocument/2006/relationships" xmlns:p="http://schemas.openxmlformats.org/presentationml/2006/main">
+  <p:cSld>
+    <p:bg>
+      <p:bgPr>
+        <a:solidFill>
+          <a:schemeClr val="bg1"/>
+        </a:solidFill>
+        <a:effectLst/>
+      </p:bgPr>
+    </p:bg>
+    <p:spTree>
+      <p:nvGrpSpPr>
+        <p:cNvPr id="1" name=""/>
+        <p:cNvGrpSpPr/>
+        <p:nvPr/>
+      </p:nvGrpSpPr>
+      <p:grpSpPr>
+        <a:xfrm>
+          <a:off x="0" y="0"/>
+          <a:ext cx="0" cy="0"/>
+          <a:chOff x="0" y="0"/>
+          <a:chExt cx="0" cy="0"/>
+        </a:xfrm>
+      </p:grpSpPr>
+      <p:sp useBgFill="1">
+        <p:nvSpPr>
+          <p:cNvPr id="29" name="Retângulo 28">
+            <a:extLst>
+              <a:ext uri="{FF2B5EF4-FFF2-40B4-BE49-F238E27FC236}">
+                <a16:creationId xmlns:a16="http://schemas.microsoft.com/office/drawing/2014/main" id="{BFDA9692-ECDC-4B59-86B2-8C90FDE1A055}"/>
+              </a:ext>
+              <a:ext uri="{C183D7F6-B498-43B3-948B-1728B52AA6E4}">
+                <adec:decorative xmlns:adec="http://schemas.microsoft.com/office/drawing/2017/decorative" val="1"/>
+              </a:ext>
+            </a:extLst>
+          </p:cNvPr>
+          <p:cNvSpPr>
+            <a:spLocks noGrp="1" noRot="1" noChangeAspect="1" noMove="1" noResize="1" noEditPoints="1" noAdjustHandles="1" noChangeArrowheads="1" noChangeShapeType="1" noTextEdit="1"/>
+          </p:cNvSpPr>
+          <p:nvPr>
+            <p:extLst>
+              <p:ext uri="{386F3935-93C4-4BCD-93E2-E3B085C9AB24}">
+                <p16:designElem xmlns:p16="http://schemas.microsoft.com/office/powerpoint/2015/main" val="1"/>
+              </p:ext>
+            </p:extLst>
+          </p:nvPr>
+        </p:nvSpPr>
+        <p:spPr>
+          <a:xfrm>
+            <a:off x="0" y="536712"/>
+            <a:ext cx="12192000" cy="6321287"/>
+          </a:xfrm>
+          <a:prstGeom prst="rect">
+            <a:avLst/>
+          </a:prstGeom>
+          <a:ln>
+            <a:noFill/>
+          </a:ln>
+        </p:spPr>
+        <p:style>
+          <a:lnRef idx="2">
+            <a:schemeClr val="accent1">
+              <a:shade val="50000"/>
+            </a:schemeClr>
+          </a:lnRef>
+          <a:fillRef idx="1">
+            <a:schemeClr val="accent1"/>
+          </a:fillRef>
+          <a:effectRef idx="0">
+            <a:schemeClr val="accent1"/>
+          </a:effectRef>
+          <a:fontRef idx="minor">
+            <a:schemeClr val="lt1"/>
+          </a:fontRef>
+        </p:style>
+        <p:txBody>
+          <a:bodyPr rtlCol="0" anchor="ctr"/>
+          <a:lstStyle/>
+          <a:p>
+            <a:pPr algn="ctr" rtl="0"/>
+            <a:endParaRPr lang="en-US" dirty="0"/>
+          </a:p>
+        </p:txBody>
+      </p:sp>
+      <p:sp>
+        <p:nvSpPr>
+          <p:cNvPr id="31" name="Retângulo 30">
+            <a:extLst>
+              <a:ext uri="{FF2B5EF4-FFF2-40B4-BE49-F238E27FC236}">
+                <a16:creationId xmlns:a16="http://schemas.microsoft.com/office/drawing/2014/main" id="{12C05506-42A1-49C0-9D87-081CCD9023D6}"/>
+              </a:ext>
+              <a:ext uri="{C183D7F6-B498-43B3-948B-1728B52AA6E4}">
+                <adec:decorative xmlns:adec="http://schemas.microsoft.com/office/drawing/2017/decorative" val="1"/>
+              </a:ext>
+            </a:extLst>
+          </p:cNvPr>
+          <p:cNvSpPr>
+            <a:spLocks noGrp="1" noRot="1" noChangeAspect="1" noMove="1" noResize="1" noEditPoints="1" noAdjustHandles="1" noChangeArrowheads="1" noChangeShapeType="1" noTextEdit="1"/>
+          </p:cNvSpPr>
+          <p:nvPr>
+            <p:extLst>
+              <p:ext uri="{386F3935-93C4-4BCD-93E2-E3B085C9AB24}">
+                <p16:designElem xmlns:p16="http://schemas.microsoft.com/office/powerpoint/2015/main" val="1"/>
+              </p:ext>
+            </p:extLst>
+          </p:nvPr>
+        </p:nvSpPr>
+        <p:spPr>
+          <a:xfrm>
+            <a:off x="447817" y="5141974"/>
+            <a:ext cx="11290860" cy="1258827"/>
+          </a:xfrm>
+          <a:prstGeom prst="rect">
+            <a:avLst/>
+          </a:prstGeom>
+          <a:solidFill>
+            <a:schemeClr val="accent1"/>
+          </a:solidFill>
+          <a:ln>
+            <a:noFill/>
+          </a:ln>
+          <a:effectLst/>
+        </p:spPr>
+        <p:style>
+          <a:lnRef idx="1">
+            <a:schemeClr val="accent1"/>
+          </a:lnRef>
+          <a:fillRef idx="3">
+            <a:schemeClr val="accent1"/>
+          </a:fillRef>
+          <a:effectRef idx="2">
+            <a:schemeClr val="accent1"/>
+          </a:effectRef>
+          <a:fontRef idx="minor">
+            <a:schemeClr val="lt1"/>
+          </a:fontRef>
+        </p:style>
+      </p:sp>
+      <p:sp>
+        <p:nvSpPr>
+          <p:cNvPr id="2" name="Título 1">
+            <a:extLst>
+              <a:ext uri="{FF2B5EF4-FFF2-40B4-BE49-F238E27FC236}">
+                <a16:creationId xmlns:a16="http://schemas.microsoft.com/office/drawing/2014/main" id="{5B040558-A365-4CCE-92FA-5A48CD98F9C9}"/>
+              </a:ext>
+            </a:extLst>
+          </p:cNvPr>
+          <p:cNvSpPr>
+            <a:spLocks noGrp="1"/>
+          </p:cNvSpPr>
+          <p:nvPr>
+            <p:ph type="title"/>
+          </p:nvPr>
+        </p:nvSpPr>
+        <p:spPr>
+          <a:xfrm>
+            <a:off x="581192" y="5264487"/>
+            <a:ext cx="11029616" cy="718870"/>
+          </a:xfrm>
+        </p:spPr>
+        <p:txBody>
+          <a:bodyPr rtlCol="0">
+            <a:normAutofit/>
+          </a:bodyPr>
+          <a:lstStyle/>
+          <a:p>
+            <a:pPr rtl="0"/>
+            <a:r>
+              <a:rPr lang="pt-BR" dirty="0">
+                <a:solidFill>
+                  <a:srgbClr val="FFFEFF"/>
+                </a:solidFill>
+              </a:rPr>
+              <a:t>PROJETO “iniciar </a:t>
+            </a:r>
+            <a:r>
+              <a:rPr lang="pt-BR" dirty="0" err="1">
+                <a:solidFill>
+                  <a:srgbClr val="FFFEFF"/>
+                </a:solidFill>
+              </a:rPr>
+              <a:t>cpu</a:t>
+            </a:r>
+            <a:r>
+              <a:rPr lang="pt-BR" dirty="0">
+                <a:solidFill>
+                  <a:srgbClr val="FFFEFF"/>
+                </a:solidFill>
+              </a:rPr>
+              <a:t>” – diagrama de classe com </a:t>
+            </a:r>
+            <a:r>
+              <a:rPr lang="pt-BR" dirty="0" err="1">
+                <a:solidFill>
+                  <a:srgbClr val="FFFEFF"/>
+                </a:solidFill>
+              </a:rPr>
+              <a:t>façade</a:t>
+            </a:r>
+            <a:endParaRPr lang="pt-BR" dirty="0">
+              <a:solidFill>
+                <a:srgbClr val="FFFEFF"/>
+              </a:solidFill>
+            </a:endParaRPr>
+          </a:p>
+        </p:txBody>
+      </p:sp>
+      <p:pic>
+        <p:nvPicPr>
+          <p:cNvPr id="7" name="Espaço Reservado para Conteúdo 6" descr="projeto em java com padrão de projeto façade">
+            <a:extLst>
+              <a:ext uri="{FF2B5EF4-FFF2-40B4-BE49-F238E27FC236}">
+                <a16:creationId xmlns:a16="http://schemas.microsoft.com/office/drawing/2014/main" id="{D1DA1BF3-1AE3-1EFE-F566-456BB2D527B4}"/>
+              </a:ext>
+            </a:extLst>
+          </p:cNvPr>
+          <p:cNvPicPr>
+            <a:picLocks noGrp="1" noChangeAspect="1"/>
+          </p:cNvPicPr>
+          <p:nvPr>
+            <p:ph idx="1"/>
+          </p:nvPr>
+        </p:nvPicPr>
+        <p:blipFill>
+          <a:blip r:embed="rId3"/>
+          <a:stretch>
+            <a:fillRect/>
+          </a:stretch>
+        </p:blipFill>
+        <p:spPr>
+          <a:xfrm>
+            <a:off x="447817" y="536713"/>
+            <a:ext cx="11290860" cy="4605262"/>
+          </a:xfrm>
+        </p:spPr>
+      </p:pic>
+    </p:spTree>
+    <p:extLst>
+      <p:ext uri="{BB962C8B-B14F-4D97-AF65-F5344CB8AC3E}">
+        <p14:creationId xmlns:p14="http://schemas.microsoft.com/office/powerpoint/2010/main" val="3596496641"/>
+      </p:ext>
+    </p:extLst>
+  </p:cSld>
+  <p:clrMapOvr>
+    <a:masterClrMapping/>
+  </p:clrMapOvr>
+</p:sld>
+</file>
+
+<file path=ppt/slides/slide12.xml><?xml version="1.0" encoding="utf-8"?>
+<p:sld xmlns:a="http://schemas.openxmlformats.org/drawingml/2006/main" xmlns:r="http://schemas.openxmlformats.org/officeDocument/2006/relationships" xmlns:p="http://schemas.openxmlformats.org/presentationml/2006/main">
+  <p:cSld>
+    <p:bg>
+      <p:bgPr>
+        <a:solidFill>
+          <a:schemeClr val="bg1"/>
+        </a:solidFill>
+        <a:effectLst/>
+      </p:bgPr>
+    </p:bg>
+    <p:spTree>
+      <p:nvGrpSpPr>
+        <p:cNvPr id="1" name=""/>
+        <p:cNvGrpSpPr/>
+        <p:nvPr/>
+      </p:nvGrpSpPr>
+      <p:grpSpPr>
+        <a:xfrm>
+          <a:off x="0" y="0"/>
+          <a:ext cx="0" cy="0"/>
+          <a:chOff x="0" y="0"/>
+          <a:chExt cx="0" cy="0"/>
+        </a:xfrm>
+      </p:grpSpPr>
+      <p:sp useBgFill="1">
+        <p:nvSpPr>
+          <p:cNvPr id="29" name="Retângulo 28">
+            <a:extLst>
+              <a:ext uri="{FF2B5EF4-FFF2-40B4-BE49-F238E27FC236}">
+                <a16:creationId xmlns:a16="http://schemas.microsoft.com/office/drawing/2014/main" id="{BFDA9692-ECDC-4B59-86B2-8C90FDE1A055}"/>
+              </a:ext>
+              <a:ext uri="{C183D7F6-B498-43B3-948B-1728B52AA6E4}">
+                <adec:decorative xmlns:adec="http://schemas.microsoft.com/office/drawing/2017/decorative" val="1"/>
+              </a:ext>
+            </a:extLst>
+          </p:cNvPr>
+          <p:cNvSpPr>
+            <a:spLocks noGrp="1" noRot="1" noChangeAspect="1" noMove="1" noResize="1" noEditPoints="1" noAdjustHandles="1" noChangeArrowheads="1" noChangeShapeType="1" noTextEdit="1"/>
+          </p:cNvSpPr>
+          <p:nvPr>
+            <p:extLst>
+              <p:ext uri="{386F3935-93C4-4BCD-93E2-E3B085C9AB24}">
+                <p16:designElem xmlns:p16="http://schemas.microsoft.com/office/powerpoint/2015/main" val="1"/>
+              </p:ext>
+            </p:extLst>
+          </p:nvPr>
+        </p:nvSpPr>
+        <p:spPr>
+          <a:xfrm>
+            <a:off x="0" y="536712"/>
+            <a:ext cx="12192000" cy="6321287"/>
+          </a:xfrm>
+          <a:prstGeom prst="rect">
+            <a:avLst/>
+          </a:prstGeom>
+          <a:ln>
+            <a:noFill/>
+          </a:ln>
+        </p:spPr>
+        <p:style>
+          <a:lnRef idx="2">
+            <a:schemeClr val="accent1">
+              <a:shade val="50000"/>
+            </a:schemeClr>
+          </a:lnRef>
+          <a:fillRef idx="1">
+            <a:schemeClr val="accent1"/>
+          </a:fillRef>
+          <a:effectRef idx="0">
+            <a:schemeClr val="accent1"/>
+          </a:effectRef>
+          <a:fontRef idx="minor">
+            <a:schemeClr val="lt1"/>
+          </a:fontRef>
+        </p:style>
+        <p:txBody>
+          <a:bodyPr rtlCol="0" anchor="ctr"/>
+          <a:lstStyle/>
+          <a:p>
+            <a:pPr algn="ctr" rtl="0"/>
+            <a:endParaRPr lang="en-US" dirty="0"/>
+          </a:p>
+        </p:txBody>
+      </p:sp>
+      <p:sp>
+        <p:nvSpPr>
+          <p:cNvPr id="31" name="Retângulo 30">
+            <a:extLst>
+              <a:ext uri="{FF2B5EF4-FFF2-40B4-BE49-F238E27FC236}">
+                <a16:creationId xmlns:a16="http://schemas.microsoft.com/office/drawing/2014/main" id="{12C05506-42A1-49C0-9D87-081CCD9023D6}"/>
+              </a:ext>
+              <a:ext uri="{C183D7F6-B498-43B3-948B-1728B52AA6E4}">
+                <adec:decorative xmlns:adec="http://schemas.microsoft.com/office/drawing/2017/decorative" val="1"/>
+              </a:ext>
+            </a:extLst>
+          </p:cNvPr>
+          <p:cNvSpPr>
+            <a:spLocks noGrp="1" noRot="1" noChangeAspect="1" noMove="1" noResize="1" noEditPoints="1" noAdjustHandles="1" noChangeArrowheads="1" noChangeShapeType="1" noTextEdit="1"/>
+          </p:cNvSpPr>
+          <p:nvPr>
+            <p:extLst>
+              <p:ext uri="{386F3935-93C4-4BCD-93E2-E3B085C9AB24}">
+                <p16:designElem xmlns:p16="http://schemas.microsoft.com/office/powerpoint/2015/main" val="1"/>
+              </p:ext>
+            </p:extLst>
+          </p:nvPr>
+        </p:nvSpPr>
+        <p:spPr>
+          <a:xfrm>
+            <a:off x="447817" y="5141974"/>
+            <a:ext cx="11290860" cy="1258827"/>
+          </a:xfrm>
+          <a:prstGeom prst="rect">
+            <a:avLst/>
+          </a:prstGeom>
+          <a:solidFill>
+            <a:schemeClr val="accent1"/>
+          </a:solidFill>
+          <a:ln>
+            <a:noFill/>
+          </a:ln>
+          <a:effectLst/>
+        </p:spPr>
+        <p:style>
+          <a:lnRef idx="1">
+            <a:schemeClr val="accent1"/>
+          </a:lnRef>
+          <a:fillRef idx="3">
+            <a:schemeClr val="accent1"/>
+          </a:fillRef>
+          <a:effectRef idx="2">
+            <a:schemeClr val="accent1"/>
+          </a:effectRef>
+          <a:fontRef idx="minor">
+            <a:schemeClr val="lt1"/>
+          </a:fontRef>
+        </p:style>
+      </p:sp>
+      <p:sp>
+        <p:nvSpPr>
+          <p:cNvPr id="2" name="Título 1">
+            <a:extLst>
+              <a:ext uri="{FF2B5EF4-FFF2-40B4-BE49-F238E27FC236}">
+                <a16:creationId xmlns:a16="http://schemas.microsoft.com/office/drawing/2014/main" id="{5B040558-A365-4CCE-92FA-5A48CD98F9C9}"/>
+              </a:ext>
+            </a:extLst>
+          </p:cNvPr>
+          <p:cNvSpPr>
+            <a:spLocks noGrp="1"/>
+          </p:cNvSpPr>
+          <p:nvPr>
+            <p:ph type="title"/>
+          </p:nvPr>
+        </p:nvSpPr>
+        <p:spPr>
+          <a:xfrm>
+            <a:off x="581192" y="5264487"/>
+            <a:ext cx="11029616" cy="718870"/>
+          </a:xfrm>
+        </p:spPr>
+        <p:txBody>
+          <a:bodyPr rtlCol="0">
+            <a:normAutofit/>
+          </a:bodyPr>
+          <a:lstStyle/>
+          <a:p>
+            <a:pPr rtl="0"/>
+            <a:r>
+              <a:rPr lang="pt-BR" dirty="0">
+                <a:solidFill>
+                  <a:srgbClr val="FFFEFF"/>
+                </a:solidFill>
+              </a:rPr>
               <a:t>PADRÃO DE PROJETO “</a:t>
             </a:r>
             <a:r>
@@ -29982,7 +30664,7 @@
 </p:sld>
 </file>
 
-<file path=ppt/slides/slide11.xml><?xml version="1.0" encoding="utf-8"?>
+<file path=ppt/slides/slide13.xml><?xml version="1.0" encoding="utf-8"?>
 <p:sld xmlns:a="http://schemas.openxmlformats.org/drawingml/2006/main" xmlns:r="http://schemas.openxmlformats.org/officeDocument/2006/relationships" xmlns:p="http://schemas.openxmlformats.org/presentationml/2006/main">
   <p:cSld>
     <p:bg>
@@ -30239,7 +30921,7 @@
 </p:sld>
 </file>
 
-<file path=ppt/slides/slide12.xml><?xml version="1.0" encoding="utf-8"?>
+<file path=ppt/slides/slide14.xml><?xml version="1.0" encoding="utf-8"?>
 <p:sld xmlns:a="http://schemas.openxmlformats.org/drawingml/2006/main" xmlns:r="http://schemas.openxmlformats.org/officeDocument/2006/relationships" xmlns:p="http://schemas.openxmlformats.org/presentationml/2006/main">
   <p:cSld>
     <p:bg>
@@ -30529,7 +31211,7 @@
 </p:sld>
 </file>
 
-<file path=ppt/slides/slide13.xml><?xml version="1.0" encoding="utf-8"?>
+<file path=ppt/slides/slide15.xml><?xml version="1.0" encoding="utf-8"?>
 <p:sld xmlns:a="http://schemas.openxmlformats.org/drawingml/2006/main" xmlns:r="http://schemas.openxmlformats.org/officeDocument/2006/relationships" xmlns:p="http://schemas.openxmlformats.org/presentationml/2006/main">
   <p:cSld>
     <p:bg>
@@ -30801,7 +31483,7 @@
 </p:sld>
 </file>
 
-<file path=ppt/slides/slide14.xml><?xml version="1.0" encoding="utf-8"?>
+<file path=ppt/slides/slide16.xml><?xml version="1.0" encoding="utf-8"?>
 <p:sld xmlns:a="http://schemas.openxmlformats.org/drawingml/2006/main" xmlns:r="http://schemas.openxmlformats.org/officeDocument/2006/relationships" xmlns:p="http://schemas.openxmlformats.org/presentationml/2006/main">
   <p:cSld>
     <p:bg>
@@ -31084,7 +31766,7 @@
 </p:sld>
 </file>
 
-<file path=ppt/slides/slide15.xml><?xml version="1.0" encoding="utf-8"?>
+<file path=ppt/slides/slide17.xml><?xml version="1.0" encoding="utf-8"?>
 <p:sld xmlns:a="http://schemas.openxmlformats.org/drawingml/2006/main" xmlns:r="http://schemas.openxmlformats.org/officeDocument/2006/relationships" xmlns:p="http://schemas.openxmlformats.org/presentationml/2006/main">
   <p:cSld>
     <p:bg>
@@ -31351,7 +32033,7 @@
 </p:sld>
 </file>
 
-<file path=ppt/slides/slide16.xml><?xml version="1.0" encoding="utf-8"?>
+<file path=ppt/slides/slide18.xml><?xml version="1.0" encoding="utf-8"?>
 <p:sld xmlns:a="http://schemas.openxmlformats.org/drawingml/2006/main" xmlns:r="http://schemas.openxmlformats.org/officeDocument/2006/relationships" xmlns:p="http://schemas.openxmlformats.org/presentationml/2006/main">
   <p:cSld>
     <p:bg>
@@ -31603,7 +32285,7 @@
 </p:sld>
 </file>
 
-<file path=ppt/slides/slide17.xml><?xml version="1.0" encoding="utf-8"?>
+<file path=ppt/slides/slide19.xml><?xml version="1.0" encoding="utf-8"?>
 <p:sld xmlns:a="http://schemas.openxmlformats.org/drawingml/2006/main" xmlns:r="http://schemas.openxmlformats.org/officeDocument/2006/relationships" xmlns:p="http://schemas.openxmlformats.org/presentationml/2006/main">
   <p:cSld>
     <p:bg>
@@ -31900,569 +32582,6 @@
     <p:extLst>
       <p:ext uri="{BB962C8B-B14F-4D97-AF65-F5344CB8AC3E}">
         <p14:creationId xmlns:p14="http://schemas.microsoft.com/office/powerpoint/2010/main" val="3512665580"/>
-      </p:ext>
-    </p:extLst>
-  </p:cSld>
-  <p:clrMapOvr>
-    <a:masterClrMapping/>
-  </p:clrMapOvr>
-</p:sld>
-</file>
-
-<file path=ppt/slides/slide18.xml><?xml version="1.0" encoding="utf-8"?>
-<p:sld xmlns:a="http://schemas.openxmlformats.org/drawingml/2006/main" xmlns:r="http://schemas.openxmlformats.org/officeDocument/2006/relationships" xmlns:p="http://schemas.openxmlformats.org/presentationml/2006/main">
-  <p:cSld>
-    <p:bg>
-      <p:bgPr>
-        <a:solidFill>
-          <a:schemeClr val="bg1"/>
-        </a:solidFill>
-        <a:effectLst/>
-      </p:bgPr>
-    </p:bg>
-    <p:spTree>
-      <p:nvGrpSpPr>
-        <p:cNvPr id="1" name=""/>
-        <p:cNvGrpSpPr/>
-        <p:nvPr/>
-      </p:nvGrpSpPr>
-      <p:grpSpPr>
-        <a:xfrm>
-          <a:off x="0" y="0"/>
-          <a:ext cx="0" cy="0"/>
-          <a:chOff x="0" y="0"/>
-          <a:chExt cx="0" cy="0"/>
-        </a:xfrm>
-      </p:grpSpPr>
-      <p:sp useBgFill="1">
-        <p:nvSpPr>
-          <p:cNvPr id="29" name="Retângulo 28">
-            <a:extLst>
-              <a:ext uri="{FF2B5EF4-FFF2-40B4-BE49-F238E27FC236}">
-                <a16:creationId xmlns:a16="http://schemas.microsoft.com/office/drawing/2014/main" id="{BFDA9692-ECDC-4B59-86B2-8C90FDE1A055}"/>
-              </a:ext>
-              <a:ext uri="{C183D7F6-B498-43B3-948B-1728B52AA6E4}">
-                <adec:decorative xmlns:adec="http://schemas.microsoft.com/office/drawing/2017/decorative" val="1"/>
-              </a:ext>
-            </a:extLst>
-          </p:cNvPr>
-          <p:cNvSpPr>
-            <a:spLocks noGrp="1" noRot="1" noChangeAspect="1" noMove="1" noResize="1" noEditPoints="1" noAdjustHandles="1" noChangeArrowheads="1" noChangeShapeType="1" noTextEdit="1"/>
-          </p:cNvSpPr>
-          <p:nvPr>
-            <p:extLst>
-              <p:ext uri="{386F3935-93C4-4BCD-93E2-E3B085C9AB24}">
-                <p16:designElem xmlns:p16="http://schemas.microsoft.com/office/powerpoint/2015/main" val="1"/>
-              </p:ext>
-            </p:extLst>
-          </p:nvPr>
-        </p:nvSpPr>
-        <p:spPr>
-          <a:xfrm>
-            <a:off x="0" y="536712"/>
-            <a:ext cx="12192000" cy="6321287"/>
-          </a:xfrm>
-          <a:prstGeom prst="rect">
-            <a:avLst/>
-          </a:prstGeom>
-          <a:ln>
-            <a:noFill/>
-          </a:ln>
-        </p:spPr>
-        <p:style>
-          <a:lnRef idx="2">
-            <a:schemeClr val="accent1">
-              <a:shade val="50000"/>
-            </a:schemeClr>
-          </a:lnRef>
-          <a:fillRef idx="1">
-            <a:schemeClr val="accent1"/>
-          </a:fillRef>
-          <a:effectRef idx="0">
-            <a:schemeClr val="accent1"/>
-          </a:effectRef>
-          <a:fontRef idx="minor">
-            <a:schemeClr val="lt1"/>
-          </a:fontRef>
-        </p:style>
-        <p:txBody>
-          <a:bodyPr rtlCol="0" anchor="ctr"/>
-          <a:lstStyle/>
-          <a:p>
-            <a:pPr algn="ctr" rtl="0"/>
-            <a:endParaRPr lang="en-US" dirty="0"/>
-          </a:p>
-        </p:txBody>
-      </p:sp>
-      <p:sp>
-        <p:nvSpPr>
-          <p:cNvPr id="31" name="Retângulo 30">
-            <a:extLst>
-              <a:ext uri="{FF2B5EF4-FFF2-40B4-BE49-F238E27FC236}">
-                <a16:creationId xmlns:a16="http://schemas.microsoft.com/office/drawing/2014/main" id="{12C05506-42A1-49C0-9D87-081CCD9023D6}"/>
-              </a:ext>
-              <a:ext uri="{C183D7F6-B498-43B3-948B-1728B52AA6E4}">
-                <adec:decorative xmlns:adec="http://schemas.microsoft.com/office/drawing/2017/decorative" val="1"/>
-              </a:ext>
-            </a:extLst>
-          </p:cNvPr>
-          <p:cNvSpPr>
-            <a:spLocks noGrp="1" noRot="1" noChangeAspect="1" noMove="1" noResize="1" noEditPoints="1" noAdjustHandles="1" noChangeArrowheads="1" noChangeShapeType="1" noTextEdit="1"/>
-          </p:cNvSpPr>
-          <p:nvPr>
-            <p:extLst>
-              <p:ext uri="{386F3935-93C4-4BCD-93E2-E3B085C9AB24}">
-                <p16:designElem xmlns:p16="http://schemas.microsoft.com/office/powerpoint/2015/main" val="1"/>
-              </p:ext>
-            </p:extLst>
-          </p:nvPr>
-        </p:nvSpPr>
-        <p:spPr>
-          <a:xfrm>
-            <a:off x="447817" y="5141974"/>
-            <a:ext cx="11290860" cy="1258827"/>
-          </a:xfrm>
-          <a:prstGeom prst="rect">
-            <a:avLst/>
-          </a:prstGeom>
-          <a:solidFill>
-            <a:schemeClr val="accent1"/>
-          </a:solidFill>
-          <a:ln>
-            <a:noFill/>
-          </a:ln>
-          <a:effectLst/>
-        </p:spPr>
-        <p:style>
-          <a:lnRef idx="1">
-            <a:schemeClr val="accent1"/>
-          </a:lnRef>
-          <a:fillRef idx="3">
-            <a:schemeClr val="accent1"/>
-          </a:fillRef>
-          <a:effectRef idx="2">
-            <a:schemeClr val="accent1"/>
-          </a:effectRef>
-          <a:fontRef idx="minor">
-            <a:schemeClr val="lt1"/>
-          </a:fontRef>
-        </p:style>
-      </p:sp>
-      <p:sp>
-        <p:nvSpPr>
-          <p:cNvPr id="2" name="Título 1">
-            <a:extLst>
-              <a:ext uri="{FF2B5EF4-FFF2-40B4-BE49-F238E27FC236}">
-                <a16:creationId xmlns:a16="http://schemas.microsoft.com/office/drawing/2014/main" id="{5B040558-A365-4CCE-92FA-5A48CD98F9C9}"/>
-              </a:ext>
-            </a:extLst>
-          </p:cNvPr>
-          <p:cNvSpPr>
-            <a:spLocks noGrp="1"/>
-          </p:cNvSpPr>
-          <p:nvPr>
-            <p:ph type="title"/>
-          </p:nvPr>
-        </p:nvSpPr>
-        <p:spPr>
-          <a:xfrm>
-            <a:off x="581192" y="5264487"/>
-            <a:ext cx="11029616" cy="718870"/>
-          </a:xfrm>
-        </p:spPr>
-        <p:txBody>
-          <a:bodyPr rtlCol="0">
-            <a:normAutofit/>
-          </a:bodyPr>
-          <a:lstStyle/>
-          <a:p>
-            <a:pPr rtl="0"/>
-            <a:r>
-              <a:rPr lang="pt-BR" dirty="0">
-                <a:solidFill>
-                  <a:srgbClr val="FFFEFF"/>
-                </a:solidFill>
-              </a:rPr>
-              <a:t>PADRÃO DE PROJETO “</a:t>
-            </a:r>
-            <a:r>
-              <a:rPr lang="pt-BR" dirty="0" err="1">
-                <a:solidFill>
-                  <a:srgbClr val="FFFEFF"/>
-                </a:solidFill>
-              </a:rPr>
-              <a:t>Façade</a:t>
-            </a:r>
-            <a:r>
-              <a:rPr lang="pt-BR" dirty="0">
-                <a:solidFill>
-                  <a:srgbClr val="FFFEFF"/>
-                </a:solidFill>
-              </a:rPr>
-              <a:t>” – (FACHADA) – VANTAGENS</a:t>
-            </a:r>
-          </a:p>
-        </p:txBody>
-      </p:sp>
-      <p:sp>
-        <p:nvSpPr>
-          <p:cNvPr id="3" name="Espaço Reservado para Conteúdo 2">
-            <a:extLst>
-              <a:ext uri="{FF2B5EF4-FFF2-40B4-BE49-F238E27FC236}">
-                <a16:creationId xmlns:a16="http://schemas.microsoft.com/office/drawing/2014/main" id="{DEBB27E7-80D9-41DC-4B12-95C74F7494B2}"/>
-              </a:ext>
-            </a:extLst>
-          </p:cNvPr>
-          <p:cNvSpPr>
-            <a:spLocks noGrp="1"/>
-          </p:cNvSpPr>
-          <p:nvPr>
-            <p:ph idx="1"/>
-          </p:nvPr>
-        </p:nvSpPr>
-        <p:spPr>
-          <a:xfrm>
-            <a:off x="468000" y="540000"/>
-            <a:ext cx="11290860" cy="4310332"/>
-          </a:xfrm>
-        </p:spPr>
-        <p:txBody>
-          <a:bodyPr>
-            <a:normAutofit/>
-          </a:bodyPr>
-          <a:lstStyle/>
-          <a:p>
-            <a:pPr lvl="0" algn="just">
-              <a:lnSpc>
-                <a:spcPct val="100000"/>
-              </a:lnSpc>
-            </a:pPr>
-            <a:r>
-              <a:rPr lang="pt-BR" sz="2800" b="1" dirty="0"/>
-              <a:t>Redução do acoplamento: </a:t>
-            </a:r>
-            <a:r>
-              <a:rPr lang="pt-BR" sz="2800" dirty="0"/>
-              <a:t>Reduz o acoplamento entre os clientes e os subsistemas, uma vez que os clientes se comunicam apenas com a fachada em vez de interagir diretamente com os subsistemas.</a:t>
-            </a:r>
-          </a:p>
-          <a:p>
-            <a:pPr lvl="0" algn="just">
-              <a:lnSpc>
-                <a:spcPct val="100000"/>
-              </a:lnSpc>
-            </a:pPr>
-            <a:r>
-              <a:rPr lang="pt-BR" sz="2800" b="1" dirty="0"/>
-              <a:t>Melhoria da manutenibilidade:</a:t>
-            </a:r>
-            <a:r>
-              <a:rPr lang="pt-BR" sz="2800" dirty="0"/>
-              <a:t> Facilita a manutenção do código, uma vez que as mudanças nos subsistemas podem ser isoladas na fachada sem afetar os clientes.</a:t>
-            </a:r>
-          </a:p>
-        </p:txBody>
-      </p:sp>
-    </p:spTree>
-    <p:extLst>
-      <p:ext uri="{BB962C8B-B14F-4D97-AF65-F5344CB8AC3E}">
-        <p14:creationId xmlns:p14="http://schemas.microsoft.com/office/powerpoint/2010/main" val="3255015244"/>
-      </p:ext>
-    </p:extLst>
-  </p:cSld>
-  <p:clrMapOvr>
-    <a:masterClrMapping/>
-  </p:clrMapOvr>
-</p:sld>
-</file>
-
-<file path=ppt/slides/slide19.xml><?xml version="1.0" encoding="utf-8"?>
-<p:sld xmlns:a="http://schemas.openxmlformats.org/drawingml/2006/main" xmlns:r="http://schemas.openxmlformats.org/officeDocument/2006/relationships" xmlns:p="http://schemas.openxmlformats.org/presentationml/2006/main">
-  <p:cSld>
-    <p:bg>
-      <p:bgPr>
-        <a:solidFill>
-          <a:schemeClr val="bg1"/>
-        </a:solidFill>
-        <a:effectLst/>
-      </p:bgPr>
-    </p:bg>
-    <p:spTree>
-      <p:nvGrpSpPr>
-        <p:cNvPr id="1" name=""/>
-        <p:cNvGrpSpPr/>
-        <p:nvPr/>
-      </p:nvGrpSpPr>
-      <p:grpSpPr>
-        <a:xfrm>
-          <a:off x="0" y="0"/>
-          <a:ext cx="0" cy="0"/>
-          <a:chOff x="0" y="0"/>
-          <a:chExt cx="0" cy="0"/>
-        </a:xfrm>
-      </p:grpSpPr>
-      <p:sp useBgFill="1">
-        <p:nvSpPr>
-          <p:cNvPr id="29" name="Retângulo 28">
-            <a:extLst>
-              <a:ext uri="{FF2B5EF4-FFF2-40B4-BE49-F238E27FC236}">
-                <a16:creationId xmlns:a16="http://schemas.microsoft.com/office/drawing/2014/main" id="{BFDA9692-ECDC-4B59-86B2-8C90FDE1A055}"/>
-              </a:ext>
-              <a:ext uri="{C183D7F6-B498-43B3-948B-1728B52AA6E4}">
-                <adec:decorative xmlns:adec="http://schemas.microsoft.com/office/drawing/2017/decorative" val="1"/>
-              </a:ext>
-            </a:extLst>
-          </p:cNvPr>
-          <p:cNvSpPr>
-            <a:spLocks noGrp="1" noRot="1" noChangeAspect="1" noMove="1" noResize="1" noEditPoints="1" noAdjustHandles="1" noChangeArrowheads="1" noChangeShapeType="1" noTextEdit="1"/>
-          </p:cNvSpPr>
-          <p:nvPr>
-            <p:extLst>
-              <p:ext uri="{386F3935-93C4-4BCD-93E2-E3B085C9AB24}">
-                <p16:designElem xmlns:p16="http://schemas.microsoft.com/office/powerpoint/2015/main" val="1"/>
-              </p:ext>
-            </p:extLst>
-          </p:nvPr>
-        </p:nvSpPr>
-        <p:spPr>
-          <a:xfrm>
-            <a:off x="0" y="536712"/>
-            <a:ext cx="12192000" cy="6321287"/>
-          </a:xfrm>
-          <a:prstGeom prst="rect">
-            <a:avLst/>
-          </a:prstGeom>
-          <a:ln>
-            <a:noFill/>
-          </a:ln>
-        </p:spPr>
-        <p:style>
-          <a:lnRef idx="2">
-            <a:schemeClr val="accent1">
-              <a:shade val="50000"/>
-            </a:schemeClr>
-          </a:lnRef>
-          <a:fillRef idx="1">
-            <a:schemeClr val="accent1"/>
-          </a:fillRef>
-          <a:effectRef idx="0">
-            <a:schemeClr val="accent1"/>
-          </a:effectRef>
-          <a:fontRef idx="minor">
-            <a:schemeClr val="lt1"/>
-          </a:fontRef>
-        </p:style>
-        <p:txBody>
-          <a:bodyPr rtlCol="0" anchor="ctr"/>
-          <a:lstStyle/>
-          <a:p>
-            <a:pPr algn="ctr" rtl="0"/>
-            <a:endParaRPr lang="en-US" dirty="0"/>
-          </a:p>
-        </p:txBody>
-      </p:sp>
-      <p:sp>
-        <p:nvSpPr>
-          <p:cNvPr id="31" name="Retângulo 30">
-            <a:extLst>
-              <a:ext uri="{FF2B5EF4-FFF2-40B4-BE49-F238E27FC236}">
-                <a16:creationId xmlns:a16="http://schemas.microsoft.com/office/drawing/2014/main" id="{12C05506-42A1-49C0-9D87-081CCD9023D6}"/>
-              </a:ext>
-              <a:ext uri="{C183D7F6-B498-43B3-948B-1728B52AA6E4}">
-                <adec:decorative xmlns:adec="http://schemas.microsoft.com/office/drawing/2017/decorative" val="1"/>
-              </a:ext>
-            </a:extLst>
-          </p:cNvPr>
-          <p:cNvSpPr>
-            <a:spLocks noGrp="1" noRot="1" noChangeAspect="1" noMove="1" noResize="1" noEditPoints="1" noAdjustHandles="1" noChangeArrowheads="1" noChangeShapeType="1" noTextEdit="1"/>
-          </p:cNvSpPr>
-          <p:nvPr>
-            <p:extLst>
-              <p:ext uri="{386F3935-93C4-4BCD-93E2-E3B085C9AB24}">
-                <p16:designElem xmlns:p16="http://schemas.microsoft.com/office/powerpoint/2015/main" val="1"/>
-              </p:ext>
-            </p:extLst>
-          </p:nvPr>
-        </p:nvSpPr>
-        <p:spPr>
-          <a:xfrm>
-            <a:off x="447817" y="5141974"/>
-            <a:ext cx="11290860" cy="1258827"/>
-          </a:xfrm>
-          <a:prstGeom prst="rect">
-            <a:avLst/>
-          </a:prstGeom>
-          <a:solidFill>
-            <a:schemeClr val="accent1"/>
-          </a:solidFill>
-          <a:ln>
-            <a:noFill/>
-          </a:ln>
-          <a:effectLst/>
-        </p:spPr>
-        <p:style>
-          <a:lnRef idx="1">
-            <a:schemeClr val="accent1"/>
-          </a:lnRef>
-          <a:fillRef idx="3">
-            <a:schemeClr val="accent1"/>
-          </a:fillRef>
-          <a:effectRef idx="2">
-            <a:schemeClr val="accent1"/>
-          </a:effectRef>
-          <a:fontRef idx="minor">
-            <a:schemeClr val="lt1"/>
-          </a:fontRef>
-        </p:style>
-      </p:sp>
-      <p:sp>
-        <p:nvSpPr>
-          <p:cNvPr id="2" name="Título 1">
-            <a:extLst>
-              <a:ext uri="{FF2B5EF4-FFF2-40B4-BE49-F238E27FC236}">
-                <a16:creationId xmlns:a16="http://schemas.microsoft.com/office/drawing/2014/main" id="{5B040558-A365-4CCE-92FA-5A48CD98F9C9}"/>
-              </a:ext>
-            </a:extLst>
-          </p:cNvPr>
-          <p:cNvSpPr>
-            <a:spLocks noGrp="1"/>
-          </p:cNvSpPr>
-          <p:nvPr>
-            <p:ph type="title"/>
-          </p:nvPr>
-        </p:nvSpPr>
-        <p:spPr>
-          <a:xfrm>
-            <a:off x="581192" y="5264487"/>
-            <a:ext cx="11029616" cy="718870"/>
-          </a:xfrm>
-        </p:spPr>
-        <p:txBody>
-          <a:bodyPr rtlCol="0">
-            <a:normAutofit/>
-          </a:bodyPr>
-          <a:lstStyle/>
-          <a:p>
-            <a:pPr rtl="0"/>
-            <a:r>
-              <a:rPr lang="pt-BR" dirty="0">
-                <a:solidFill>
-                  <a:srgbClr val="FFFEFF"/>
-                </a:solidFill>
-              </a:rPr>
-              <a:t>PADRÃO DE PROJETO “</a:t>
-            </a:r>
-            <a:r>
-              <a:rPr lang="pt-BR" dirty="0" err="1">
-                <a:solidFill>
-                  <a:srgbClr val="FFFEFF"/>
-                </a:solidFill>
-              </a:rPr>
-              <a:t>Façade</a:t>
-            </a:r>
-            <a:r>
-              <a:rPr lang="pt-BR" dirty="0">
-                <a:solidFill>
-                  <a:srgbClr val="FFFEFF"/>
-                </a:solidFill>
-              </a:rPr>
-              <a:t>” – (FACHADA) – </a:t>
-            </a:r>
-            <a:r>
-              <a:rPr lang="pt-BR" dirty="0" err="1">
-                <a:solidFill>
-                  <a:srgbClr val="FFFEFF"/>
-                </a:solidFill>
-              </a:rPr>
-              <a:t>desVANTAGENS</a:t>
-            </a:r>
-            <a:endParaRPr lang="pt-BR" dirty="0">
-              <a:solidFill>
-                <a:srgbClr val="FFFEFF"/>
-              </a:solidFill>
-            </a:endParaRPr>
-          </a:p>
-        </p:txBody>
-      </p:sp>
-      <p:sp>
-        <p:nvSpPr>
-          <p:cNvPr id="3" name="Espaço Reservado para Conteúdo 2">
-            <a:extLst>
-              <a:ext uri="{FF2B5EF4-FFF2-40B4-BE49-F238E27FC236}">
-                <a16:creationId xmlns:a16="http://schemas.microsoft.com/office/drawing/2014/main" id="{DEBB27E7-80D9-41DC-4B12-95C74F7494B2}"/>
-              </a:ext>
-            </a:extLst>
-          </p:cNvPr>
-          <p:cNvSpPr>
-            <a:spLocks noGrp="1"/>
-          </p:cNvSpPr>
-          <p:nvPr>
-            <p:ph idx="1"/>
-          </p:nvPr>
-        </p:nvSpPr>
-        <p:spPr>
-          <a:xfrm>
-            <a:off x="468000" y="540000"/>
-            <a:ext cx="11290860" cy="4310332"/>
-          </a:xfrm>
-        </p:spPr>
-        <p:txBody>
-          <a:bodyPr>
-            <a:normAutofit/>
-          </a:bodyPr>
-          <a:lstStyle/>
-          <a:p>
-            <a:pPr lvl="0" algn="just">
-              <a:lnSpc>
-                <a:spcPct val="100000"/>
-              </a:lnSpc>
-            </a:pPr>
-            <a:r>
-              <a:rPr lang="pt-BR" sz="2800" b="1" dirty="0"/>
-              <a:t>Restrição à personalização:</a:t>
-            </a:r>
-            <a:r>
-              <a:rPr lang="pt-BR" sz="2800" dirty="0"/>
-              <a:t> Em alguns casos, o encapsulamento da complexidade dos subsistemas pode restringir a capacidade dos clientes de personalizar ou estender as funcionalidades dos subsistemas. Isso pode limitar a flexibilidade do sistema e pode não ser adequado em algumas situações em que a personalização é um requisito importante.</a:t>
-            </a:r>
-          </a:p>
-          <a:p>
-            <a:pPr lvl="0" algn="just">
-              <a:lnSpc>
-                <a:spcPct val="100000"/>
-              </a:lnSpc>
-            </a:pPr>
-            <a:r>
-              <a:rPr lang="pt-BR" sz="2800" b="1" dirty="0"/>
-              <a:t>A </a:t>
-            </a:r>
-            <a:r>
-              <a:rPr lang="pt-BR" sz="2800" b="1" dirty="0" err="1"/>
-              <a:t>façada</a:t>
-            </a:r>
-            <a:r>
-              <a:rPr lang="pt-BR" sz="2800" b="1" dirty="0"/>
-              <a:t> quebra o SRP (princípio da responsabilidade única)</a:t>
-            </a:r>
-            <a:r>
-              <a:rPr lang="pt-BR" sz="2800" dirty="0"/>
-              <a:t>: Uma única </a:t>
-            </a:r>
-            <a:r>
-              <a:rPr lang="pt-BR" sz="2800" dirty="0" err="1"/>
-              <a:t>façada</a:t>
-            </a:r>
-            <a:r>
-              <a:rPr lang="pt-BR" sz="2800" dirty="0"/>
-              <a:t> será uma classe que faz tudo. Para minimizar o problema pode-se criar várias fachadas.</a:t>
-            </a:r>
-          </a:p>
-        </p:txBody>
-      </p:sp>
-    </p:spTree>
-    <p:extLst>
-      <p:ext uri="{BB962C8B-B14F-4D97-AF65-F5344CB8AC3E}">
-        <p14:creationId xmlns:p14="http://schemas.microsoft.com/office/powerpoint/2010/main" val="3183299247"/>
       </p:ext>
     </p:extLst>
   </p:cSld>
@@ -32782,12 +32901,42 @@
           </p:style>
         </p:sp>
       </p:grpSp>
+      <p:pic>
+        <p:nvPicPr>
+          <p:cNvPr id="2" name="Imagem 2" descr="Diagrama&#10;&#10;Descrição gerada automaticamente">
+            <a:extLst>
+              <a:ext uri="{FF2B5EF4-FFF2-40B4-BE49-F238E27FC236}">
+                <a16:creationId xmlns:a16="http://schemas.microsoft.com/office/drawing/2014/main" id="{56D6B706-00DC-3043-0698-9CC0E08AE3D5}"/>
+              </a:ext>
+            </a:extLst>
+          </p:cNvPr>
+          <p:cNvPicPr>
+            <a:picLocks noChangeAspect="1"/>
+          </p:cNvPicPr>
+          <p:nvPr/>
+        </p:nvPicPr>
+        <p:blipFill>
+          <a:blip r:embed="rId4"/>
+          <a:stretch>
+            <a:fillRect/>
+          </a:stretch>
+        </p:blipFill>
+        <p:spPr>
+          <a:xfrm>
+            <a:off x="0" y="1940650"/>
+            <a:ext cx="12192000" cy="4919801"/>
+          </a:xfrm>
+          <a:prstGeom prst="rect">
+            <a:avLst/>
+          </a:prstGeom>
+        </p:spPr>
+      </p:pic>
       <p:sp>
         <p:nvSpPr>
-          <p:cNvPr id="2" name="Título 1">
+          <p:cNvPr id="4" name="Título 1">
             <a:extLst>
               <a:ext uri="{FF2B5EF4-FFF2-40B4-BE49-F238E27FC236}">
-                <a16:creationId xmlns:a16="http://schemas.microsoft.com/office/drawing/2014/main" id="{7F2616EE-270D-4F4C-BA1F-2708D387B800}"/>
+                <a16:creationId xmlns:a16="http://schemas.microsoft.com/office/drawing/2014/main" id="{1F0B32C3-8CD7-7769-9A5C-6774193B9178}"/>
               </a:ext>
             </a:extLst>
           </p:cNvPr>
@@ -32813,42 +32962,11 @@
             <a:pPr algn="ctr" rtl="0"/>
             <a:r>
               <a:rPr lang="pt-BR" dirty="0"/>
-              <a:t>Proxy – o que é?</a:t>
+              <a:t>Proxy – PROBLEMA</a:t>
             </a:r>
           </a:p>
         </p:txBody>
       </p:sp>
-      <p:graphicFrame>
-        <p:nvGraphicFramePr>
-          <p:cNvPr id="6" name="Espaço Reservado para Conteúdo 5" descr="SmartArt">
-            <a:extLst>
-              <a:ext uri="{FF2B5EF4-FFF2-40B4-BE49-F238E27FC236}">
-                <a16:creationId xmlns:a16="http://schemas.microsoft.com/office/drawing/2014/main" id="{BF629521-FFD2-45DA-9D1D-A5F09BD5A2D9}"/>
-              </a:ext>
-            </a:extLst>
-          </p:cNvPr>
-          <p:cNvGraphicFramePr>
-            <a:graphicFrameLocks noGrp="1"/>
-          </p:cNvGraphicFramePr>
-          <p:nvPr>
-            <p:ph idx="1"/>
-            <p:extLst>
-              <p:ext uri="{D42A27DB-BD31-4B8C-83A1-F6EECF244321}">
-                <p14:modId xmlns:p14="http://schemas.microsoft.com/office/powerpoint/2010/main" val="888351015"/>
-              </p:ext>
-            </p:extLst>
-          </p:nvPr>
-        </p:nvGraphicFramePr>
-        <p:xfrm>
-          <a:off x="438068" y="1965961"/>
-          <a:ext cx="7503664" cy="4273972"/>
-        </p:xfrm>
-        <a:graphic>
-          <a:graphicData uri="http://schemas.openxmlformats.org/drawingml/2006/diagram">
-            <dgm:relIds xmlns:dgm="http://schemas.openxmlformats.org/drawingml/2006/diagram" xmlns:r="http://schemas.openxmlformats.org/officeDocument/2006/relationships" r:dm="rId4" r:lo="rId5" r:qs="rId6" r:cs="rId7"/>
-          </a:graphicData>
-        </a:graphic>
-      </p:graphicFrame>
     </p:spTree>
     <p:extLst>
       <p:ext uri="{BB962C8B-B14F-4D97-AF65-F5344CB8AC3E}">
@@ -32863,6 +32981,569 @@
 </file>
 
 <file path=ppt/slides/slide20.xml><?xml version="1.0" encoding="utf-8"?>
+<p:sld xmlns:a="http://schemas.openxmlformats.org/drawingml/2006/main" xmlns:r="http://schemas.openxmlformats.org/officeDocument/2006/relationships" xmlns:p="http://schemas.openxmlformats.org/presentationml/2006/main">
+  <p:cSld>
+    <p:bg>
+      <p:bgPr>
+        <a:solidFill>
+          <a:schemeClr val="bg1"/>
+        </a:solidFill>
+        <a:effectLst/>
+      </p:bgPr>
+    </p:bg>
+    <p:spTree>
+      <p:nvGrpSpPr>
+        <p:cNvPr id="1" name=""/>
+        <p:cNvGrpSpPr/>
+        <p:nvPr/>
+      </p:nvGrpSpPr>
+      <p:grpSpPr>
+        <a:xfrm>
+          <a:off x="0" y="0"/>
+          <a:ext cx="0" cy="0"/>
+          <a:chOff x="0" y="0"/>
+          <a:chExt cx="0" cy="0"/>
+        </a:xfrm>
+      </p:grpSpPr>
+      <p:sp useBgFill="1">
+        <p:nvSpPr>
+          <p:cNvPr id="29" name="Retângulo 28">
+            <a:extLst>
+              <a:ext uri="{FF2B5EF4-FFF2-40B4-BE49-F238E27FC236}">
+                <a16:creationId xmlns:a16="http://schemas.microsoft.com/office/drawing/2014/main" id="{BFDA9692-ECDC-4B59-86B2-8C90FDE1A055}"/>
+              </a:ext>
+              <a:ext uri="{C183D7F6-B498-43B3-948B-1728B52AA6E4}">
+                <adec:decorative xmlns:adec="http://schemas.microsoft.com/office/drawing/2017/decorative" val="1"/>
+              </a:ext>
+            </a:extLst>
+          </p:cNvPr>
+          <p:cNvSpPr>
+            <a:spLocks noGrp="1" noRot="1" noChangeAspect="1" noMove="1" noResize="1" noEditPoints="1" noAdjustHandles="1" noChangeArrowheads="1" noChangeShapeType="1" noTextEdit="1"/>
+          </p:cNvSpPr>
+          <p:nvPr>
+            <p:extLst>
+              <p:ext uri="{386F3935-93C4-4BCD-93E2-E3B085C9AB24}">
+                <p16:designElem xmlns:p16="http://schemas.microsoft.com/office/powerpoint/2015/main" val="1"/>
+              </p:ext>
+            </p:extLst>
+          </p:nvPr>
+        </p:nvSpPr>
+        <p:spPr>
+          <a:xfrm>
+            <a:off x="0" y="536712"/>
+            <a:ext cx="12192000" cy="6321287"/>
+          </a:xfrm>
+          <a:prstGeom prst="rect">
+            <a:avLst/>
+          </a:prstGeom>
+          <a:ln>
+            <a:noFill/>
+          </a:ln>
+        </p:spPr>
+        <p:style>
+          <a:lnRef idx="2">
+            <a:schemeClr val="accent1">
+              <a:shade val="50000"/>
+            </a:schemeClr>
+          </a:lnRef>
+          <a:fillRef idx="1">
+            <a:schemeClr val="accent1"/>
+          </a:fillRef>
+          <a:effectRef idx="0">
+            <a:schemeClr val="accent1"/>
+          </a:effectRef>
+          <a:fontRef idx="minor">
+            <a:schemeClr val="lt1"/>
+          </a:fontRef>
+        </p:style>
+        <p:txBody>
+          <a:bodyPr rtlCol="0" anchor="ctr"/>
+          <a:lstStyle/>
+          <a:p>
+            <a:pPr algn="ctr" rtl="0"/>
+            <a:endParaRPr lang="en-US" dirty="0"/>
+          </a:p>
+        </p:txBody>
+      </p:sp>
+      <p:sp>
+        <p:nvSpPr>
+          <p:cNvPr id="31" name="Retângulo 30">
+            <a:extLst>
+              <a:ext uri="{FF2B5EF4-FFF2-40B4-BE49-F238E27FC236}">
+                <a16:creationId xmlns:a16="http://schemas.microsoft.com/office/drawing/2014/main" id="{12C05506-42A1-49C0-9D87-081CCD9023D6}"/>
+              </a:ext>
+              <a:ext uri="{C183D7F6-B498-43B3-948B-1728B52AA6E4}">
+                <adec:decorative xmlns:adec="http://schemas.microsoft.com/office/drawing/2017/decorative" val="1"/>
+              </a:ext>
+            </a:extLst>
+          </p:cNvPr>
+          <p:cNvSpPr>
+            <a:spLocks noGrp="1" noRot="1" noChangeAspect="1" noMove="1" noResize="1" noEditPoints="1" noAdjustHandles="1" noChangeArrowheads="1" noChangeShapeType="1" noTextEdit="1"/>
+          </p:cNvSpPr>
+          <p:nvPr>
+            <p:extLst>
+              <p:ext uri="{386F3935-93C4-4BCD-93E2-E3B085C9AB24}">
+                <p16:designElem xmlns:p16="http://schemas.microsoft.com/office/powerpoint/2015/main" val="1"/>
+              </p:ext>
+            </p:extLst>
+          </p:nvPr>
+        </p:nvSpPr>
+        <p:spPr>
+          <a:xfrm>
+            <a:off x="447817" y="5141974"/>
+            <a:ext cx="11290860" cy="1258827"/>
+          </a:xfrm>
+          <a:prstGeom prst="rect">
+            <a:avLst/>
+          </a:prstGeom>
+          <a:solidFill>
+            <a:schemeClr val="accent1"/>
+          </a:solidFill>
+          <a:ln>
+            <a:noFill/>
+          </a:ln>
+          <a:effectLst/>
+        </p:spPr>
+        <p:style>
+          <a:lnRef idx="1">
+            <a:schemeClr val="accent1"/>
+          </a:lnRef>
+          <a:fillRef idx="3">
+            <a:schemeClr val="accent1"/>
+          </a:fillRef>
+          <a:effectRef idx="2">
+            <a:schemeClr val="accent1"/>
+          </a:effectRef>
+          <a:fontRef idx="minor">
+            <a:schemeClr val="lt1"/>
+          </a:fontRef>
+        </p:style>
+      </p:sp>
+      <p:sp>
+        <p:nvSpPr>
+          <p:cNvPr id="2" name="Título 1">
+            <a:extLst>
+              <a:ext uri="{FF2B5EF4-FFF2-40B4-BE49-F238E27FC236}">
+                <a16:creationId xmlns:a16="http://schemas.microsoft.com/office/drawing/2014/main" id="{5B040558-A365-4CCE-92FA-5A48CD98F9C9}"/>
+              </a:ext>
+            </a:extLst>
+          </p:cNvPr>
+          <p:cNvSpPr>
+            <a:spLocks noGrp="1"/>
+          </p:cNvSpPr>
+          <p:nvPr>
+            <p:ph type="title"/>
+          </p:nvPr>
+        </p:nvSpPr>
+        <p:spPr>
+          <a:xfrm>
+            <a:off x="581192" y="5264487"/>
+            <a:ext cx="11029616" cy="718870"/>
+          </a:xfrm>
+        </p:spPr>
+        <p:txBody>
+          <a:bodyPr rtlCol="0">
+            <a:normAutofit/>
+          </a:bodyPr>
+          <a:lstStyle/>
+          <a:p>
+            <a:pPr rtl="0"/>
+            <a:r>
+              <a:rPr lang="pt-BR" dirty="0">
+                <a:solidFill>
+                  <a:srgbClr val="FFFEFF"/>
+                </a:solidFill>
+              </a:rPr>
+              <a:t>PADRÃO DE PROJETO “</a:t>
+            </a:r>
+            <a:r>
+              <a:rPr lang="pt-BR" dirty="0" err="1">
+                <a:solidFill>
+                  <a:srgbClr val="FFFEFF"/>
+                </a:solidFill>
+              </a:rPr>
+              <a:t>Façade</a:t>
+            </a:r>
+            <a:r>
+              <a:rPr lang="pt-BR" dirty="0">
+                <a:solidFill>
+                  <a:srgbClr val="FFFEFF"/>
+                </a:solidFill>
+              </a:rPr>
+              <a:t>” – (FACHADA) – VANTAGENS</a:t>
+            </a:r>
+          </a:p>
+        </p:txBody>
+      </p:sp>
+      <p:sp>
+        <p:nvSpPr>
+          <p:cNvPr id="3" name="Espaço Reservado para Conteúdo 2">
+            <a:extLst>
+              <a:ext uri="{FF2B5EF4-FFF2-40B4-BE49-F238E27FC236}">
+                <a16:creationId xmlns:a16="http://schemas.microsoft.com/office/drawing/2014/main" id="{DEBB27E7-80D9-41DC-4B12-95C74F7494B2}"/>
+              </a:ext>
+            </a:extLst>
+          </p:cNvPr>
+          <p:cNvSpPr>
+            <a:spLocks noGrp="1"/>
+          </p:cNvSpPr>
+          <p:nvPr>
+            <p:ph idx="1"/>
+          </p:nvPr>
+        </p:nvSpPr>
+        <p:spPr>
+          <a:xfrm>
+            <a:off x="468000" y="540000"/>
+            <a:ext cx="11290860" cy="4310332"/>
+          </a:xfrm>
+        </p:spPr>
+        <p:txBody>
+          <a:bodyPr>
+            <a:normAutofit/>
+          </a:bodyPr>
+          <a:lstStyle/>
+          <a:p>
+            <a:pPr lvl="0" algn="just">
+              <a:lnSpc>
+                <a:spcPct val="100000"/>
+              </a:lnSpc>
+            </a:pPr>
+            <a:r>
+              <a:rPr lang="pt-BR" sz="2800" b="1" dirty="0"/>
+              <a:t>Redução do acoplamento: </a:t>
+            </a:r>
+            <a:r>
+              <a:rPr lang="pt-BR" sz="2800" dirty="0"/>
+              <a:t>Reduz o acoplamento entre os clientes e os subsistemas, uma vez que os clientes se comunicam apenas com a fachada em vez de interagir diretamente com os subsistemas.</a:t>
+            </a:r>
+          </a:p>
+          <a:p>
+            <a:pPr lvl="0" algn="just">
+              <a:lnSpc>
+                <a:spcPct val="100000"/>
+              </a:lnSpc>
+            </a:pPr>
+            <a:r>
+              <a:rPr lang="pt-BR" sz="2800" b="1" dirty="0"/>
+              <a:t>Melhoria da manutenibilidade:</a:t>
+            </a:r>
+            <a:r>
+              <a:rPr lang="pt-BR" sz="2800" dirty="0"/>
+              <a:t> Facilita a manutenção do código, uma vez que as mudanças nos subsistemas podem ser isoladas na fachada sem afetar os clientes.</a:t>
+            </a:r>
+          </a:p>
+        </p:txBody>
+      </p:sp>
+    </p:spTree>
+    <p:extLst>
+      <p:ext uri="{BB962C8B-B14F-4D97-AF65-F5344CB8AC3E}">
+        <p14:creationId xmlns:p14="http://schemas.microsoft.com/office/powerpoint/2010/main" val="3255015244"/>
+      </p:ext>
+    </p:extLst>
+  </p:cSld>
+  <p:clrMapOvr>
+    <a:masterClrMapping/>
+  </p:clrMapOvr>
+</p:sld>
+</file>
+
+<file path=ppt/slides/slide21.xml><?xml version="1.0" encoding="utf-8"?>
+<p:sld xmlns:a="http://schemas.openxmlformats.org/drawingml/2006/main" xmlns:r="http://schemas.openxmlformats.org/officeDocument/2006/relationships" xmlns:p="http://schemas.openxmlformats.org/presentationml/2006/main">
+  <p:cSld>
+    <p:bg>
+      <p:bgPr>
+        <a:solidFill>
+          <a:schemeClr val="bg1"/>
+        </a:solidFill>
+        <a:effectLst/>
+      </p:bgPr>
+    </p:bg>
+    <p:spTree>
+      <p:nvGrpSpPr>
+        <p:cNvPr id="1" name=""/>
+        <p:cNvGrpSpPr/>
+        <p:nvPr/>
+      </p:nvGrpSpPr>
+      <p:grpSpPr>
+        <a:xfrm>
+          <a:off x="0" y="0"/>
+          <a:ext cx="0" cy="0"/>
+          <a:chOff x="0" y="0"/>
+          <a:chExt cx="0" cy="0"/>
+        </a:xfrm>
+      </p:grpSpPr>
+      <p:sp useBgFill="1">
+        <p:nvSpPr>
+          <p:cNvPr id="29" name="Retângulo 28">
+            <a:extLst>
+              <a:ext uri="{FF2B5EF4-FFF2-40B4-BE49-F238E27FC236}">
+                <a16:creationId xmlns:a16="http://schemas.microsoft.com/office/drawing/2014/main" id="{BFDA9692-ECDC-4B59-86B2-8C90FDE1A055}"/>
+              </a:ext>
+              <a:ext uri="{C183D7F6-B498-43B3-948B-1728B52AA6E4}">
+                <adec:decorative xmlns:adec="http://schemas.microsoft.com/office/drawing/2017/decorative" val="1"/>
+              </a:ext>
+            </a:extLst>
+          </p:cNvPr>
+          <p:cNvSpPr>
+            <a:spLocks noGrp="1" noRot="1" noChangeAspect="1" noMove="1" noResize="1" noEditPoints="1" noAdjustHandles="1" noChangeArrowheads="1" noChangeShapeType="1" noTextEdit="1"/>
+          </p:cNvSpPr>
+          <p:nvPr>
+            <p:extLst>
+              <p:ext uri="{386F3935-93C4-4BCD-93E2-E3B085C9AB24}">
+                <p16:designElem xmlns:p16="http://schemas.microsoft.com/office/powerpoint/2015/main" val="1"/>
+              </p:ext>
+            </p:extLst>
+          </p:nvPr>
+        </p:nvSpPr>
+        <p:spPr>
+          <a:xfrm>
+            <a:off x="0" y="536712"/>
+            <a:ext cx="12192000" cy="6321287"/>
+          </a:xfrm>
+          <a:prstGeom prst="rect">
+            <a:avLst/>
+          </a:prstGeom>
+          <a:ln>
+            <a:noFill/>
+          </a:ln>
+        </p:spPr>
+        <p:style>
+          <a:lnRef idx="2">
+            <a:schemeClr val="accent1">
+              <a:shade val="50000"/>
+            </a:schemeClr>
+          </a:lnRef>
+          <a:fillRef idx="1">
+            <a:schemeClr val="accent1"/>
+          </a:fillRef>
+          <a:effectRef idx="0">
+            <a:schemeClr val="accent1"/>
+          </a:effectRef>
+          <a:fontRef idx="minor">
+            <a:schemeClr val="lt1"/>
+          </a:fontRef>
+        </p:style>
+        <p:txBody>
+          <a:bodyPr rtlCol="0" anchor="ctr"/>
+          <a:lstStyle/>
+          <a:p>
+            <a:pPr algn="ctr" rtl="0"/>
+            <a:endParaRPr lang="en-US" dirty="0"/>
+          </a:p>
+        </p:txBody>
+      </p:sp>
+      <p:sp>
+        <p:nvSpPr>
+          <p:cNvPr id="31" name="Retângulo 30">
+            <a:extLst>
+              <a:ext uri="{FF2B5EF4-FFF2-40B4-BE49-F238E27FC236}">
+                <a16:creationId xmlns:a16="http://schemas.microsoft.com/office/drawing/2014/main" id="{12C05506-42A1-49C0-9D87-081CCD9023D6}"/>
+              </a:ext>
+              <a:ext uri="{C183D7F6-B498-43B3-948B-1728B52AA6E4}">
+                <adec:decorative xmlns:adec="http://schemas.microsoft.com/office/drawing/2017/decorative" val="1"/>
+              </a:ext>
+            </a:extLst>
+          </p:cNvPr>
+          <p:cNvSpPr>
+            <a:spLocks noGrp="1" noRot="1" noChangeAspect="1" noMove="1" noResize="1" noEditPoints="1" noAdjustHandles="1" noChangeArrowheads="1" noChangeShapeType="1" noTextEdit="1"/>
+          </p:cNvSpPr>
+          <p:nvPr>
+            <p:extLst>
+              <p:ext uri="{386F3935-93C4-4BCD-93E2-E3B085C9AB24}">
+                <p16:designElem xmlns:p16="http://schemas.microsoft.com/office/powerpoint/2015/main" val="1"/>
+              </p:ext>
+            </p:extLst>
+          </p:nvPr>
+        </p:nvSpPr>
+        <p:spPr>
+          <a:xfrm>
+            <a:off x="447817" y="5141974"/>
+            <a:ext cx="11290860" cy="1258827"/>
+          </a:xfrm>
+          <a:prstGeom prst="rect">
+            <a:avLst/>
+          </a:prstGeom>
+          <a:solidFill>
+            <a:schemeClr val="accent1"/>
+          </a:solidFill>
+          <a:ln>
+            <a:noFill/>
+          </a:ln>
+          <a:effectLst/>
+        </p:spPr>
+        <p:style>
+          <a:lnRef idx="1">
+            <a:schemeClr val="accent1"/>
+          </a:lnRef>
+          <a:fillRef idx="3">
+            <a:schemeClr val="accent1"/>
+          </a:fillRef>
+          <a:effectRef idx="2">
+            <a:schemeClr val="accent1"/>
+          </a:effectRef>
+          <a:fontRef idx="minor">
+            <a:schemeClr val="lt1"/>
+          </a:fontRef>
+        </p:style>
+      </p:sp>
+      <p:sp>
+        <p:nvSpPr>
+          <p:cNvPr id="2" name="Título 1">
+            <a:extLst>
+              <a:ext uri="{FF2B5EF4-FFF2-40B4-BE49-F238E27FC236}">
+                <a16:creationId xmlns:a16="http://schemas.microsoft.com/office/drawing/2014/main" id="{5B040558-A365-4CCE-92FA-5A48CD98F9C9}"/>
+              </a:ext>
+            </a:extLst>
+          </p:cNvPr>
+          <p:cNvSpPr>
+            <a:spLocks noGrp="1"/>
+          </p:cNvSpPr>
+          <p:nvPr>
+            <p:ph type="title"/>
+          </p:nvPr>
+        </p:nvSpPr>
+        <p:spPr>
+          <a:xfrm>
+            <a:off x="581192" y="5264487"/>
+            <a:ext cx="11029616" cy="718870"/>
+          </a:xfrm>
+        </p:spPr>
+        <p:txBody>
+          <a:bodyPr rtlCol="0">
+            <a:normAutofit/>
+          </a:bodyPr>
+          <a:lstStyle/>
+          <a:p>
+            <a:pPr rtl="0"/>
+            <a:r>
+              <a:rPr lang="pt-BR" dirty="0">
+                <a:solidFill>
+                  <a:srgbClr val="FFFEFF"/>
+                </a:solidFill>
+              </a:rPr>
+              <a:t>PADRÃO DE PROJETO “</a:t>
+            </a:r>
+            <a:r>
+              <a:rPr lang="pt-BR" dirty="0" err="1">
+                <a:solidFill>
+                  <a:srgbClr val="FFFEFF"/>
+                </a:solidFill>
+              </a:rPr>
+              <a:t>Façade</a:t>
+            </a:r>
+            <a:r>
+              <a:rPr lang="pt-BR" dirty="0">
+                <a:solidFill>
+                  <a:srgbClr val="FFFEFF"/>
+                </a:solidFill>
+              </a:rPr>
+              <a:t>” – (FACHADA) – </a:t>
+            </a:r>
+            <a:r>
+              <a:rPr lang="pt-BR" dirty="0" err="1">
+                <a:solidFill>
+                  <a:srgbClr val="FFFEFF"/>
+                </a:solidFill>
+              </a:rPr>
+              <a:t>desVANTAGENS</a:t>
+            </a:r>
+            <a:endParaRPr lang="pt-BR" dirty="0">
+              <a:solidFill>
+                <a:srgbClr val="FFFEFF"/>
+              </a:solidFill>
+            </a:endParaRPr>
+          </a:p>
+        </p:txBody>
+      </p:sp>
+      <p:sp>
+        <p:nvSpPr>
+          <p:cNvPr id="3" name="Espaço Reservado para Conteúdo 2">
+            <a:extLst>
+              <a:ext uri="{FF2B5EF4-FFF2-40B4-BE49-F238E27FC236}">
+                <a16:creationId xmlns:a16="http://schemas.microsoft.com/office/drawing/2014/main" id="{DEBB27E7-80D9-41DC-4B12-95C74F7494B2}"/>
+              </a:ext>
+            </a:extLst>
+          </p:cNvPr>
+          <p:cNvSpPr>
+            <a:spLocks noGrp="1"/>
+          </p:cNvSpPr>
+          <p:nvPr>
+            <p:ph idx="1"/>
+          </p:nvPr>
+        </p:nvSpPr>
+        <p:spPr>
+          <a:xfrm>
+            <a:off x="468000" y="540000"/>
+            <a:ext cx="11290860" cy="4310332"/>
+          </a:xfrm>
+        </p:spPr>
+        <p:txBody>
+          <a:bodyPr>
+            <a:normAutofit/>
+          </a:bodyPr>
+          <a:lstStyle/>
+          <a:p>
+            <a:pPr lvl="0" algn="just">
+              <a:lnSpc>
+                <a:spcPct val="100000"/>
+              </a:lnSpc>
+            </a:pPr>
+            <a:r>
+              <a:rPr lang="pt-BR" sz="2800" b="1" dirty="0"/>
+              <a:t>Restrição à personalização:</a:t>
+            </a:r>
+            <a:r>
+              <a:rPr lang="pt-BR" sz="2800" dirty="0"/>
+              <a:t> Em alguns casos, o encapsulamento da complexidade dos subsistemas pode restringir a capacidade dos clientes de personalizar ou estender as funcionalidades dos subsistemas. Isso pode limitar a flexibilidade do sistema e pode não ser adequado em algumas situações em que a personalização é um requisito importante.</a:t>
+            </a:r>
+          </a:p>
+          <a:p>
+            <a:pPr lvl="0" algn="just">
+              <a:lnSpc>
+                <a:spcPct val="100000"/>
+              </a:lnSpc>
+            </a:pPr>
+            <a:r>
+              <a:rPr lang="pt-BR" sz="2800" b="1" dirty="0"/>
+              <a:t>A </a:t>
+            </a:r>
+            <a:r>
+              <a:rPr lang="pt-BR" sz="2800" b="1" dirty="0" err="1"/>
+              <a:t>façada</a:t>
+            </a:r>
+            <a:r>
+              <a:rPr lang="pt-BR" sz="2800" b="1" dirty="0"/>
+              <a:t> quebra o SRP (princípio da responsabilidade única)</a:t>
+            </a:r>
+            <a:r>
+              <a:rPr lang="pt-BR" sz="2800" dirty="0"/>
+              <a:t>: Uma única </a:t>
+            </a:r>
+            <a:r>
+              <a:rPr lang="pt-BR" sz="2800" dirty="0" err="1"/>
+              <a:t>façada</a:t>
+            </a:r>
+            <a:r>
+              <a:rPr lang="pt-BR" sz="2800" dirty="0"/>
+              <a:t> será uma classe que faz tudo. Para minimizar o problema pode-se criar várias fachadas.</a:t>
+            </a:r>
+          </a:p>
+        </p:txBody>
+      </p:sp>
+    </p:spTree>
+    <p:extLst>
+      <p:ext uri="{BB962C8B-B14F-4D97-AF65-F5344CB8AC3E}">
+        <p14:creationId xmlns:p14="http://schemas.microsoft.com/office/powerpoint/2010/main" val="3183299247"/>
+      </p:ext>
+    </p:extLst>
+  </p:cSld>
+  <p:clrMapOvr>
+    <a:masterClrMapping/>
+  </p:clrMapOvr>
+</p:sld>
+</file>
+
+<file path=ppt/slides/slide22.xml><?xml version="1.0" encoding="utf-8"?>
 <p:sld xmlns:a="http://schemas.openxmlformats.org/drawingml/2006/main" xmlns:r="http://schemas.openxmlformats.org/officeDocument/2006/relationships" xmlns:p="http://schemas.openxmlformats.org/presentationml/2006/main">
   <p:cSld>
     <p:spTree>
@@ -32958,7 +33639,7 @@
 </p:sld>
 </file>
 
-<file path=ppt/slides/slide21.xml><?xml version="1.0" encoding="utf-8"?>
+<file path=ppt/slides/slide23.xml><?xml version="1.0" encoding="utf-8"?>
 <p:sld xmlns:a="http://schemas.openxmlformats.org/drawingml/2006/main" xmlns:r="http://schemas.openxmlformats.org/officeDocument/2006/relationships" xmlns:p="http://schemas.openxmlformats.org/presentationml/2006/main">
   <p:cSld>
     <p:spTree>
@@ -33053,7 +33734,7 @@
 </p:sld>
 </file>
 
-<file path=ppt/slides/slide22.xml><?xml version="1.0" encoding="utf-8"?>
+<file path=ppt/slides/slide24.xml><?xml version="1.0" encoding="utf-8"?>
 <p:sld xmlns:a="http://schemas.openxmlformats.org/drawingml/2006/main" xmlns:r="http://schemas.openxmlformats.org/officeDocument/2006/relationships" xmlns:p="http://schemas.openxmlformats.org/presentationml/2006/main">
   <p:cSld>
     <p:bg>
@@ -33402,7 +34083,7 @@
 </p:sld>
 </file>
 
-<file path=ppt/slides/slide23.xml><?xml version="1.0" encoding="utf-8"?>
+<file path=ppt/slides/slide25.xml><?xml version="1.0" encoding="utf-8"?>
 <p:sld xmlns:a="http://schemas.openxmlformats.org/drawingml/2006/main" xmlns:r="http://schemas.openxmlformats.org/officeDocument/2006/relationships" xmlns:p="http://schemas.openxmlformats.org/presentationml/2006/main">
   <p:cSld>
     <p:bg>
@@ -33753,7 +34434,7 @@
 </p:sld>
 </file>
 
-<file path=ppt/slides/slide24.xml><?xml version="1.0" encoding="utf-8"?>
+<file path=ppt/slides/slide26.xml><?xml version="1.0" encoding="utf-8"?>
 <p:sld xmlns:a="http://schemas.openxmlformats.org/drawingml/2006/main" xmlns:r="http://schemas.openxmlformats.org/officeDocument/2006/relationships" xmlns:p="http://schemas.openxmlformats.org/presentationml/2006/main">
   <p:cSld>
     <p:bg>
@@ -34096,7 +34777,7 @@
 </p:sld>
 </file>
 
-<file path=ppt/slides/slide25.xml><?xml version="1.0" encoding="utf-8"?>
+<file path=ppt/slides/slide27.xml><?xml version="1.0" encoding="utf-8"?>
 <p:sld xmlns:a="http://schemas.openxmlformats.org/drawingml/2006/main" xmlns:r="http://schemas.openxmlformats.org/officeDocument/2006/relationships" xmlns:p="http://schemas.openxmlformats.org/presentationml/2006/main">
   <p:cSld>
     <p:bg>
@@ -34443,7 +35124,7 @@
 </p:sld>
 </file>
 
-<file path=ppt/slides/slide26.xml><?xml version="1.0" encoding="utf-8"?>
+<file path=ppt/slides/slide28.xml><?xml version="1.0" encoding="utf-8"?>
 <p:sld xmlns:a="http://schemas.openxmlformats.org/drawingml/2006/main" xmlns:r="http://schemas.openxmlformats.org/officeDocument/2006/relationships" xmlns:p="http://schemas.openxmlformats.org/presentationml/2006/main">
   <p:cSld>
     <p:bg>
@@ -34814,7 +35495,7 @@
 </p:sld>
 </file>
 
-<file path=ppt/slides/slide27.xml><?xml version="1.0" encoding="utf-8"?>
+<file path=ppt/slides/slide29.xml><?xml version="1.0" encoding="utf-8"?>
 <p:sld xmlns:a="http://schemas.openxmlformats.org/drawingml/2006/main" xmlns:r="http://schemas.openxmlformats.org/officeDocument/2006/relationships" xmlns:p="http://schemas.openxmlformats.org/presentationml/2006/main">
   <p:cSld>
     <p:bg>
@@ -35150,7 +35831,396 @@
 </p:sld>
 </file>
 
-<file path=ppt/slides/slide28.xml><?xml version="1.0" encoding="utf-8"?>
+<file path=ppt/slides/slide3.xml><?xml version="1.0" encoding="utf-8"?>
+<p:sld xmlns:a="http://schemas.openxmlformats.org/drawingml/2006/main" xmlns:r="http://schemas.openxmlformats.org/officeDocument/2006/relationships" xmlns:p="http://schemas.openxmlformats.org/presentationml/2006/main">
+  <p:cSld>
+    <p:bg>
+      <p:bgPr>
+        <a:solidFill>
+          <a:schemeClr val="bg1"/>
+        </a:solidFill>
+        <a:effectLst/>
+      </p:bgPr>
+    </p:bg>
+    <p:spTree>
+      <p:nvGrpSpPr>
+        <p:cNvPr id="1" name=""/>
+        <p:cNvGrpSpPr/>
+        <p:nvPr/>
+      </p:nvGrpSpPr>
+      <p:grpSpPr>
+        <a:xfrm>
+          <a:off x="0" y="0"/>
+          <a:ext cx="0" cy="0"/>
+          <a:chOff x="0" y="0"/>
+          <a:chExt cx="0" cy="0"/>
+        </a:xfrm>
+      </p:grpSpPr>
+      <p:sp useBgFill="1">
+        <p:nvSpPr>
+          <p:cNvPr id="13" name="Retângulo 12">
+            <a:extLst>
+              <a:ext uri="{FF2B5EF4-FFF2-40B4-BE49-F238E27FC236}">
+                <a16:creationId xmlns:a16="http://schemas.microsoft.com/office/drawing/2014/main" id="{4AE9D071-98CF-435C-BD2B-976514544DC5}"/>
+              </a:ext>
+              <a:ext uri="{C183D7F6-B498-43B3-948B-1728B52AA6E4}">
+                <adec:decorative xmlns:adec="http://schemas.microsoft.com/office/drawing/2017/decorative" val="1"/>
+              </a:ext>
+            </a:extLst>
+          </p:cNvPr>
+          <p:cNvSpPr>
+            <a:spLocks noGrp="1" noRot="1" noChangeAspect="1" noMove="1" noResize="1" noEditPoints="1" noAdjustHandles="1" noChangeArrowheads="1" noChangeShapeType="1" noTextEdit="1"/>
+          </p:cNvSpPr>
+          <p:nvPr>
+            <p:extLst>
+              <p:ext uri="{386F3935-93C4-4BCD-93E2-E3B085C9AB24}">
+                <p16:designElem xmlns:p16="http://schemas.microsoft.com/office/powerpoint/2015/main" val="1"/>
+              </p:ext>
+            </p:extLst>
+          </p:nvPr>
+        </p:nvSpPr>
+        <p:spPr>
+          <a:xfrm>
+            <a:off x="0" y="0"/>
+            <a:ext cx="12192000" cy="6858000"/>
+          </a:xfrm>
+          <a:prstGeom prst="rect">
+            <a:avLst/>
+          </a:prstGeom>
+          <a:ln>
+            <a:noFill/>
+          </a:ln>
+        </p:spPr>
+        <p:style>
+          <a:lnRef idx="2">
+            <a:schemeClr val="accent1">
+              <a:shade val="50000"/>
+            </a:schemeClr>
+          </a:lnRef>
+          <a:fillRef idx="1">
+            <a:schemeClr val="accent1"/>
+          </a:fillRef>
+          <a:effectRef idx="0">
+            <a:schemeClr val="accent1"/>
+          </a:effectRef>
+          <a:fontRef idx="minor">
+            <a:schemeClr val="lt1"/>
+          </a:fontRef>
+        </p:style>
+        <p:txBody>
+          <a:bodyPr rtlCol="0" anchor="ctr"/>
+          <a:lstStyle/>
+          <a:p>
+            <a:pPr algn="ctr" rtl="0"/>
+            <a:endParaRPr lang="en-US" dirty="0"/>
+          </a:p>
+        </p:txBody>
+      </p:sp>
+      <p:pic>
+        <p:nvPicPr>
+          <p:cNvPr id="8" name="Espaço Reservado para Conteúdo 4" descr="Números Digitais">
+            <a:extLst>
+              <a:ext uri="{FF2B5EF4-FFF2-40B4-BE49-F238E27FC236}">
+                <a16:creationId xmlns:a16="http://schemas.microsoft.com/office/drawing/2014/main" id="{EA70616B-E344-4856-8DF9-707C26236613}"/>
+              </a:ext>
+            </a:extLst>
+          </p:cNvPr>
+          <p:cNvPicPr>
+            <a:picLocks noChangeAspect="1"/>
+          </p:cNvPicPr>
+          <p:nvPr/>
+        </p:nvPicPr>
+        <p:blipFill rotWithShape="1">
+          <a:blip r:embed="rId3" cstate="screen">
+            <a:extLst>
+              <a:ext uri="{28A0092B-C50C-407E-A947-70E740481C1C}">
+                <a14:useLocalDpi xmlns:a14="http://schemas.microsoft.com/office/drawing/2010/main"/>
+              </a:ext>
+            </a:extLst>
+          </a:blip>
+          <a:srcRect t="10681" r="9091" b="12711"/>
+          <a:stretch/>
+        </p:blipFill>
+        <p:spPr>
+          <a:xfrm>
+            <a:off x="20" y="10"/>
+            <a:ext cx="12191980" cy="6857990"/>
+          </a:xfrm>
+          <a:prstGeom prst="rect">
+            <a:avLst/>
+          </a:prstGeom>
+        </p:spPr>
+      </p:pic>
+      <p:grpSp>
+        <p:nvGrpSpPr>
+          <p:cNvPr id="15" name="Grupo 14">
+            <a:extLst>
+              <a:ext uri="{FF2B5EF4-FFF2-40B4-BE49-F238E27FC236}">
+                <a16:creationId xmlns:a16="http://schemas.microsoft.com/office/drawing/2014/main" id="{D619FC33-16ED-4246-9596-BEFEB55E4CF6}"/>
+              </a:ext>
+              <a:ext uri="{C183D7F6-B498-43B3-948B-1728B52AA6E4}">
+                <adec:decorative xmlns:adec="http://schemas.microsoft.com/office/drawing/2017/decorative" val="1"/>
+              </a:ext>
+            </a:extLst>
+          </p:cNvPr>
+          <p:cNvGrpSpPr>
+            <a:grpSpLocks noGrp="1" noUngrp="1" noRot="1" noChangeAspect="1" noMove="1" noResize="1"/>
+          </p:cNvGrpSpPr>
+          <p:nvPr>
+            <p:extLst>
+              <p:ext uri="{386F3935-93C4-4BCD-93E2-E3B085C9AB24}">
+                <p16:designElem xmlns:p16="http://schemas.microsoft.com/office/powerpoint/2015/main" val="1"/>
+              </p:ext>
+            </p:extLst>
+          </p:nvPr>
+        </p:nvGrpSpPr>
+        <p:grpSpPr>
+          <a:xfrm>
+            <a:off x="438067" y="457200"/>
+            <a:ext cx="7507083" cy="5935132"/>
+            <a:chOff x="438067" y="457200"/>
+            <a:chExt cx="7507083" cy="5935132"/>
+          </a:xfrm>
+        </p:grpSpPr>
+        <p:sp>
+          <p:nvSpPr>
+            <p:cNvPr id="16" name="Retângulo 15">
+              <a:extLst>
+                <a:ext uri="{FF2B5EF4-FFF2-40B4-BE49-F238E27FC236}">
+                  <a16:creationId xmlns:a16="http://schemas.microsoft.com/office/drawing/2014/main" id="{2EEA80E1-F99F-4009-837F-2F72F8A5D580}"/>
+                </a:ext>
+                <a:ext uri="{C183D7F6-B498-43B3-948B-1728B52AA6E4}">
+                  <adec:decorative xmlns:adec="http://schemas.microsoft.com/office/drawing/2017/decorative" val="1"/>
+                </a:ext>
+              </a:extLst>
+            </p:cNvPr>
+            <p:cNvSpPr/>
+            <p:nvPr>
+              <p:extLst>
+                <p:ext uri="{386F3935-93C4-4BCD-93E2-E3B085C9AB24}">
+                  <p16:designElem xmlns:p16="http://schemas.microsoft.com/office/powerpoint/2015/main" val="1"/>
+                </p:ext>
+              </p:extLst>
+            </p:nvPr>
+          </p:nvSpPr>
+          <p:spPr>
+            <a:xfrm>
+              <a:off x="438067" y="618067"/>
+              <a:ext cx="7503665" cy="5774265"/>
+            </a:xfrm>
+            <a:prstGeom prst="rect">
+              <a:avLst/>
+            </a:prstGeom>
+            <a:solidFill>
+              <a:schemeClr val="accent1">
+                <a:alpha val="97000"/>
+              </a:schemeClr>
+            </a:solidFill>
+            <a:ln w="6350" cmpd="sng">
+              <a:noFill/>
+            </a:ln>
+            <a:effectLst/>
+          </p:spPr>
+          <p:style>
+            <a:lnRef idx="1">
+              <a:schemeClr val="accent1"/>
+            </a:lnRef>
+            <a:fillRef idx="3">
+              <a:schemeClr val="accent1"/>
+            </a:fillRef>
+            <a:effectRef idx="2">
+              <a:schemeClr val="accent1"/>
+            </a:effectRef>
+            <a:fontRef idx="minor">
+              <a:schemeClr val="lt1"/>
+            </a:fontRef>
+          </p:style>
+        </p:sp>
+        <p:sp>
+          <p:nvSpPr>
+            <p:cNvPr id="17" name="Retângulo 16">
+              <a:extLst>
+                <a:ext uri="{FF2B5EF4-FFF2-40B4-BE49-F238E27FC236}">
+                  <a16:creationId xmlns:a16="http://schemas.microsoft.com/office/drawing/2014/main" id="{0230AF9A-4641-4BD8-9F95-9607CD304039}"/>
+                </a:ext>
+                <a:ext uri="{C183D7F6-B498-43B3-948B-1728B52AA6E4}">
+                  <adec:decorative xmlns:adec="http://schemas.microsoft.com/office/drawing/2017/decorative" val="1"/>
+                </a:ext>
+              </a:extLst>
+            </p:cNvPr>
+            <p:cNvSpPr/>
+            <p:nvPr>
+              <p:extLst>
+                <p:ext uri="{386F3935-93C4-4BCD-93E2-E3B085C9AB24}">
+                  <p16:designElem xmlns:p16="http://schemas.microsoft.com/office/powerpoint/2015/main" val="1"/>
+                </p:ext>
+              </p:extLst>
+            </p:nvPr>
+          </p:nvSpPr>
+          <p:spPr>
+            <a:xfrm>
+              <a:off x="438068" y="457200"/>
+              <a:ext cx="3703320" cy="94997"/>
+            </a:xfrm>
+            <a:prstGeom prst="rect">
+              <a:avLst/>
+            </a:prstGeom>
+            <a:solidFill>
+              <a:schemeClr val="accent1"/>
+            </a:solidFill>
+            <a:ln>
+              <a:noFill/>
+            </a:ln>
+            <a:effectLst/>
+          </p:spPr>
+          <p:style>
+            <a:lnRef idx="1">
+              <a:schemeClr val="accent1"/>
+            </a:lnRef>
+            <a:fillRef idx="3">
+              <a:schemeClr val="accent1"/>
+            </a:fillRef>
+            <a:effectRef idx="2">
+              <a:schemeClr val="accent1"/>
+            </a:effectRef>
+            <a:fontRef idx="minor">
+              <a:schemeClr val="lt1"/>
+            </a:fontRef>
+          </p:style>
+        </p:sp>
+        <p:sp>
+          <p:nvSpPr>
+            <p:cNvPr id="18" name="Retângulo 17">
+              <a:extLst>
+                <a:ext uri="{FF2B5EF4-FFF2-40B4-BE49-F238E27FC236}">
+                  <a16:creationId xmlns:a16="http://schemas.microsoft.com/office/drawing/2014/main" id="{8703D4EC-9389-41B6-B88B-B6FDC8CD3330}"/>
+                </a:ext>
+                <a:ext uri="{C183D7F6-B498-43B3-948B-1728B52AA6E4}">
+                  <adec:decorative xmlns:adec="http://schemas.microsoft.com/office/drawing/2017/decorative" val="1"/>
+                </a:ext>
+              </a:extLst>
+            </p:cNvPr>
+            <p:cNvSpPr/>
+            <p:nvPr>
+              <p:extLst>
+                <p:ext uri="{386F3935-93C4-4BCD-93E2-E3B085C9AB24}">
+                  <p16:designElem xmlns:p16="http://schemas.microsoft.com/office/powerpoint/2015/main" val="1"/>
+                </p:ext>
+              </p:extLst>
+            </p:nvPr>
+          </p:nvSpPr>
+          <p:spPr>
+            <a:xfrm>
+              <a:off x="4241830" y="457200"/>
+              <a:ext cx="3703320" cy="91440"/>
+            </a:xfrm>
+            <a:prstGeom prst="rect">
+              <a:avLst/>
+            </a:prstGeom>
+            <a:solidFill>
+              <a:schemeClr val="accent2"/>
+            </a:solidFill>
+            <a:ln>
+              <a:noFill/>
+            </a:ln>
+            <a:effectLst/>
+          </p:spPr>
+          <p:style>
+            <a:lnRef idx="1">
+              <a:schemeClr val="accent1"/>
+            </a:lnRef>
+            <a:fillRef idx="3">
+              <a:schemeClr val="accent1"/>
+            </a:fillRef>
+            <a:effectRef idx="2">
+              <a:schemeClr val="accent1"/>
+            </a:effectRef>
+            <a:fontRef idx="minor">
+              <a:schemeClr val="lt1"/>
+            </a:fontRef>
+          </p:style>
+        </p:sp>
+      </p:grpSp>
+      <p:sp>
+        <p:nvSpPr>
+          <p:cNvPr id="4" name="Título 1">
+            <a:extLst>
+              <a:ext uri="{FF2B5EF4-FFF2-40B4-BE49-F238E27FC236}">
+                <a16:creationId xmlns:a16="http://schemas.microsoft.com/office/drawing/2014/main" id="{1F0B32C3-8CD7-7769-9A5C-6774193B9178}"/>
+              </a:ext>
+            </a:extLst>
+          </p:cNvPr>
+          <p:cNvSpPr>
+            <a:spLocks noGrp="1"/>
+          </p:cNvSpPr>
+          <p:nvPr>
+            <p:ph type="title"/>
+          </p:nvPr>
+        </p:nvSpPr>
+        <p:spPr>
+          <a:xfrm>
+            <a:off x="583099" y="621624"/>
+            <a:ext cx="7213600" cy="1121871"/>
+          </a:xfrm>
+        </p:spPr>
+        <p:txBody>
+          <a:bodyPr rtlCol="0" anchor="ctr">
+            <a:normAutofit/>
+          </a:bodyPr>
+          <a:lstStyle/>
+          <a:p>
+            <a:pPr algn="ctr" rtl="0"/>
+            <a:r>
+              <a:rPr lang="pt-BR" dirty="0"/>
+              <a:t>Proxy – SOLUÇÃO</a:t>
+            </a:r>
+          </a:p>
+        </p:txBody>
+      </p:sp>
+      <p:pic>
+        <p:nvPicPr>
+          <p:cNvPr id="3" name="Imagem 4" descr="Diagrama&#10;&#10;Descrição gerada automaticamente">
+            <a:extLst>
+              <a:ext uri="{FF2B5EF4-FFF2-40B4-BE49-F238E27FC236}">
+                <a16:creationId xmlns:a16="http://schemas.microsoft.com/office/drawing/2014/main" id="{F3CB4F1D-641F-7D11-E263-6EBF2EDB7A8B}"/>
+              </a:ext>
+            </a:extLst>
+          </p:cNvPr>
+          <p:cNvPicPr>
+            <a:picLocks noChangeAspect="1"/>
+          </p:cNvPicPr>
+          <p:nvPr/>
+        </p:nvPicPr>
+        <p:blipFill>
+          <a:blip r:embed="rId4"/>
+          <a:stretch>
+            <a:fillRect/>
+          </a:stretch>
+        </p:blipFill>
+        <p:spPr>
+          <a:xfrm>
+            <a:off x="0" y="2200881"/>
+            <a:ext cx="12192000" cy="4656514"/>
+          </a:xfrm>
+          <a:prstGeom prst="rect">
+            <a:avLst/>
+          </a:prstGeom>
+        </p:spPr>
+      </p:pic>
+    </p:spTree>
+    <p:extLst>
+      <p:ext uri="{BB962C8B-B14F-4D97-AF65-F5344CB8AC3E}">
+        <p14:creationId xmlns:p14="http://schemas.microsoft.com/office/powerpoint/2010/main" val="603476556"/>
+      </p:ext>
+    </p:extLst>
+  </p:cSld>
+  <p:clrMapOvr>
+    <a:masterClrMapping/>
+  </p:clrMapOvr>
+</p:sld>
+</file>
+
+<file path=ppt/slides/slide30.xml><?xml version="1.0" encoding="utf-8"?>
 <p:sld xmlns:a="http://schemas.openxmlformats.org/drawingml/2006/main" xmlns:r="http://schemas.openxmlformats.org/officeDocument/2006/relationships" xmlns:p="http://schemas.openxmlformats.org/presentationml/2006/main">
   <p:cSld>
     <p:bg>
@@ -35493,7 +36563,7 @@
 </p:sld>
 </file>
 
-<file path=ppt/slides/slide29.xml><?xml version="1.0" encoding="utf-8"?>
+<file path=ppt/slides/slide31.xml><?xml version="1.0" encoding="utf-8"?>
 <p:sld xmlns:a="http://schemas.openxmlformats.org/drawingml/2006/main" xmlns:r="http://schemas.openxmlformats.org/officeDocument/2006/relationships" xmlns:p="http://schemas.openxmlformats.org/presentationml/2006/main">
   <p:cSld>
     <p:bg>
@@ -35840,401 +36910,7 @@
 </p:sld>
 </file>
 
-<file path=ppt/slides/slide3.xml><?xml version="1.0" encoding="utf-8"?>
-<p:sld xmlns:a="http://schemas.openxmlformats.org/drawingml/2006/main" xmlns:r="http://schemas.openxmlformats.org/officeDocument/2006/relationships" xmlns:p="http://schemas.openxmlformats.org/presentationml/2006/main">
-  <p:cSld>
-    <p:bg>
-      <p:bgPr>
-        <a:solidFill>
-          <a:schemeClr val="bg1"/>
-        </a:solidFill>
-        <a:effectLst/>
-      </p:bgPr>
-    </p:bg>
-    <p:spTree>
-      <p:nvGrpSpPr>
-        <p:cNvPr id="1" name=""/>
-        <p:cNvGrpSpPr/>
-        <p:nvPr/>
-      </p:nvGrpSpPr>
-      <p:grpSpPr>
-        <a:xfrm>
-          <a:off x="0" y="0"/>
-          <a:ext cx="0" cy="0"/>
-          <a:chOff x="0" y="0"/>
-          <a:chExt cx="0" cy="0"/>
-        </a:xfrm>
-      </p:grpSpPr>
-      <p:sp useBgFill="1">
-        <p:nvSpPr>
-          <p:cNvPr id="13" name="Retângulo 12">
-            <a:extLst>
-              <a:ext uri="{FF2B5EF4-FFF2-40B4-BE49-F238E27FC236}">
-                <a16:creationId xmlns:a16="http://schemas.microsoft.com/office/drawing/2014/main" id="{4AE9D071-98CF-435C-BD2B-976514544DC5}"/>
-              </a:ext>
-              <a:ext uri="{C183D7F6-B498-43B3-948B-1728B52AA6E4}">
-                <adec:decorative xmlns:adec="http://schemas.microsoft.com/office/drawing/2017/decorative" val="1"/>
-              </a:ext>
-            </a:extLst>
-          </p:cNvPr>
-          <p:cNvSpPr>
-            <a:spLocks noGrp="1" noRot="1" noChangeAspect="1" noMove="1" noResize="1" noEditPoints="1" noAdjustHandles="1" noChangeArrowheads="1" noChangeShapeType="1" noTextEdit="1"/>
-          </p:cNvSpPr>
-          <p:nvPr>
-            <p:extLst>
-              <p:ext uri="{386F3935-93C4-4BCD-93E2-E3B085C9AB24}">
-                <p16:designElem xmlns:p16="http://schemas.microsoft.com/office/powerpoint/2015/main" val="1"/>
-              </p:ext>
-            </p:extLst>
-          </p:nvPr>
-        </p:nvSpPr>
-        <p:spPr>
-          <a:xfrm>
-            <a:off x="0" y="0"/>
-            <a:ext cx="12192000" cy="6858000"/>
-          </a:xfrm>
-          <a:prstGeom prst="rect">
-            <a:avLst/>
-          </a:prstGeom>
-          <a:ln>
-            <a:noFill/>
-          </a:ln>
-        </p:spPr>
-        <p:style>
-          <a:lnRef idx="2">
-            <a:schemeClr val="accent1">
-              <a:shade val="50000"/>
-            </a:schemeClr>
-          </a:lnRef>
-          <a:fillRef idx="1">
-            <a:schemeClr val="accent1"/>
-          </a:fillRef>
-          <a:effectRef idx="0">
-            <a:schemeClr val="accent1"/>
-          </a:effectRef>
-          <a:fontRef idx="minor">
-            <a:schemeClr val="lt1"/>
-          </a:fontRef>
-        </p:style>
-        <p:txBody>
-          <a:bodyPr rtlCol="0" anchor="ctr"/>
-          <a:lstStyle/>
-          <a:p>
-            <a:pPr algn="ctr" rtl="0"/>
-            <a:endParaRPr lang="en-US" dirty="0"/>
-          </a:p>
-        </p:txBody>
-      </p:sp>
-      <p:pic>
-        <p:nvPicPr>
-          <p:cNvPr id="8" name="Espaço Reservado para Conteúdo 4" descr="Números Digitais">
-            <a:extLst>
-              <a:ext uri="{FF2B5EF4-FFF2-40B4-BE49-F238E27FC236}">
-                <a16:creationId xmlns:a16="http://schemas.microsoft.com/office/drawing/2014/main" id="{EA70616B-E344-4856-8DF9-707C26236613}"/>
-              </a:ext>
-            </a:extLst>
-          </p:cNvPr>
-          <p:cNvPicPr>
-            <a:picLocks noChangeAspect="1"/>
-          </p:cNvPicPr>
-          <p:nvPr/>
-        </p:nvPicPr>
-        <p:blipFill rotWithShape="1">
-          <a:blip r:embed="rId3" cstate="screen">
-            <a:extLst>
-              <a:ext uri="{28A0092B-C50C-407E-A947-70E740481C1C}">
-                <a14:useLocalDpi xmlns:a14="http://schemas.microsoft.com/office/drawing/2010/main"/>
-              </a:ext>
-            </a:extLst>
-          </a:blip>
-          <a:srcRect t="10681" r="9091" b="12711"/>
-          <a:stretch/>
-        </p:blipFill>
-        <p:spPr>
-          <a:xfrm>
-            <a:off x="20" y="10"/>
-            <a:ext cx="12191980" cy="6857990"/>
-          </a:xfrm>
-          <a:prstGeom prst="rect">
-            <a:avLst/>
-          </a:prstGeom>
-        </p:spPr>
-      </p:pic>
-      <p:grpSp>
-        <p:nvGrpSpPr>
-          <p:cNvPr id="15" name="Grupo 14">
-            <a:extLst>
-              <a:ext uri="{FF2B5EF4-FFF2-40B4-BE49-F238E27FC236}">
-                <a16:creationId xmlns:a16="http://schemas.microsoft.com/office/drawing/2014/main" id="{D619FC33-16ED-4246-9596-BEFEB55E4CF6}"/>
-              </a:ext>
-              <a:ext uri="{C183D7F6-B498-43B3-948B-1728B52AA6E4}">
-                <adec:decorative xmlns:adec="http://schemas.microsoft.com/office/drawing/2017/decorative" val="1"/>
-              </a:ext>
-            </a:extLst>
-          </p:cNvPr>
-          <p:cNvGrpSpPr>
-            <a:grpSpLocks noGrp="1" noUngrp="1" noRot="1" noChangeAspect="1" noMove="1" noResize="1"/>
-          </p:cNvGrpSpPr>
-          <p:nvPr>
-            <p:extLst>
-              <p:ext uri="{386F3935-93C4-4BCD-93E2-E3B085C9AB24}">
-                <p16:designElem xmlns:p16="http://schemas.microsoft.com/office/powerpoint/2015/main" val="1"/>
-              </p:ext>
-            </p:extLst>
-          </p:nvPr>
-        </p:nvGrpSpPr>
-        <p:grpSpPr>
-          <a:xfrm>
-            <a:off x="438067" y="457200"/>
-            <a:ext cx="7507083" cy="5935132"/>
-            <a:chOff x="438067" y="457200"/>
-            <a:chExt cx="7507083" cy="5935132"/>
-          </a:xfrm>
-        </p:grpSpPr>
-        <p:sp>
-          <p:nvSpPr>
-            <p:cNvPr id="16" name="Retângulo 15">
-              <a:extLst>
-                <a:ext uri="{FF2B5EF4-FFF2-40B4-BE49-F238E27FC236}">
-                  <a16:creationId xmlns:a16="http://schemas.microsoft.com/office/drawing/2014/main" id="{2EEA80E1-F99F-4009-837F-2F72F8A5D580}"/>
-                </a:ext>
-                <a:ext uri="{C183D7F6-B498-43B3-948B-1728B52AA6E4}">
-                  <adec:decorative xmlns:adec="http://schemas.microsoft.com/office/drawing/2017/decorative" val="1"/>
-                </a:ext>
-              </a:extLst>
-            </p:cNvPr>
-            <p:cNvSpPr/>
-            <p:nvPr>
-              <p:extLst>
-                <p:ext uri="{386F3935-93C4-4BCD-93E2-E3B085C9AB24}">
-                  <p16:designElem xmlns:p16="http://schemas.microsoft.com/office/powerpoint/2015/main" val="1"/>
-                </p:ext>
-              </p:extLst>
-            </p:nvPr>
-          </p:nvSpPr>
-          <p:spPr>
-            <a:xfrm>
-              <a:off x="438067" y="618067"/>
-              <a:ext cx="7503665" cy="5774265"/>
-            </a:xfrm>
-            <a:prstGeom prst="rect">
-              <a:avLst/>
-            </a:prstGeom>
-            <a:solidFill>
-              <a:schemeClr val="accent1">
-                <a:alpha val="97000"/>
-              </a:schemeClr>
-            </a:solidFill>
-            <a:ln w="6350" cmpd="sng">
-              <a:noFill/>
-            </a:ln>
-            <a:effectLst/>
-          </p:spPr>
-          <p:style>
-            <a:lnRef idx="1">
-              <a:schemeClr val="accent1"/>
-            </a:lnRef>
-            <a:fillRef idx="3">
-              <a:schemeClr val="accent1"/>
-            </a:fillRef>
-            <a:effectRef idx="2">
-              <a:schemeClr val="accent1"/>
-            </a:effectRef>
-            <a:fontRef idx="minor">
-              <a:schemeClr val="lt1"/>
-            </a:fontRef>
-          </p:style>
-        </p:sp>
-        <p:sp>
-          <p:nvSpPr>
-            <p:cNvPr id="17" name="Retângulo 16">
-              <a:extLst>
-                <a:ext uri="{FF2B5EF4-FFF2-40B4-BE49-F238E27FC236}">
-                  <a16:creationId xmlns:a16="http://schemas.microsoft.com/office/drawing/2014/main" id="{0230AF9A-4641-4BD8-9F95-9607CD304039}"/>
-                </a:ext>
-                <a:ext uri="{C183D7F6-B498-43B3-948B-1728B52AA6E4}">
-                  <adec:decorative xmlns:adec="http://schemas.microsoft.com/office/drawing/2017/decorative" val="1"/>
-                </a:ext>
-              </a:extLst>
-            </p:cNvPr>
-            <p:cNvSpPr/>
-            <p:nvPr>
-              <p:extLst>
-                <p:ext uri="{386F3935-93C4-4BCD-93E2-E3B085C9AB24}">
-                  <p16:designElem xmlns:p16="http://schemas.microsoft.com/office/powerpoint/2015/main" val="1"/>
-                </p:ext>
-              </p:extLst>
-            </p:nvPr>
-          </p:nvSpPr>
-          <p:spPr>
-            <a:xfrm>
-              <a:off x="438068" y="457200"/>
-              <a:ext cx="3703320" cy="94997"/>
-            </a:xfrm>
-            <a:prstGeom prst="rect">
-              <a:avLst/>
-            </a:prstGeom>
-            <a:solidFill>
-              <a:schemeClr val="accent1"/>
-            </a:solidFill>
-            <a:ln>
-              <a:noFill/>
-            </a:ln>
-            <a:effectLst/>
-          </p:spPr>
-          <p:style>
-            <a:lnRef idx="1">
-              <a:schemeClr val="accent1"/>
-            </a:lnRef>
-            <a:fillRef idx="3">
-              <a:schemeClr val="accent1"/>
-            </a:fillRef>
-            <a:effectRef idx="2">
-              <a:schemeClr val="accent1"/>
-            </a:effectRef>
-            <a:fontRef idx="minor">
-              <a:schemeClr val="lt1"/>
-            </a:fontRef>
-          </p:style>
-        </p:sp>
-        <p:sp>
-          <p:nvSpPr>
-            <p:cNvPr id="18" name="Retângulo 17">
-              <a:extLst>
-                <a:ext uri="{FF2B5EF4-FFF2-40B4-BE49-F238E27FC236}">
-                  <a16:creationId xmlns:a16="http://schemas.microsoft.com/office/drawing/2014/main" id="{8703D4EC-9389-41B6-B88B-B6FDC8CD3330}"/>
-                </a:ext>
-                <a:ext uri="{C183D7F6-B498-43B3-948B-1728B52AA6E4}">
-                  <adec:decorative xmlns:adec="http://schemas.microsoft.com/office/drawing/2017/decorative" val="1"/>
-                </a:ext>
-              </a:extLst>
-            </p:cNvPr>
-            <p:cNvSpPr/>
-            <p:nvPr>
-              <p:extLst>
-                <p:ext uri="{386F3935-93C4-4BCD-93E2-E3B085C9AB24}">
-                  <p16:designElem xmlns:p16="http://schemas.microsoft.com/office/powerpoint/2015/main" val="1"/>
-                </p:ext>
-              </p:extLst>
-            </p:nvPr>
-          </p:nvSpPr>
-          <p:spPr>
-            <a:xfrm>
-              <a:off x="4241830" y="457200"/>
-              <a:ext cx="3703320" cy="91440"/>
-            </a:xfrm>
-            <a:prstGeom prst="rect">
-              <a:avLst/>
-            </a:prstGeom>
-            <a:solidFill>
-              <a:schemeClr val="accent2"/>
-            </a:solidFill>
-            <a:ln>
-              <a:noFill/>
-            </a:ln>
-            <a:effectLst/>
-          </p:spPr>
-          <p:style>
-            <a:lnRef idx="1">
-              <a:schemeClr val="accent1"/>
-            </a:lnRef>
-            <a:fillRef idx="3">
-              <a:schemeClr val="accent1"/>
-            </a:fillRef>
-            <a:effectRef idx="2">
-              <a:schemeClr val="accent1"/>
-            </a:effectRef>
-            <a:fontRef idx="minor">
-              <a:schemeClr val="lt1"/>
-            </a:fontRef>
-          </p:style>
-        </p:sp>
-      </p:grpSp>
-      <p:sp>
-        <p:nvSpPr>
-          <p:cNvPr id="2" name="Título 1">
-            <a:extLst>
-              <a:ext uri="{FF2B5EF4-FFF2-40B4-BE49-F238E27FC236}">
-                <a16:creationId xmlns:a16="http://schemas.microsoft.com/office/drawing/2014/main" id="{7F2616EE-270D-4F4C-BA1F-2708D387B800}"/>
-              </a:ext>
-            </a:extLst>
-          </p:cNvPr>
-          <p:cNvSpPr>
-            <a:spLocks noGrp="1"/>
-          </p:cNvSpPr>
-          <p:nvPr>
-            <p:ph type="title"/>
-          </p:nvPr>
-        </p:nvSpPr>
-        <p:spPr>
-          <a:xfrm>
-            <a:off x="583099" y="621624"/>
-            <a:ext cx="7213600" cy="1121871"/>
-          </a:xfrm>
-        </p:spPr>
-        <p:txBody>
-          <a:bodyPr rtlCol="0" anchor="ctr">
-            <a:normAutofit/>
-          </a:bodyPr>
-          <a:lstStyle/>
-          <a:p>
-            <a:pPr algn="ctr" rtl="0"/>
-            <a:r>
-              <a:rPr lang="pt-BR" dirty="0">
-                <a:effectLst/>
-                <a:latin typeface="Arial" panose="020B0604020202020204" pitchFamily="34" charset="0"/>
-              </a:rPr>
-              <a:t>Proxy – Quando é usado?</a:t>
-            </a:r>
-            <a:endParaRPr lang="pt-BR" dirty="0"/>
-          </a:p>
-        </p:txBody>
-      </p:sp>
-      <p:graphicFrame>
-        <p:nvGraphicFramePr>
-          <p:cNvPr id="6" name="Espaço Reservado para Conteúdo 5" descr="SmartArt">
-            <a:extLst>
-              <a:ext uri="{FF2B5EF4-FFF2-40B4-BE49-F238E27FC236}">
-                <a16:creationId xmlns:a16="http://schemas.microsoft.com/office/drawing/2014/main" id="{BF629521-FFD2-45DA-9D1D-A5F09BD5A2D9}"/>
-              </a:ext>
-            </a:extLst>
-          </p:cNvPr>
-          <p:cNvGraphicFramePr>
-            <a:graphicFrameLocks noGrp="1"/>
-          </p:cNvGraphicFramePr>
-          <p:nvPr>
-            <p:ph idx="1"/>
-            <p:extLst>
-              <p:ext uri="{D42A27DB-BD31-4B8C-83A1-F6EECF244321}">
-                <p14:modId xmlns:p14="http://schemas.microsoft.com/office/powerpoint/2010/main" val="2246488267"/>
-              </p:ext>
-            </p:extLst>
-          </p:nvPr>
-        </p:nvGraphicFramePr>
-        <p:xfrm>
-          <a:off x="438068" y="1965961"/>
-          <a:ext cx="7503664" cy="4273972"/>
-        </p:xfrm>
-        <a:graphic>
-          <a:graphicData uri="http://schemas.openxmlformats.org/drawingml/2006/diagram">
-            <dgm:relIds xmlns:dgm="http://schemas.openxmlformats.org/drawingml/2006/diagram" xmlns:r="http://schemas.openxmlformats.org/officeDocument/2006/relationships" r:dm="rId4" r:lo="rId5" r:qs="rId6" r:cs="rId7"/>
-          </a:graphicData>
-        </a:graphic>
-      </p:graphicFrame>
-    </p:spTree>
-    <p:extLst>
-      <p:ext uri="{BB962C8B-B14F-4D97-AF65-F5344CB8AC3E}">
-        <p14:creationId xmlns:p14="http://schemas.microsoft.com/office/powerpoint/2010/main" val="150071940"/>
-      </p:ext>
-    </p:extLst>
-  </p:cSld>
-  <p:clrMapOvr>
-    <a:masterClrMapping/>
-  </p:clrMapOvr>
-</p:sld>
-</file>
-
-<file path=ppt/slides/slide30.xml><?xml version="1.0" encoding="utf-8"?>
+<file path=ppt/slides/slide32.xml><?xml version="1.0" encoding="utf-8"?>
 <p:sld xmlns:a="http://schemas.openxmlformats.org/drawingml/2006/main" xmlns:r="http://schemas.openxmlformats.org/officeDocument/2006/relationships" xmlns:p="http://schemas.openxmlformats.org/presentationml/2006/main">
   <p:cSld>
     <p:bg>
@@ -36577,7 +37253,7 @@
 </p:sld>
 </file>
 
-<file path=ppt/slides/slide31.xml><?xml version="1.0" encoding="utf-8"?>
+<file path=ppt/slides/slide33.xml><?xml version="1.0" encoding="utf-8"?>
 <p:sld xmlns:a="http://schemas.openxmlformats.org/drawingml/2006/main" xmlns:r="http://schemas.openxmlformats.org/officeDocument/2006/relationships" xmlns:p="http://schemas.openxmlformats.org/presentationml/2006/main">
   <p:cSld>
     <p:bg>
@@ -36920,7 +37596,7 @@
 </p:sld>
 </file>
 
-<file path=ppt/slides/slide32.xml><?xml version="1.0" encoding="utf-8"?>
+<file path=ppt/slides/slide34.xml><?xml version="1.0" encoding="utf-8"?>
 <p:sld xmlns:a="http://schemas.openxmlformats.org/drawingml/2006/main" xmlns:r="http://schemas.openxmlformats.org/officeDocument/2006/relationships" xmlns:p="http://schemas.openxmlformats.org/presentationml/2006/main">
   <p:cSld>
     <p:spTree>
@@ -36986,7 +37662,7 @@
 </p:sld>
 </file>
 
-<file path=ppt/slides/slide33.xml><?xml version="1.0" encoding="utf-8"?>
+<file path=ppt/slides/slide35.xml><?xml version="1.0" encoding="utf-8"?>
 <p:sld xmlns:a="http://schemas.openxmlformats.org/drawingml/2006/main" xmlns:r="http://schemas.openxmlformats.org/officeDocument/2006/relationships" xmlns:p="http://schemas.openxmlformats.org/presentationml/2006/main">
   <p:cSld>
     <p:bg>
@@ -37817,6 +38493,785 @@
           <a:p>
             <a:pPr algn="ctr" rtl="0"/>
             <a:r>
+              <a:rPr lang="pt-BR" dirty="0"/>
+              <a:t>Proxy – o que é?</a:t>
+            </a:r>
+          </a:p>
+        </p:txBody>
+      </p:sp>
+      <p:graphicFrame>
+        <p:nvGraphicFramePr>
+          <p:cNvPr id="6" name="Espaço Reservado para Conteúdo 5" descr="SmartArt">
+            <a:extLst>
+              <a:ext uri="{FF2B5EF4-FFF2-40B4-BE49-F238E27FC236}">
+                <a16:creationId xmlns:a16="http://schemas.microsoft.com/office/drawing/2014/main" id="{BF629521-FFD2-45DA-9D1D-A5F09BD5A2D9}"/>
+              </a:ext>
+            </a:extLst>
+          </p:cNvPr>
+          <p:cNvGraphicFramePr>
+            <a:graphicFrameLocks noGrp="1"/>
+          </p:cNvGraphicFramePr>
+          <p:nvPr>
+            <p:ph idx="1"/>
+          </p:nvPr>
+        </p:nvGraphicFramePr>
+        <p:xfrm>
+          <a:off x="438068" y="1965961"/>
+          <a:ext cx="7503664" cy="4273972"/>
+        </p:xfrm>
+        <a:graphic>
+          <a:graphicData uri="http://schemas.openxmlformats.org/drawingml/2006/diagram">
+            <dgm:relIds xmlns:dgm="http://schemas.openxmlformats.org/drawingml/2006/diagram" xmlns:r="http://schemas.openxmlformats.org/officeDocument/2006/relationships" r:dm="rId4" r:lo="rId5" r:qs="rId6" r:cs="rId7"/>
+          </a:graphicData>
+        </a:graphic>
+      </p:graphicFrame>
+    </p:spTree>
+    <p:extLst>
+      <p:ext uri="{BB962C8B-B14F-4D97-AF65-F5344CB8AC3E}">
+        <p14:creationId xmlns:p14="http://schemas.microsoft.com/office/powerpoint/2010/main" val="1797272995"/>
+      </p:ext>
+    </p:extLst>
+  </p:cSld>
+  <p:clrMapOvr>
+    <a:masterClrMapping/>
+  </p:clrMapOvr>
+</p:sld>
+</file>
+
+<file path=ppt/slides/slide5.xml><?xml version="1.0" encoding="utf-8"?>
+<p:sld xmlns:a="http://schemas.openxmlformats.org/drawingml/2006/main" xmlns:r="http://schemas.openxmlformats.org/officeDocument/2006/relationships" xmlns:p="http://schemas.openxmlformats.org/presentationml/2006/main">
+  <p:cSld>
+    <p:bg>
+      <p:bgPr>
+        <a:solidFill>
+          <a:schemeClr val="bg1"/>
+        </a:solidFill>
+        <a:effectLst/>
+      </p:bgPr>
+    </p:bg>
+    <p:spTree>
+      <p:nvGrpSpPr>
+        <p:cNvPr id="1" name=""/>
+        <p:cNvGrpSpPr/>
+        <p:nvPr/>
+      </p:nvGrpSpPr>
+      <p:grpSpPr>
+        <a:xfrm>
+          <a:off x="0" y="0"/>
+          <a:ext cx="0" cy="0"/>
+          <a:chOff x="0" y="0"/>
+          <a:chExt cx="0" cy="0"/>
+        </a:xfrm>
+      </p:grpSpPr>
+      <p:sp useBgFill="1">
+        <p:nvSpPr>
+          <p:cNvPr id="13" name="Retângulo 12">
+            <a:extLst>
+              <a:ext uri="{FF2B5EF4-FFF2-40B4-BE49-F238E27FC236}">
+                <a16:creationId xmlns:a16="http://schemas.microsoft.com/office/drawing/2014/main" id="{4AE9D071-98CF-435C-BD2B-976514544DC5}"/>
+              </a:ext>
+              <a:ext uri="{C183D7F6-B498-43B3-948B-1728B52AA6E4}">
+                <adec:decorative xmlns:adec="http://schemas.microsoft.com/office/drawing/2017/decorative" val="1"/>
+              </a:ext>
+            </a:extLst>
+          </p:cNvPr>
+          <p:cNvSpPr>
+            <a:spLocks noGrp="1" noRot="1" noChangeAspect="1" noMove="1" noResize="1" noEditPoints="1" noAdjustHandles="1" noChangeArrowheads="1" noChangeShapeType="1" noTextEdit="1"/>
+          </p:cNvSpPr>
+          <p:nvPr>
+            <p:extLst>
+              <p:ext uri="{386F3935-93C4-4BCD-93E2-E3B085C9AB24}">
+                <p16:designElem xmlns:p16="http://schemas.microsoft.com/office/powerpoint/2015/main" val="1"/>
+              </p:ext>
+            </p:extLst>
+          </p:nvPr>
+        </p:nvSpPr>
+        <p:spPr>
+          <a:xfrm>
+            <a:off x="0" y="0"/>
+            <a:ext cx="12192000" cy="6858000"/>
+          </a:xfrm>
+          <a:prstGeom prst="rect">
+            <a:avLst/>
+          </a:prstGeom>
+          <a:ln>
+            <a:noFill/>
+          </a:ln>
+        </p:spPr>
+        <p:style>
+          <a:lnRef idx="2">
+            <a:schemeClr val="accent1">
+              <a:shade val="50000"/>
+            </a:schemeClr>
+          </a:lnRef>
+          <a:fillRef idx="1">
+            <a:schemeClr val="accent1"/>
+          </a:fillRef>
+          <a:effectRef idx="0">
+            <a:schemeClr val="accent1"/>
+          </a:effectRef>
+          <a:fontRef idx="minor">
+            <a:schemeClr val="lt1"/>
+          </a:fontRef>
+        </p:style>
+        <p:txBody>
+          <a:bodyPr rtlCol="0" anchor="ctr"/>
+          <a:lstStyle/>
+          <a:p>
+            <a:pPr algn="ctr" rtl="0"/>
+            <a:endParaRPr lang="en-US" dirty="0"/>
+          </a:p>
+        </p:txBody>
+      </p:sp>
+      <p:pic>
+        <p:nvPicPr>
+          <p:cNvPr id="8" name="Espaço Reservado para Conteúdo 4" descr="Números Digitais">
+            <a:extLst>
+              <a:ext uri="{FF2B5EF4-FFF2-40B4-BE49-F238E27FC236}">
+                <a16:creationId xmlns:a16="http://schemas.microsoft.com/office/drawing/2014/main" id="{EA70616B-E344-4856-8DF9-707C26236613}"/>
+              </a:ext>
+            </a:extLst>
+          </p:cNvPr>
+          <p:cNvPicPr>
+            <a:picLocks noChangeAspect="1"/>
+          </p:cNvPicPr>
+          <p:nvPr/>
+        </p:nvPicPr>
+        <p:blipFill rotWithShape="1">
+          <a:blip r:embed="rId3" cstate="screen">
+            <a:extLst>
+              <a:ext uri="{28A0092B-C50C-407E-A947-70E740481C1C}">
+                <a14:useLocalDpi xmlns:a14="http://schemas.microsoft.com/office/drawing/2010/main"/>
+              </a:ext>
+            </a:extLst>
+          </a:blip>
+          <a:srcRect t="10681" r="9091" b="12711"/>
+          <a:stretch/>
+        </p:blipFill>
+        <p:spPr>
+          <a:xfrm>
+            <a:off x="20" y="10"/>
+            <a:ext cx="12191980" cy="6857990"/>
+          </a:xfrm>
+          <a:prstGeom prst="rect">
+            <a:avLst/>
+          </a:prstGeom>
+        </p:spPr>
+      </p:pic>
+      <p:grpSp>
+        <p:nvGrpSpPr>
+          <p:cNvPr id="15" name="Grupo 14">
+            <a:extLst>
+              <a:ext uri="{FF2B5EF4-FFF2-40B4-BE49-F238E27FC236}">
+                <a16:creationId xmlns:a16="http://schemas.microsoft.com/office/drawing/2014/main" id="{D619FC33-16ED-4246-9596-BEFEB55E4CF6}"/>
+              </a:ext>
+              <a:ext uri="{C183D7F6-B498-43B3-948B-1728B52AA6E4}">
+                <adec:decorative xmlns:adec="http://schemas.microsoft.com/office/drawing/2017/decorative" val="1"/>
+              </a:ext>
+            </a:extLst>
+          </p:cNvPr>
+          <p:cNvGrpSpPr>
+            <a:grpSpLocks noGrp="1" noUngrp="1" noRot="1" noChangeAspect="1" noMove="1" noResize="1"/>
+          </p:cNvGrpSpPr>
+          <p:nvPr>
+            <p:extLst>
+              <p:ext uri="{386F3935-93C4-4BCD-93E2-E3B085C9AB24}">
+                <p16:designElem xmlns:p16="http://schemas.microsoft.com/office/powerpoint/2015/main" val="1"/>
+              </p:ext>
+            </p:extLst>
+          </p:nvPr>
+        </p:nvGrpSpPr>
+        <p:grpSpPr>
+          <a:xfrm>
+            <a:off x="438067" y="457200"/>
+            <a:ext cx="7507083" cy="5935132"/>
+            <a:chOff x="438067" y="457200"/>
+            <a:chExt cx="7507083" cy="5935132"/>
+          </a:xfrm>
+        </p:grpSpPr>
+        <p:sp>
+          <p:nvSpPr>
+            <p:cNvPr id="16" name="Retângulo 15">
+              <a:extLst>
+                <a:ext uri="{FF2B5EF4-FFF2-40B4-BE49-F238E27FC236}">
+                  <a16:creationId xmlns:a16="http://schemas.microsoft.com/office/drawing/2014/main" id="{2EEA80E1-F99F-4009-837F-2F72F8A5D580}"/>
+                </a:ext>
+                <a:ext uri="{C183D7F6-B498-43B3-948B-1728B52AA6E4}">
+                  <adec:decorative xmlns:adec="http://schemas.microsoft.com/office/drawing/2017/decorative" val="1"/>
+                </a:ext>
+              </a:extLst>
+            </p:cNvPr>
+            <p:cNvSpPr/>
+            <p:nvPr>
+              <p:extLst>
+                <p:ext uri="{386F3935-93C4-4BCD-93E2-E3B085C9AB24}">
+                  <p16:designElem xmlns:p16="http://schemas.microsoft.com/office/powerpoint/2015/main" val="1"/>
+                </p:ext>
+              </p:extLst>
+            </p:nvPr>
+          </p:nvSpPr>
+          <p:spPr>
+            <a:xfrm>
+              <a:off x="438067" y="618067"/>
+              <a:ext cx="7503665" cy="5774265"/>
+            </a:xfrm>
+            <a:prstGeom prst="rect">
+              <a:avLst/>
+            </a:prstGeom>
+            <a:solidFill>
+              <a:schemeClr val="accent1">
+                <a:alpha val="97000"/>
+              </a:schemeClr>
+            </a:solidFill>
+            <a:ln w="6350" cmpd="sng">
+              <a:noFill/>
+            </a:ln>
+            <a:effectLst/>
+          </p:spPr>
+          <p:style>
+            <a:lnRef idx="1">
+              <a:schemeClr val="accent1"/>
+            </a:lnRef>
+            <a:fillRef idx="3">
+              <a:schemeClr val="accent1"/>
+            </a:fillRef>
+            <a:effectRef idx="2">
+              <a:schemeClr val="accent1"/>
+            </a:effectRef>
+            <a:fontRef idx="minor">
+              <a:schemeClr val="lt1"/>
+            </a:fontRef>
+          </p:style>
+        </p:sp>
+        <p:sp>
+          <p:nvSpPr>
+            <p:cNvPr id="17" name="Retângulo 16">
+              <a:extLst>
+                <a:ext uri="{FF2B5EF4-FFF2-40B4-BE49-F238E27FC236}">
+                  <a16:creationId xmlns:a16="http://schemas.microsoft.com/office/drawing/2014/main" id="{0230AF9A-4641-4BD8-9F95-9607CD304039}"/>
+                </a:ext>
+                <a:ext uri="{C183D7F6-B498-43B3-948B-1728B52AA6E4}">
+                  <adec:decorative xmlns:adec="http://schemas.microsoft.com/office/drawing/2017/decorative" val="1"/>
+                </a:ext>
+              </a:extLst>
+            </p:cNvPr>
+            <p:cNvSpPr/>
+            <p:nvPr>
+              <p:extLst>
+                <p:ext uri="{386F3935-93C4-4BCD-93E2-E3B085C9AB24}">
+                  <p16:designElem xmlns:p16="http://schemas.microsoft.com/office/powerpoint/2015/main" val="1"/>
+                </p:ext>
+              </p:extLst>
+            </p:nvPr>
+          </p:nvSpPr>
+          <p:spPr>
+            <a:xfrm>
+              <a:off x="438068" y="457200"/>
+              <a:ext cx="3703320" cy="94997"/>
+            </a:xfrm>
+            <a:prstGeom prst="rect">
+              <a:avLst/>
+            </a:prstGeom>
+            <a:solidFill>
+              <a:schemeClr val="accent1"/>
+            </a:solidFill>
+            <a:ln>
+              <a:noFill/>
+            </a:ln>
+            <a:effectLst/>
+          </p:spPr>
+          <p:style>
+            <a:lnRef idx="1">
+              <a:schemeClr val="accent1"/>
+            </a:lnRef>
+            <a:fillRef idx="3">
+              <a:schemeClr val="accent1"/>
+            </a:fillRef>
+            <a:effectRef idx="2">
+              <a:schemeClr val="accent1"/>
+            </a:effectRef>
+            <a:fontRef idx="minor">
+              <a:schemeClr val="lt1"/>
+            </a:fontRef>
+          </p:style>
+        </p:sp>
+        <p:sp>
+          <p:nvSpPr>
+            <p:cNvPr id="18" name="Retângulo 17">
+              <a:extLst>
+                <a:ext uri="{FF2B5EF4-FFF2-40B4-BE49-F238E27FC236}">
+                  <a16:creationId xmlns:a16="http://schemas.microsoft.com/office/drawing/2014/main" id="{8703D4EC-9389-41B6-B88B-B6FDC8CD3330}"/>
+                </a:ext>
+                <a:ext uri="{C183D7F6-B498-43B3-948B-1728B52AA6E4}">
+                  <adec:decorative xmlns:adec="http://schemas.microsoft.com/office/drawing/2017/decorative" val="1"/>
+                </a:ext>
+              </a:extLst>
+            </p:cNvPr>
+            <p:cNvSpPr/>
+            <p:nvPr>
+              <p:extLst>
+                <p:ext uri="{386F3935-93C4-4BCD-93E2-E3B085C9AB24}">
+                  <p16:designElem xmlns:p16="http://schemas.microsoft.com/office/powerpoint/2015/main" val="1"/>
+                </p:ext>
+              </p:extLst>
+            </p:nvPr>
+          </p:nvSpPr>
+          <p:spPr>
+            <a:xfrm>
+              <a:off x="4241830" y="457200"/>
+              <a:ext cx="3703320" cy="91440"/>
+            </a:xfrm>
+            <a:prstGeom prst="rect">
+              <a:avLst/>
+            </a:prstGeom>
+            <a:solidFill>
+              <a:schemeClr val="accent2"/>
+            </a:solidFill>
+            <a:ln>
+              <a:noFill/>
+            </a:ln>
+            <a:effectLst/>
+          </p:spPr>
+          <p:style>
+            <a:lnRef idx="1">
+              <a:schemeClr val="accent1"/>
+            </a:lnRef>
+            <a:fillRef idx="3">
+              <a:schemeClr val="accent1"/>
+            </a:fillRef>
+            <a:effectRef idx="2">
+              <a:schemeClr val="accent1"/>
+            </a:effectRef>
+            <a:fontRef idx="minor">
+              <a:schemeClr val="lt1"/>
+            </a:fontRef>
+          </p:style>
+        </p:sp>
+      </p:grpSp>
+      <p:sp>
+        <p:nvSpPr>
+          <p:cNvPr id="2" name="Título 1">
+            <a:extLst>
+              <a:ext uri="{FF2B5EF4-FFF2-40B4-BE49-F238E27FC236}">
+                <a16:creationId xmlns:a16="http://schemas.microsoft.com/office/drawing/2014/main" id="{7F2616EE-270D-4F4C-BA1F-2708D387B800}"/>
+              </a:ext>
+            </a:extLst>
+          </p:cNvPr>
+          <p:cNvSpPr>
+            <a:spLocks noGrp="1"/>
+          </p:cNvSpPr>
+          <p:nvPr>
+            <p:ph type="title"/>
+          </p:nvPr>
+        </p:nvSpPr>
+        <p:spPr>
+          <a:xfrm>
+            <a:off x="583099" y="621624"/>
+            <a:ext cx="7213600" cy="1121871"/>
+          </a:xfrm>
+        </p:spPr>
+        <p:txBody>
+          <a:bodyPr rtlCol="0" anchor="ctr">
+            <a:normAutofit/>
+          </a:bodyPr>
+          <a:lstStyle/>
+          <a:p>
+            <a:pPr algn="ctr" rtl="0"/>
+            <a:r>
+              <a:rPr lang="pt-BR" dirty="0">
+                <a:effectLst/>
+                <a:latin typeface="Arial" panose="020B0604020202020204" pitchFamily="34" charset="0"/>
+              </a:rPr>
+              <a:t>Proxy – Quando é usado?</a:t>
+            </a:r>
+            <a:endParaRPr lang="pt-BR" dirty="0"/>
+          </a:p>
+        </p:txBody>
+      </p:sp>
+      <p:graphicFrame>
+        <p:nvGraphicFramePr>
+          <p:cNvPr id="6" name="Espaço Reservado para Conteúdo 5" descr="SmartArt">
+            <a:extLst>
+              <a:ext uri="{FF2B5EF4-FFF2-40B4-BE49-F238E27FC236}">
+                <a16:creationId xmlns:a16="http://schemas.microsoft.com/office/drawing/2014/main" id="{BF629521-FFD2-45DA-9D1D-A5F09BD5A2D9}"/>
+              </a:ext>
+            </a:extLst>
+          </p:cNvPr>
+          <p:cNvGraphicFramePr>
+            <a:graphicFrameLocks noGrp="1"/>
+          </p:cNvGraphicFramePr>
+          <p:nvPr>
+            <p:ph idx="1"/>
+            <p:extLst>
+              <p:ext uri="{D42A27DB-BD31-4B8C-83A1-F6EECF244321}">
+                <p14:modId xmlns:p14="http://schemas.microsoft.com/office/powerpoint/2010/main" val="2246488267"/>
+              </p:ext>
+            </p:extLst>
+          </p:nvPr>
+        </p:nvGraphicFramePr>
+        <p:xfrm>
+          <a:off x="438068" y="1965961"/>
+          <a:ext cx="7503664" cy="4273972"/>
+        </p:xfrm>
+        <a:graphic>
+          <a:graphicData uri="http://schemas.openxmlformats.org/drawingml/2006/diagram">
+            <dgm:relIds xmlns:dgm="http://schemas.openxmlformats.org/drawingml/2006/diagram" xmlns:r="http://schemas.openxmlformats.org/officeDocument/2006/relationships" r:dm="rId4" r:lo="rId5" r:qs="rId6" r:cs="rId7"/>
+          </a:graphicData>
+        </a:graphic>
+      </p:graphicFrame>
+    </p:spTree>
+    <p:extLst>
+      <p:ext uri="{BB962C8B-B14F-4D97-AF65-F5344CB8AC3E}">
+        <p14:creationId xmlns:p14="http://schemas.microsoft.com/office/powerpoint/2010/main" val="150071940"/>
+      </p:ext>
+    </p:extLst>
+  </p:cSld>
+  <p:clrMapOvr>
+    <a:masterClrMapping/>
+  </p:clrMapOvr>
+</p:sld>
+</file>
+
+<file path=ppt/slides/slide6.xml><?xml version="1.0" encoding="utf-8"?>
+<p:sld xmlns:a="http://schemas.openxmlformats.org/drawingml/2006/main" xmlns:r="http://schemas.openxmlformats.org/officeDocument/2006/relationships" xmlns:p="http://schemas.openxmlformats.org/presentationml/2006/main">
+  <p:cSld>
+    <p:bg>
+      <p:bgPr>
+        <a:solidFill>
+          <a:schemeClr val="bg1"/>
+        </a:solidFill>
+        <a:effectLst/>
+      </p:bgPr>
+    </p:bg>
+    <p:spTree>
+      <p:nvGrpSpPr>
+        <p:cNvPr id="1" name=""/>
+        <p:cNvGrpSpPr/>
+        <p:nvPr/>
+      </p:nvGrpSpPr>
+      <p:grpSpPr>
+        <a:xfrm>
+          <a:off x="0" y="0"/>
+          <a:ext cx="0" cy="0"/>
+          <a:chOff x="0" y="0"/>
+          <a:chExt cx="0" cy="0"/>
+        </a:xfrm>
+      </p:grpSpPr>
+      <p:sp useBgFill="1">
+        <p:nvSpPr>
+          <p:cNvPr id="13" name="Retângulo 12">
+            <a:extLst>
+              <a:ext uri="{FF2B5EF4-FFF2-40B4-BE49-F238E27FC236}">
+                <a16:creationId xmlns:a16="http://schemas.microsoft.com/office/drawing/2014/main" id="{4AE9D071-98CF-435C-BD2B-976514544DC5}"/>
+              </a:ext>
+              <a:ext uri="{C183D7F6-B498-43B3-948B-1728B52AA6E4}">
+                <adec:decorative xmlns:adec="http://schemas.microsoft.com/office/drawing/2017/decorative" val="1"/>
+              </a:ext>
+            </a:extLst>
+          </p:cNvPr>
+          <p:cNvSpPr>
+            <a:spLocks noGrp="1" noRot="1" noChangeAspect="1" noMove="1" noResize="1" noEditPoints="1" noAdjustHandles="1" noChangeArrowheads="1" noChangeShapeType="1" noTextEdit="1"/>
+          </p:cNvSpPr>
+          <p:nvPr>
+            <p:extLst>
+              <p:ext uri="{386F3935-93C4-4BCD-93E2-E3B085C9AB24}">
+                <p16:designElem xmlns:p16="http://schemas.microsoft.com/office/powerpoint/2015/main" val="1"/>
+              </p:ext>
+            </p:extLst>
+          </p:nvPr>
+        </p:nvSpPr>
+        <p:spPr>
+          <a:xfrm>
+            <a:off x="0" y="0"/>
+            <a:ext cx="12192000" cy="6858000"/>
+          </a:xfrm>
+          <a:prstGeom prst="rect">
+            <a:avLst/>
+          </a:prstGeom>
+          <a:ln>
+            <a:noFill/>
+          </a:ln>
+        </p:spPr>
+        <p:style>
+          <a:lnRef idx="2">
+            <a:schemeClr val="accent1">
+              <a:shade val="50000"/>
+            </a:schemeClr>
+          </a:lnRef>
+          <a:fillRef idx="1">
+            <a:schemeClr val="accent1"/>
+          </a:fillRef>
+          <a:effectRef idx="0">
+            <a:schemeClr val="accent1"/>
+          </a:effectRef>
+          <a:fontRef idx="minor">
+            <a:schemeClr val="lt1"/>
+          </a:fontRef>
+        </p:style>
+        <p:txBody>
+          <a:bodyPr rtlCol="0" anchor="ctr"/>
+          <a:lstStyle/>
+          <a:p>
+            <a:pPr algn="ctr" rtl="0"/>
+            <a:endParaRPr lang="en-US" dirty="0"/>
+          </a:p>
+        </p:txBody>
+      </p:sp>
+      <p:pic>
+        <p:nvPicPr>
+          <p:cNvPr id="8" name="Espaço Reservado para Conteúdo 4" descr="Números Digitais">
+            <a:extLst>
+              <a:ext uri="{FF2B5EF4-FFF2-40B4-BE49-F238E27FC236}">
+                <a16:creationId xmlns:a16="http://schemas.microsoft.com/office/drawing/2014/main" id="{EA70616B-E344-4856-8DF9-707C26236613}"/>
+              </a:ext>
+            </a:extLst>
+          </p:cNvPr>
+          <p:cNvPicPr>
+            <a:picLocks noChangeAspect="1"/>
+          </p:cNvPicPr>
+          <p:nvPr/>
+        </p:nvPicPr>
+        <p:blipFill rotWithShape="1">
+          <a:blip r:embed="rId3" cstate="screen">
+            <a:extLst>
+              <a:ext uri="{28A0092B-C50C-407E-A947-70E740481C1C}">
+                <a14:useLocalDpi xmlns:a14="http://schemas.microsoft.com/office/drawing/2010/main"/>
+              </a:ext>
+            </a:extLst>
+          </a:blip>
+          <a:srcRect t="10681" r="9091" b="12711"/>
+          <a:stretch/>
+        </p:blipFill>
+        <p:spPr>
+          <a:xfrm>
+            <a:off x="20" y="10"/>
+            <a:ext cx="12191980" cy="6857990"/>
+          </a:xfrm>
+          <a:prstGeom prst="rect">
+            <a:avLst/>
+          </a:prstGeom>
+        </p:spPr>
+      </p:pic>
+      <p:grpSp>
+        <p:nvGrpSpPr>
+          <p:cNvPr id="15" name="Grupo 14">
+            <a:extLst>
+              <a:ext uri="{FF2B5EF4-FFF2-40B4-BE49-F238E27FC236}">
+                <a16:creationId xmlns:a16="http://schemas.microsoft.com/office/drawing/2014/main" id="{D619FC33-16ED-4246-9596-BEFEB55E4CF6}"/>
+              </a:ext>
+              <a:ext uri="{C183D7F6-B498-43B3-948B-1728B52AA6E4}">
+                <adec:decorative xmlns:adec="http://schemas.microsoft.com/office/drawing/2017/decorative" val="1"/>
+              </a:ext>
+            </a:extLst>
+          </p:cNvPr>
+          <p:cNvGrpSpPr>
+            <a:grpSpLocks noGrp="1" noUngrp="1" noRot="1" noChangeAspect="1" noMove="1" noResize="1"/>
+          </p:cNvGrpSpPr>
+          <p:nvPr>
+            <p:extLst>
+              <p:ext uri="{386F3935-93C4-4BCD-93E2-E3B085C9AB24}">
+                <p16:designElem xmlns:p16="http://schemas.microsoft.com/office/powerpoint/2015/main" val="1"/>
+              </p:ext>
+            </p:extLst>
+          </p:nvPr>
+        </p:nvGrpSpPr>
+        <p:grpSpPr>
+          <a:xfrm>
+            <a:off x="438067" y="457200"/>
+            <a:ext cx="7507083" cy="5935132"/>
+            <a:chOff x="438067" y="457200"/>
+            <a:chExt cx="7507083" cy="5935132"/>
+          </a:xfrm>
+        </p:grpSpPr>
+        <p:sp>
+          <p:nvSpPr>
+            <p:cNvPr id="16" name="Retângulo 15">
+              <a:extLst>
+                <a:ext uri="{FF2B5EF4-FFF2-40B4-BE49-F238E27FC236}">
+                  <a16:creationId xmlns:a16="http://schemas.microsoft.com/office/drawing/2014/main" id="{2EEA80E1-F99F-4009-837F-2F72F8A5D580}"/>
+                </a:ext>
+                <a:ext uri="{C183D7F6-B498-43B3-948B-1728B52AA6E4}">
+                  <adec:decorative xmlns:adec="http://schemas.microsoft.com/office/drawing/2017/decorative" val="1"/>
+                </a:ext>
+              </a:extLst>
+            </p:cNvPr>
+            <p:cNvSpPr/>
+            <p:nvPr>
+              <p:extLst>
+                <p:ext uri="{386F3935-93C4-4BCD-93E2-E3B085C9AB24}">
+                  <p16:designElem xmlns:p16="http://schemas.microsoft.com/office/powerpoint/2015/main" val="1"/>
+                </p:ext>
+              </p:extLst>
+            </p:nvPr>
+          </p:nvSpPr>
+          <p:spPr>
+            <a:xfrm>
+              <a:off x="438067" y="618067"/>
+              <a:ext cx="7503665" cy="5774265"/>
+            </a:xfrm>
+            <a:prstGeom prst="rect">
+              <a:avLst/>
+            </a:prstGeom>
+            <a:solidFill>
+              <a:schemeClr val="accent1">
+                <a:alpha val="97000"/>
+              </a:schemeClr>
+            </a:solidFill>
+            <a:ln w="6350" cmpd="sng">
+              <a:noFill/>
+            </a:ln>
+            <a:effectLst/>
+          </p:spPr>
+          <p:style>
+            <a:lnRef idx="1">
+              <a:schemeClr val="accent1"/>
+            </a:lnRef>
+            <a:fillRef idx="3">
+              <a:schemeClr val="accent1"/>
+            </a:fillRef>
+            <a:effectRef idx="2">
+              <a:schemeClr val="accent1"/>
+            </a:effectRef>
+            <a:fontRef idx="minor">
+              <a:schemeClr val="lt1"/>
+            </a:fontRef>
+          </p:style>
+        </p:sp>
+        <p:sp>
+          <p:nvSpPr>
+            <p:cNvPr id="17" name="Retângulo 16">
+              <a:extLst>
+                <a:ext uri="{FF2B5EF4-FFF2-40B4-BE49-F238E27FC236}">
+                  <a16:creationId xmlns:a16="http://schemas.microsoft.com/office/drawing/2014/main" id="{0230AF9A-4641-4BD8-9F95-9607CD304039}"/>
+                </a:ext>
+                <a:ext uri="{C183D7F6-B498-43B3-948B-1728B52AA6E4}">
+                  <adec:decorative xmlns:adec="http://schemas.microsoft.com/office/drawing/2017/decorative" val="1"/>
+                </a:ext>
+              </a:extLst>
+            </p:cNvPr>
+            <p:cNvSpPr/>
+            <p:nvPr>
+              <p:extLst>
+                <p:ext uri="{386F3935-93C4-4BCD-93E2-E3B085C9AB24}">
+                  <p16:designElem xmlns:p16="http://schemas.microsoft.com/office/powerpoint/2015/main" val="1"/>
+                </p:ext>
+              </p:extLst>
+            </p:nvPr>
+          </p:nvSpPr>
+          <p:spPr>
+            <a:xfrm>
+              <a:off x="438068" y="457200"/>
+              <a:ext cx="3703320" cy="94997"/>
+            </a:xfrm>
+            <a:prstGeom prst="rect">
+              <a:avLst/>
+            </a:prstGeom>
+            <a:solidFill>
+              <a:schemeClr val="accent1"/>
+            </a:solidFill>
+            <a:ln>
+              <a:noFill/>
+            </a:ln>
+            <a:effectLst/>
+          </p:spPr>
+          <p:style>
+            <a:lnRef idx="1">
+              <a:schemeClr val="accent1"/>
+            </a:lnRef>
+            <a:fillRef idx="3">
+              <a:schemeClr val="accent1"/>
+            </a:fillRef>
+            <a:effectRef idx="2">
+              <a:schemeClr val="accent1"/>
+            </a:effectRef>
+            <a:fontRef idx="minor">
+              <a:schemeClr val="lt1"/>
+            </a:fontRef>
+          </p:style>
+        </p:sp>
+        <p:sp>
+          <p:nvSpPr>
+            <p:cNvPr id="18" name="Retângulo 17">
+              <a:extLst>
+                <a:ext uri="{FF2B5EF4-FFF2-40B4-BE49-F238E27FC236}">
+                  <a16:creationId xmlns:a16="http://schemas.microsoft.com/office/drawing/2014/main" id="{8703D4EC-9389-41B6-B88B-B6FDC8CD3330}"/>
+                </a:ext>
+                <a:ext uri="{C183D7F6-B498-43B3-948B-1728B52AA6E4}">
+                  <adec:decorative xmlns:adec="http://schemas.microsoft.com/office/drawing/2017/decorative" val="1"/>
+                </a:ext>
+              </a:extLst>
+            </p:cNvPr>
+            <p:cNvSpPr/>
+            <p:nvPr>
+              <p:extLst>
+                <p:ext uri="{386F3935-93C4-4BCD-93E2-E3B085C9AB24}">
+                  <p16:designElem xmlns:p16="http://schemas.microsoft.com/office/powerpoint/2015/main" val="1"/>
+                </p:ext>
+              </p:extLst>
+            </p:nvPr>
+          </p:nvSpPr>
+          <p:spPr>
+            <a:xfrm>
+              <a:off x="4241830" y="457200"/>
+              <a:ext cx="3703320" cy="91440"/>
+            </a:xfrm>
+            <a:prstGeom prst="rect">
+              <a:avLst/>
+            </a:prstGeom>
+            <a:solidFill>
+              <a:schemeClr val="accent2"/>
+            </a:solidFill>
+            <a:ln>
+              <a:noFill/>
+            </a:ln>
+            <a:effectLst/>
+          </p:spPr>
+          <p:style>
+            <a:lnRef idx="1">
+              <a:schemeClr val="accent1"/>
+            </a:lnRef>
+            <a:fillRef idx="3">
+              <a:schemeClr val="accent1"/>
+            </a:fillRef>
+            <a:effectRef idx="2">
+              <a:schemeClr val="accent1"/>
+            </a:effectRef>
+            <a:fontRef idx="minor">
+              <a:schemeClr val="lt1"/>
+            </a:fontRef>
+          </p:style>
+        </p:sp>
+      </p:grpSp>
+      <p:sp>
+        <p:nvSpPr>
+          <p:cNvPr id="2" name="Título 1">
+            <a:extLst>
+              <a:ext uri="{FF2B5EF4-FFF2-40B4-BE49-F238E27FC236}">
+                <a16:creationId xmlns:a16="http://schemas.microsoft.com/office/drawing/2014/main" id="{7F2616EE-270D-4F4C-BA1F-2708D387B800}"/>
+              </a:ext>
+            </a:extLst>
+          </p:cNvPr>
+          <p:cNvSpPr>
+            <a:spLocks noGrp="1"/>
+          </p:cNvSpPr>
+          <p:nvPr>
+            <p:ph type="title"/>
+          </p:nvPr>
+        </p:nvSpPr>
+        <p:spPr>
+          <a:xfrm>
+            <a:off x="583099" y="621624"/>
+            <a:ext cx="7213600" cy="1121871"/>
+          </a:xfrm>
+        </p:spPr>
+        <p:txBody>
+          <a:bodyPr rtlCol="0" anchor="ctr">
+            <a:normAutofit/>
+          </a:bodyPr>
+          <a:lstStyle/>
+          <a:p>
+            <a:pPr algn="ctr" rtl="0"/>
+            <a:r>
               <a:rPr lang="pt-BR" dirty="0">
                 <a:effectLst/>
                 <a:latin typeface="Arial" panose="020B0604020202020204" pitchFamily="34" charset="0"/>
@@ -37871,7 +39326,7 @@
 </p:sld>
 </file>
 
-<file path=ppt/slides/slide5.xml><?xml version="1.0" encoding="utf-8"?>
+<file path=ppt/slides/slide7.xml><?xml version="1.0" encoding="utf-8"?>
 <p:sld xmlns:a="http://schemas.openxmlformats.org/drawingml/2006/main" xmlns:r="http://schemas.openxmlformats.org/officeDocument/2006/relationships" xmlns:p="http://schemas.openxmlformats.org/presentationml/2006/main">
   <p:cSld>
     <p:bg>
@@ -38265,7 +39720,7 @@
 </p:sld>
 </file>
 
-<file path=ppt/slides/slide6.xml><?xml version="1.0" encoding="utf-8"?>
+<file path=ppt/slides/slide8.xml><?xml version="1.0" encoding="utf-8"?>
 <p:sld xmlns:a="http://schemas.openxmlformats.org/drawingml/2006/main" xmlns:r="http://schemas.openxmlformats.org/officeDocument/2006/relationships" xmlns:p="http://schemas.openxmlformats.org/presentationml/2006/main">
   <p:cSld>
     <p:bg>
@@ -38659,7 +40114,7 @@
 </p:sld>
 </file>
 
-<file path=ppt/slides/slide7.xml><?xml version="1.0" encoding="utf-8"?>
+<file path=ppt/slides/slide9.xml><?xml version="1.0" encoding="utf-8"?>
 <p:sld xmlns:a="http://schemas.openxmlformats.org/drawingml/2006/main" xmlns:r="http://schemas.openxmlformats.org/officeDocument/2006/relationships" xmlns:p="http://schemas.openxmlformats.org/presentationml/2006/main">
   <p:cSld>
     <p:bg>
@@ -39044,506 +40499,6 @@
     <p:extLst>
       <p:ext uri="{BB962C8B-B14F-4D97-AF65-F5344CB8AC3E}">
         <p14:creationId xmlns:p14="http://schemas.microsoft.com/office/powerpoint/2010/main" val="2629189579"/>
-      </p:ext>
-    </p:extLst>
-  </p:cSld>
-  <p:clrMapOvr>
-    <a:masterClrMapping/>
-  </p:clrMapOvr>
-</p:sld>
-</file>
-
-<file path=ppt/slides/slide8.xml><?xml version="1.0" encoding="utf-8"?>
-<p:sld xmlns:a="http://schemas.openxmlformats.org/drawingml/2006/main" xmlns:r="http://schemas.openxmlformats.org/officeDocument/2006/relationships" xmlns:p="http://schemas.openxmlformats.org/presentationml/2006/main">
-  <p:cSld>
-    <p:bg>
-      <p:bgPr>
-        <a:solidFill>
-          <a:schemeClr val="bg1"/>
-        </a:solidFill>
-        <a:effectLst/>
-      </p:bgPr>
-    </p:bg>
-    <p:spTree>
-      <p:nvGrpSpPr>
-        <p:cNvPr id="1" name=""/>
-        <p:cNvGrpSpPr/>
-        <p:nvPr/>
-      </p:nvGrpSpPr>
-      <p:grpSpPr>
-        <a:xfrm>
-          <a:off x="0" y="0"/>
-          <a:ext cx="0" cy="0"/>
-          <a:chOff x="0" y="0"/>
-          <a:chExt cx="0" cy="0"/>
-        </a:xfrm>
-      </p:grpSpPr>
-      <p:sp useBgFill="1">
-        <p:nvSpPr>
-          <p:cNvPr id="29" name="Retângulo 28">
-            <a:extLst>
-              <a:ext uri="{FF2B5EF4-FFF2-40B4-BE49-F238E27FC236}">
-                <a16:creationId xmlns:a16="http://schemas.microsoft.com/office/drawing/2014/main" id="{BFDA9692-ECDC-4B59-86B2-8C90FDE1A055}"/>
-              </a:ext>
-              <a:ext uri="{C183D7F6-B498-43B3-948B-1728B52AA6E4}">
-                <adec:decorative xmlns:adec="http://schemas.microsoft.com/office/drawing/2017/decorative" val="1"/>
-              </a:ext>
-            </a:extLst>
-          </p:cNvPr>
-          <p:cNvSpPr>
-            <a:spLocks noGrp="1" noRot="1" noChangeAspect="1" noMove="1" noResize="1" noEditPoints="1" noAdjustHandles="1" noChangeArrowheads="1" noChangeShapeType="1" noTextEdit="1"/>
-          </p:cNvSpPr>
-          <p:nvPr>
-            <p:extLst>
-              <p:ext uri="{386F3935-93C4-4BCD-93E2-E3B085C9AB24}">
-                <p16:designElem xmlns:p16="http://schemas.microsoft.com/office/powerpoint/2015/main" val="1"/>
-              </p:ext>
-            </p:extLst>
-          </p:nvPr>
-        </p:nvSpPr>
-        <p:spPr>
-          <a:xfrm>
-            <a:off x="0" y="536712"/>
-            <a:ext cx="12192000" cy="6321287"/>
-          </a:xfrm>
-          <a:prstGeom prst="rect">
-            <a:avLst/>
-          </a:prstGeom>
-          <a:ln>
-            <a:noFill/>
-          </a:ln>
-        </p:spPr>
-        <p:style>
-          <a:lnRef idx="2">
-            <a:schemeClr val="accent1">
-              <a:shade val="50000"/>
-            </a:schemeClr>
-          </a:lnRef>
-          <a:fillRef idx="1">
-            <a:schemeClr val="accent1"/>
-          </a:fillRef>
-          <a:effectRef idx="0">
-            <a:schemeClr val="accent1"/>
-          </a:effectRef>
-          <a:fontRef idx="minor">
-            <a:schemeClr val="lt1"/>
-          </a:fontRef>
-        </p:style>
-        <p:txBody>
-          <a:bodyPr rtlCol="0" anchor="ctr"/>
-          <a:lstStyle/>
-          <a:p>
-            <a:pPr algn="ctr" rtl="0"/>
-            <a:endParaRPr lang="en-US" dirty="0"/>
-          </a:p>
-        </p:txBody>
-      </p:sp>
-      <p:sp>
-        <p:nvSpPr>
-          <p:cNvPr id="31" name="Retângulo 30">
-            <a:extLst>
-              <a:ext uri="{FF2B5EF4-FFF2-40B4-BE49-F238E27FC236}">
-                <a16:creationId xmlns:a16="http://schemas.microsoft.com/office/drawing/2014/main" id="{12C05506-42A1-49C0-9D87-081CCD9023D6}"/>
-              </a:ext>
-              <a:ext uri="{C183D7F6-B498-43B3-948B-1728B52AA6E4}">
-                <adec:decorative xmlns:adec="http://schemas.microsoft.com/office/drawing/2017/decorative" val="1"/>
-              </a:ext>
-            </a:extLst>
-          </p:cNvPr>
-          <p:cNvSpPr>
-            <a:spLocks noGrp="1" noRot="1" noChangeAspect="1" noMove="1" noResize="1" noEditPoints="1" noAdjustHandles="1" noChangeArrowheads="1" noChangeShapeType="1" noTextEdit="1"/>
-          </p:cNvSpPr>
-          <p:nvPr>
-            <p:extLst>
-              <p:ext uri="{386F3935-93C4-4BCD-93E2-E3B085C9AB24}">
-                <p16:designElem xmlns:p16="http://schemas.microsoft.com/office/powerpoint/2015/main" val="1"/>
-              </p:ext>
-            </p:extLst>
-          </p:nvPr>
-        </p:nvSpPr>
-        <p:spPr>
-          <a:xfrm>
-            <a:off x="447817" y="5141974"/>
-            <a:ext cx="11290860" cy="1258827"/>
-          </a:xfrm>
-          <a:prstGeom prst="rect">
-            <a:avLst/>
-          </a:prstGeom>
-          <a:solidFill>
-            <a:schemeClr val="accent1"/>
-          </a:solidFill>
-          <a:ln>
-            <a:noFill/>
-          </a:ln>
-          <a:effectLst/>
-        </p:spPr>
-        <p:style>
-          <a:lnRef idx="1">
-            <a:schemeClr val="accent1"/>
-          </a:lnRef>
-          <a:fillRef idx="3">
-            <a:schemeClr val="accent1"/>
-          </a:fillRef>
-          <a:effectRef idx="2">
-            <a:schemeClr val="accent1"/>
-          </a:effectRef>
-          <a:fontRef idx="minor">
-            <a:schemeClr val="lt1"/>
-          </a:fontRef>
-        </p:style>
-      </p:sp>
-      <p:sp>
-        <p:nvSpPr>
-          <p:cNvPr id="2" name="Título 1">
-            <a:extLst>
-              <a:ext uri="{FF2B5EF4-FFF2-40B4-BE49-F238E27FC236}">
-                <a16:creationId xmlns:a16="http://schemas.microsoft.com/office/drawing/2014/main" id="{5B040558-A365-4CCE-92FA-5A48CD98F9C9}"/>
-              </a:ext>
-            </a:extLst>
-          </p:cNvPr>
-          <p:cNvSpPr>
-            <a:spLocks noGrp="1"/>
-          </p:cNvSpPr>
-          <p:nvPr>
-            <p:ph type="title"/>
-          </p:nvPr>
-        </p:nvSpPr>
-        <p:spPr>
-          <a:xfrm>
-            <a:off x="581192" y="5264487"/>
-            <a:ext cx="11029616" cy="718870"/>
-          </a:xfrm>
-        </p:spPr>
-        <p:txBody>
-          <a:bodyPr rtlCol="0">
-            <a:normAutofit/>
-          </a:bodyPr>
-          <a:lstStyle/>
-          <a:p>
-            <a:pPr rtl="0"/>
-            <a:r>
-              <a:rPr lang="pt-BR" dirty="0">
-                <a:solidFill>
-                  <a:srgbClr val="FFFEFF"/>
-                </a:solidFill>
-              </a:rPr>
-              <a:t>PROJETO “iniciar </a:t>
-            </a:r>
-            <a:r>
-              <a:rPr lang="pt-BR" dirty="0" err="1">
-                <a:solidFill>
-                  <a:srgbClr val="FFFEFF"/>
-                </a:solidFill>
-              </a:rPr>
-              <a:t>cpu</a:t>
-            </a:r>
-            <a:r>
-              <a:rPr lang="pt-BR" dirty="0">
-                <a:solidFill>
-                  <a:srgbClr val="FFFEFF"/>
-                </a:solidFill>
-              </a:rPr>
-              <a:t>” – diagrama de classe sem </a:t>
-            </a:r>
-            <a:r>
-              <a:rPr lang="pt-BR" dirty="0" err="1">
-                <a:solidFill>
-                  <a:srgbClr val="FFFEFF"/>
-                </a:solidFill>
-              </a:rPr>
-              <a:t>façade</a:t>
-            </a:r>
-            <a:endParaRPr lang="pt-BR" dirty="0">
-              <a:solidFill>
-                <a:srgbClr val="FFFEFF"/>
-              </a:solidFill>
-            </a:endParaRPr>
-          </a:p>
-        </p:txBody>
-      </p:sp>
-      <p:pic>
-        <p:nvPicPr>
-          <p:cNvPr id="5" name="Espaço Reservado para Conteúdo 4" descr="Tela de computador com texto preto sobre fundo branco">
-            <a:extLst>
-              <a:ext uri="{FF2B5EF4-FFF2-40B4-BE49-F238E27FC236}">
-                <a16:creationId xmlns:a16="http://schemas.microsoft.com/office/drawing/2014/main" id="{244738B4-CDB7-521F-5166-203C07473EE5}"/>
-              </a:ext>
-            </a:extLst>
-          </p:cNvPr>
-          <p:cNvPicPr>
-            <a:picLocks noGrp="1" noChangeAspect="1"/>
-          </p:cNvPicPr>
-          <p:nvPr>
-            <p:ph idx="1"/>
-          </p:nvPr>
-        </p:nvPicPr>
-        <p:blipFill>
-          <a:blip r:embed="rId3"/>
-          <a:stretch>
-            <a:fillRect/>
-          </a:stretch>
-        </p:blipFill>
-        <p:spPr>
-          <a:xfrm>
-            <a:off x="447817" y="536712"/>
-            <a:ext cx="11290859" cy="4605261"/>
-          </a:xfrm>
-        </p:spPr>
-      </p:pic>
-    </p:spTree>
-    <p:extLst>
-      <p:ext uri="{BB962C8B-B14F-4D97-AF65-F5344CB8AC3E}">
-        <p14:creationId xmlns:p14="http://schemas.microsoft.com/office/powerpoint/2010/main" val="177369358"/>
-      </p:ext>
-    </p:extLst>
-  </p:cSld>
-  <p:clrMapOvr>
-    <a:masterClrMapping/>
-  </p:clrMapOvr>
-</p:sld>
-</file>
-
-<file path=ppt/slides/slide9.xml><?xml version="1.0" encoding="utf-8"?>
-<p:sld xmlns:a="http://schemas.openxmlformats.org/drawingml/2006/main" xmlns:r="http://schemas.openxmlformats.org/officeDocument/2006/relationships" xmlns:p="http://schemas.openxmlformats.org/presentationml/2006/main">
-  <p:cSld>
-    <p:bg>
-      <p:bgPr>
-        <a:solidFill>
-          <a:schemeClr val="bg1"/>
-        </a:solidFill>
-        <a:effectLst/>
-      </p:bgPr>
-    </p:bg>
-    <p:spTree>
-      <p:nvGrpSpPr>
-        <p:cNvPr id="1" name=""/>
-        <p:cNvGrpSpPr/>
-        <p:nvPr/>
-      </p:nvGrpSpPr>
-      <p:grpSpPr>
-        <a:xfrm>
-          <a:off x="0" y="0"/>
-          <a:ext cx="0" cy="0"/>
-          <a:chOff x="0" y="0"/>
-          <a:chExt cx="0" cy="0"/>
-        </a:xfrm>
-      </p:grpSpPr>
-      <p:sp useBgFill="1">
-        <p:nvSpPr>
-          <p:cNvPr id="29" name="Retângulo 28">
-            <a:extLst>
-              <a:ext uri="{FF2B5EF4-FFF2-40B4-BE49-F238E27FC236}">
-                <a16:creationId xmlns:a16="http://schemas.microsoft.com/office/drawing/2014/main" id="{BFDA9692-ECDC-4B59-86B2-8C90FDE1A055}"/>
-              </a:ext>
-              <a:ext uri="{C183D7F6-B498-43B3-948B-1728B52AA6E4}">
-                <adec:decorative xmlns:adec="http://schemas.microsoft.com/office/drawing/2017/decorative" val="1"/>
-              </a:ext>
-            </a:extLst>
-          </p:cNvPr>
-          <p:cNvSpPr>
-            <a:spLocks noGrp="1" noRot="1" noChangeAspect="1" noMove="1" noResize="1" noEditPoints="1" noAdjustHandles="1" noChangeArrowheads="1" noChangeShapeType="1" noTextEdit="1"/>
-          </p:cNvSpPr>
-          <p:nvPr>
-            <p:extLst>
-              <p:ext uri="{386F3935-93C4-4BCD-93E2-E3B085C9AB24}">
-                <p16:designElem xmlns:p16="http://schemas.microsoft.com/office/powerpoint/2015/main" val="1"/>
-              </p:ext>
-            </p:extLst>
-          </p:nvPr>
-        </p:nvSpPr>
-        <p:spPr>
-          <a:xfrm>
-            <a:off x="0" y="536712"/>
-            <a:ext cx="12192000" cy="6321287"/>
-          </a:xfrm>
-          <a:prstGeom prst="rect">
-            <a:avLst/>
-          </a:prstGeom>
-          <a:ln>
-            <a:noFill/>
-          </a:ln>
-        </p:spPr>
-        <p:style>
-          <a:lnRef idx="2">
-            <a:schemeClr val="accent1">
-              <a:shade val="50000"/>
-            </a:schemeClr>
-          </a:lnRef>
-          <a:fillRef idx="1">
-            <a:schemeClr val="accent1"/>
-          </a:fillRef>
-          <a:effectRef idx="0">
-            <a:schemeClr val="accent1"/>
-          </a:effectRef>
-          <a:fontRef idx="minor">
-            <a:schemeClr val="lt1"/>
-          </a:fontRef>
-        </p:style>
-        <p:txBody>
-          <a:bodyPr rtlCol="0" anchor="ctr"/>
-          <a:lstStyle/>
-          <a:p>
-            <a:pPr algn="ctr" rtl="0"/>
-            <a:endParaRPr lang="en-US" dirty="0"/>
-          </a:p>
-        </p:txBody>
-      </p:sp>
-      <p:sp>
-        <p:nvSpPr>
-          <p:cNvPr id="31" name="Retângulo 30">
-            <a:extLst>
-              <a:ext uri="{FF2B5EF4-FFF2-40B4-BE49-F238E27FC236}">
-                <a16:creationId xmlns:a16="http://schemas.microsoft.com/office/drawing/2014/main" id="{12C05506-42A1-49C0-9D87-081CCD9023D6}"/>
-              </a:ext>
-              <a:ext uri="{C183D7F6-B498-43B3-948B-1728B52AA6E4}">
-                <adec:decorative xmlns:adec="http://schemas.microsoft.com/office/drawing/2017/decorative" val="1"/>
-              </a:ext>
-            </a:extLst>
-          </p:cNvPr>
-          <p:cNvSpPr>
-            <a:spLocks noGrp="1" noRot="1" noChangeAspect="1" noMove="1" noResize="1" noEditPoints="1" noAdjustHandles="1" noChangeArrowheads="1" noChangeShapeType="1" noTextEdit="1"/>
-          </p:cNvSpPr>
-          <p:nvPr>
-            <p:extLst>
-              <p:ext uri="{386F3935-93C4-4BCD-93E2-E3B085C9AB24}">
-                <p16:designElem xmlns:p16="http://schemas.microsoft.com/office/powerpoint/2015/main" val="1"/>
-              </p:ext>
-            </p:extLst>
-          </p:nvPr>
-        </p:nvSpPr>
-        <p:spPr>
-          <a:xfrm>
-            <a:off x="447817" y="5141974"/>
-            <a:ext cx="11290860" cy="1258827"/>
-          </a:xfrm>
-          <a:prstGeom prst="rect">
-            <a:avLst/>
-          </a:prstGeom>
-          <a:solidFill>
-            <a:schemeClr val="accent1"/>
-          </a:solidFill>
-          <a:ln>
-            <a:noFill/>
-          </a:ln>
-          <a:effectLst/>
-        </p:spPr>
-        <p:style>
-          <a:lnRef idx="1">
-            <a:schemeClr val="accent1"/>
-          </a:lnRef>
-          <a:fillRef idx="3">
-            <a:schemeClr val="accent1"/>
-          </a:fillRef>
-          <a:effectRef idx="2">
-            <a:schemeClr val="accent1"/>
-          </a:effectRef>
-          <a:fontRef idx="minor">
-            <a:schemeClr val="lt1"/>
-          </a:fontRef>
-        </p:style>
-      </p:sp>
-      <p:sp>
-        <p:nvSpPr>
-          <p:cNvPr id="2" name="Título 1">
-            <a:extLst>
-              <a:ext uri="{FF2B5EF4-FFF2-40B4-BE49-F238E27FC236}">
-                <a16:creationId xmlns:a16="http://schemas.microsoft.com/office/drawing/2014/main" id="{5B040558-A365-4CCE-92FA-5A48CD98F9C9}"/>
-              </a:ext>
-            </a:extLst>
-          </p:cNvPr>
-          <p:cNvSpPr>
-            <a:spLocks noGrp="1"/>
-          </p:cNvSpPr>
-          <p:nvPr>
-            <p:ph type="title"/>
-          </p:nvPr>
-        </p:nvSpPr>
-        <p:spPr>
-          <a:xfrm>
-            <a:off x="581192" y="5264487"/>
-            <a:ext cx="11029616" cy="718870"/>
-          </a:xfrm>
-        </p:spPr>
-        <p:txBody>
-          <a:bodyPr rtlCol="0">
-            <a:normAutofit/>
-          </a:bodyPr>
-          <a:lstStyle/>
-          <a:p>
-            <a:pPr rtl="0"/>
-            <a:r>
-              <a:rPr lang="pt-BR" dirty="0">
-                <a:solidFill>
-                  <a:srgbClr val="FFFEFF"/>
-                </a:solidFill>
-              </a:rPr>
-              <a:t>PROJETO “iniciar </a:t>
-            </a:r>
-            <a:r>
-              <a:rPr lang="pt-BR" dirty="0" err="1">
-                <a:solidFill>
-                  <a:srgbClr val="FFFEFF"/>
-                </a:solidFill>
-              </a:rPr>
-              <a:t>cpu</a:t>
-            </a:r>
-            <a:r>
-              <a:rPr lang="pt-BR" dirty="0">
-                <a:solidFill>
-                  <a:srgbClr val="FFFEFF"/>
-                </a:solidFill>
-              </a:rPr>
-              <a:t>” – diagrama de classe com </a:t>
-            </a:r>
-            <a:r>
-              <a:rPr lang="pt-BR" dirty="0" err="1">
-                <a:solidFill>
-                  <a:srgbClr val="FFFEFF"/>
-                </a:solidFill>
-              </a:rPr>
-              <a:t>façade</a:t>
-            </a:r>
-            <a:endParaRPr lang="pt-BR" dirty="0">
-              <a:solidFill>
-                <a:srgbClr val="FFFEFF"/>
-              </a:solidFill>
-            </a:endParaRPr>
-          </a:p>
-        </p:txBody>
-      </p:sp>
-      <p:pic>
-        <p:nvPicPr>
-          <p:cNvPr id="7" name="Espaço Reservado para Conteúdo 6" descr="projeto em java com padrão de projeto façade">
-            <a:extLst>
-              <a:ext uri="{FF2B5EF4-FFF2-40B4-BE49-F238E27FC236}">
-                <a16:creationId xmlns:a16="http://schemas.microsoft.com/office/drawing/2014/main" id="{D1DA1BF3-1AE3-1EFE-F566-456BB2D527B4}"/>
-              </a:ext>
-            </a:extLst>
-          </p:cNvPr>
-          <p:cNvPicPr>
-            <a:picLocks noGrp="1" noChangeAspect="1"/>
-          </p:cNvPicPr>
-          <p:nvPr>
-            <p:ph idx="1"/>
-          </p:nvPr>
-        </p:nvPicPr>
-        <p:blipFill>
-          <a:blip r:embed="rId3"/>
-          <a:stretch>
-            <a:fillRect/>
-          </a:stretch>
-        </p:blipFill>
-        <p:spPr>
-          <a:xfrm>
-            <a:off x="447817" y="536713"/>
-            <a:ext cx="11290860" cy="4605262"/>
-          </a:xfrm>
-        </p:spPr>
-      </p:pic>
-    </p:spTree>
-    <p:extLst>
-      <p:ext uri="{BB962C8B-B14F-4D97-AF65-F5344CB8AC3E}">
-        <p14:creationId xmlns:p14="http://schemas.microsoft.com/office/powerpoint/2010/main" val="3596496641"/>
       </p:ext>
     </p:extLst>
   </p:cSld>

--- a/PADRAO DE PROJETO_TDE.pptx
+++ b/PADRAO DE PROJETO_TDE.pptx
@@ -23582,7 +23582,7 @@
             <a:pPr rtl="0"/>
             <a:fld id="{A517C7B7-34F5-4531-9889-28687F60FAC8}" type="datetime1">
               <a:rPr lang="pt-BR" smtClean="0"/>
-              <a:t>23/04/2023</a:t>
+              <a:t>25/04/2023</a:t>
             </a:fld>
             <a:endParaRPr lang="pt-BR" dirty="0"/>
           </a:p>
@@ -23763,7 +23763,7 @@
             <a:fld id="{40C3EC75-555C-481D-9088-738CE6DDFC83}" type="datetime1">
               <a:rPr lang="pt-BR" smtClean="0"/>
               <a:pPr/>
-              <a:t>23/04/2023</a:t>
+              <a:t>25/04/2023</a:t>
             </a:fld>
             <a:endParaRPr lang="pt-BR" dirty="0"/>
           </a:p>
@@ -24186,7 +24186,7 @@
             <a:pPr rtl="0"/>
             <a:fld id="{C6B3AB32-59DF-41F1-9618-EDFBF5049629}" type="slidenum">
               <a:rPr lang="pt-BR" smtClean="0"/>
-              <a:t>9</a:t>
+              <a:t>10</a:t>
             </a:fld>
             <a:endParaRPr lang="pt-BR"/>
           </a:p>
@@ -24272,7 +24272,7 @@
             <a:pPr rtl="0"/>
             <a:fld id="{C6B3AB32-59DF-41F1-9618-EDFBF5049629}" type="slidenum">
               <a:rPr lang="pt-BR" smtClean="0"/>
-              <a:t>10</a:t>
+              <a:t>11</a:t>
             </a:fld>
             <a:endParaRPr lang="pt-BR"/>
           </a:p>
@@ -24358,7 +24358,7 @@
             <a:pPr rtl="0"/>
             <a:fld id="{C6B3AB32-59DF-41F1-9618-EDFBF5049629}" type="slidenum">
               <a:rPr lang="pt-BR" smtClean="0"/>
-              <a:t>11</a:t>
+              <a:t>12</a:t>
             </a:fld>
             <a:endParaRPr lang="pt-BR"/>
           </a:p>
@@ -24444,7 +24444,7 @@
             <a:pPr rtl="0"/>
             <a:fld id="{C6B3AB32-59DF-41F1-9618-EDFBF5049629}" type="slidenum">
               <a:rPr lang="pt-BR" smtClean="0"/>
-              <a:t>12</a:t>
+              <a:t>13</a:t>
             </a:fld>
             <a:endParaRPr lang="pt-BR"/>
           </a:p>
@@ -24530,7 +24530,7 @@
             <a:pPr rtl="0"/>
             <a:fld id="{C6B3AB32-59DF-41F1-9618-EDFBF5049629}" type="slidenum">
               <a:rPr lang="pt-BR" smtClean="0"/>
-              <a:t>13</a:t>
+              <a:t>14</a:t>
             </a:fld>
             <a:endParaRPr lang="pt-BR"/>
           </a:p>
@@ -24616,7 +24616,7 @@
             <a:pPr rtl="0"/>
             <a:fld id="{C6B3AB32-59DF-41F1-9618-EDFBF5049629}" type="slidenum">
               <a:rPr lang="pt-BR" smtClean="0"/>
-              <a:t>14</a:t>
+              <a:t>15</a:t>
             </a:fld>
             <a:endParaRPr lang="pt-BR"/>
           </a:p>
@@ -24702,7 +24702,7 @@
             <a:pPr rtl="0"/>
             <a:fld id="{C6B3AB32-59DF-41F1-9618-EDFBF5049629}" type="slidenum">
               <a:rPr lang="pt-BR" smtClean="0"/>
-              <a:t>15</a:t>
+              <a:t>16</a:t>
             </a:fld>
             <a:endParaRPr lang="pt-BR"/>
           </a:p>
@@ -24788,7 +24788,7 @@
             <a:pPr rtl="0"/>
             <a:fld id="{C6B3AB32-59DF-41F1-9618-EDFBF5049629}" type="slidenum">
               <a:rPr lang="pt-BR" smtClean="0"/>
-              <a:t>16</a:t>
+              <a:t>17</a:t>
             </a:fld>
             <a:endParaRPr lang="pt-BR"/>
           </a:p>
@@ -24874,7 +24874,7 @@
             <a:pPr rtl="0"/>
             <a:fld id="{C6B3AB32-59DF-41F1-9618-EDFBF5049629}" type="slidenum">
               <a:rPr lang="pt-BR" smtClean="0"/>
-              <a:t>17</a:t>
+              <a:t>18</a:t>
             </a:fld>
             <a:endParaRPr lang="pt-BR"/>
           </a:p>
@@ -24960,7 +24960,7 @@
             <a:pPr rtl="0"/>
             <a:fld id="{C6B3AB32-59DF-41F1-9618-EDFBF5049629}" type="slidenum">
               <a:rPr lang="pt-BR" smtClean="0"/>
-              <a:t>18</a:t>
+              <a:t>19</a:t>
             </a:fld>
             <a:endParaRPr lang="pt-BR"/>
           </a:p>
@@ -25132,7 +25132,7 @@
             <a:pPr rtl="0"/>
             <a:fld id="{C6B3AB32-59DF-41F1-9618-EDFBF5049629}" type="slidenum">
               <a:rPr lang="pt-BR" smtClean="0"/>
-              <a:t>19</a:t>
+              <a:t>20</a:t>
             </a:fld>
             <a:endParaRPr lang="pt-BR"/>
           </a:p>
@@ -25218,7 +25218,7 @@
             <a:pPr rtl="0"/>
             <a:fld id="{C6B3AB32-59DF-41F1-9618-EDFBF5049629}" type="slidenum">
               <a:rPr lang="pt-BR" smtClean="0"/>
-              <a:t>20</a:t>
+              <a:t>21</a:t>
             </a:fld>
             <a:endParaRPr lang="pt-BR"/>
           </a:p>
@@ -25304,7 +25304,7 @@
             <a:pPr rtl="0"/>
             <a:fld id="{C6B3AB32-59DF-41F1-9618-EDFBF5049629}" type="slidenum">
               <a:rPr lang="pt-BR" smtClean="0"/>
-              <a:t>33</a:t>
+              <a:t>34</a:t>
             </a:fld>
             <a:endParaRPr lang="pt-BR"/>
           </a:p>
@@ -25390,7 +25390,7 @@
             <a:pPr rtl="0"/>
             <a:fld id="{C6B3AB32-59DF-41F1-9618-EDFBF5049629}" type="slidenum">
               <a:rPr lang="pt-BR" smtClean="0"/>
-              <a:t>34</a:t>
+              <a:t>35</a:t>
             </a:fld>
             <a:endParaRPr lang="pt-BR"/>
           </a:p>
@@ -25562,7 +25562,7 @@
             <a:pPr rtl="0"/>
             <a:fld id="{C6B3AB32-59DF-41F1-9618-EDFBF5049629}" type="slidenum">
               <a:rPr lang="pt-BR" smtClean="0"/>
-              <a:t>3</a:t>
+              <a:t>4</a:t>
             </a:fld>
             <a:endParaRPr lang="pt-BR"/>
           </a:p>
@@ -25648,7 +25648,7 @@
             <a:pPr rtl="0"/>
             <a:fld id="{C6B3AB32-59DF-41F1-9618-EDFBF5049629}" type="slidenum">
               <a:rPr lang="pt-BR" smtClean="0"/>
-              <a:t>4</a:t>
+              <a:t>5</a:t>
             </a:fld>
             <a:endParaRPr lang="pt-BR"/>
           </a:p>
@@ -25734,7 +25734,7 @@
             <a:pPr rtl="0"/>
             <a:fld id="{C6B3AB32-59DF-41F1-9618-EDFBF5049629}" type="slidenum">
               <a:rPr lang="pt-BR" smtClean="0"/>
-              <a:t>5</a:t>
+              <a:t>6</a:t>
             </a:fld>
             <a:endParaRPr lang="pt-BR"/>
           </a:p>
@@ -25820,7 +25820,7 @@
             <a:pPr rtl="0"/>
             <a:fld id="{C6B3AB32-59DF-41F1-9618-EDFBF5049629}" type="slidenum">
               <a:rPr lang="pt-BR" smtClean="0"/>
-              <a:t>6</a:t>
+              <a:t>7</a:t>
             </a:fld>
             <a:endParaRPr lang="pt-BR"/>
           </a:p>
@@ -25906,7 +25906,7 @@
             <a:pPr rtl="0"/>
             <a:fld id="{C6B3AB32-59DF-41F1-9618-EDFBF5049629}" type="slidenum">
               <a:rPr lang="pt-BR" smtClean="0"/>
-              <a:t>7</a:t>
+              <a:t>8</a:t>
             </a:fld>
             <a:endParaRPr lang="pt-BR"/>
           </a:p>
@@ -25992,7 +25992,7 @@
             <a:pPr rtl="0"/>
             <a:fld id="{C6B3AB32-59DF-41F1-9618-EDFBF5049629}" type="slidenum">
               <a:rPr lang="pt-BR" smtClean="0"/>
-              <a:t>8</a:t>
+              <a:t>9</a:t>
             </a:fld>
             <a:endParaRPr lang="pt-BR"/>
           </a:p>
@@ -26257,7 +26257,7 @@
             <a:pPr rtl="0"/>
             <a:fld id="{2AF5B136-74F1-42D3-987D-A097EEF8F2FE}" type="datetime1">
               <a:rPr lang="pt-BR" noProof="0" smtClean="0"/>
-              <a:t>23/04/2023</a:t>
+              <a:t>25/04/2023</a:t>
             </a:fld>
             <a:endParaRPr lang="pt-BR" noProof="0"/>
           </a:p>
@@ -26522,7 +26522,7 @@
             <a:pPr rtl="0"/>
             <a:fld id="{0229B074-15EB-43FB-8347-3A734D799093}" type="datetime1">
               <a:rPr lang="pt-BR" noProof="0" smtClean="0"/>
-              <a:t>23/04/2023</a:t>
+              <a:t>25/04/2023</a:t>
             </a:fld>
             <a:endParaRPr lang="pt-BR" noProof="0"/>
           </a:p>
@@ -26760,7 +26760,7 @@
             <a:pPr rtl="0"/>
             <a:fld id="{036303E3-8DE9-4C2D-91EE-6F377AE582A8}" type="datetime1">
               <a:rPr lang="pt-BR" noProof="0" smtClean="0"/>
-              <a:t>23/04/2023</a:t>
+              <a:t>25/04/2023</a:t>
             </a:fld>
             <a:endParaRPr lang="pt-BR" noProof="0"/>
           </a:p>
@@ -27003,7 +27003,7 @@
             <a:pPr rtl="0"/>
             <a:fld id="{B04AF3F4-81C7-4F15-8991-6D0E8D06651A}" type="datetime1">
               <a:rPr lang="pt-BR" noProof="0" smtClean="0"/>
-              <a:t>23/04/2023</a:t>
+              <a:t>25/04/2023</a:t>
             </a:fld>
             <a:endParaRPr lang="pt-BR" noProof="0"/>
           </a:p>
@@ -27314,7 +27314,7 @@
             <a:pPr rtl="0"/>
             <a:fld id="{6E2946E4-8964-43BF-B1D5-4261B83248E5}" type="datetime1">
               <a:rPr lang="pt-BR" noProof="0" smtClean="0"/>
-              <a:t>23/04/2023</a:t>
+              <a:t>25/04/2023</a:t>
             </a:fld>
             <a:endParaRPr lang="pt-BR" noProof="0"/>
           </a:p>
@@ -27618,7 +27618,7 @@
             <a:pPr rtl="0"/>
             <a:fld id="{97C9F420-083C-437A-9265-7F13EB97C6A2}" type="datetime1">
               <a:rPr lang="pt-BR" noProof="0" smtClean="0"/>
-              <a:t>23/04/2023</a:t>
+              <a:t>25/04/2023</a:t>
             </a:fld>
             <a:endParaRPr lang="pt-BR" noProof="0"/>
           </a:p>
@@ -28042,7 +28042,7 @@
             <a:pPr rtl="0"/>
             <a:fld id="{BE07AF20-ED70-4B21-B799-75BB5818AB43}" type="datetime1">
               <a:rPr lang="pt-BR" noProof="0" smtClean="0"/>
-              <a:t>23/04/2023</a:t>
+              <a:t>25/04/2023</a:t>
             </a:fld>
             <a:endParaRPr lang="pt-BR" noProof="0"/>
           </a:p>
@@ -28141,7 +28141,7 @@
             <a:pPr rtl="0"/>
             <a:fld id="{0D33D876-8C34-42FC-BFF7-457557B97BB7}" type="datetime1">
               <a:rPr lang="pt-BR" noProof="0" smtClean="0"/>
-              <a:t>23/04/2023</a:t>
+              <a:t>25/04/2023</a:t>
             </a:fld>
             <a:endParaRPr lang="pt-BR" noProof="0"/>
           </a:p>
@@ -28307,7 +28307,7 @@
             <a:pPr rtl="0"/>
             <a:fld id="{4592437E-206F-4A1C-947F-806A50A40B88}" type="datetime1">
               <a:rPr lang="pt-BR" noProof="0" smtClean="0"/>
-              <a:t>23/04/2023</a:t>
+              <a:t>25/04/2023</a:t>
             </a:fld>
             <a:endParaRPr lang="pt-BR" noProof="0"/>
           </a:p>
@@ -28688,7 +28688,7 @@
             <a:pPr rtl="0"/>
             <a:fld id="{B036DDBC-F1EF-4D09-A533-5995BC167053}" type="datetime1">
               <a:rPr lang="pt-BR" noProof="0" smtClean="0"/>
-              <a:t>23/04/2023</a:t>
+              <a:t>25/04/2023</a:t>
             </a:fld>
             <a:endParaRPr lang="pt-BR" noProof="0"/>
           </a:p>
@@ -28981,7 +28981,7 @@
             <a:pPr rtl="0"/>
             <a:fld id="{DFFDDC01-A1CF-4C3A-BE96-FBC60101324D}" type="datetime1">
               <a:rPr lang="pt-BR" noProof="0" smtClean="0"/>
-              <a:t>23/04/2023</a:t>
+              <a:t>25/04/2023</a:t>
             </a:fld>
             <a:endParaRPr lang="pt-BR" noProof="0"/>
           </a:p>
@@ -29195,7 +29195,7 @@
             <a:pPr rtl="0"/>
             <a:fld id="{52266794-2CD5-4ED3-94F8-8B8DC65FDDE3}" type="datetime1">
               <a:rPr lang="pt-BR" noProof="0" smtClean="0"/>
-              <a:t>23/04/2023</a:t>
+              <a:t>25/04/2023</a:t>
             </a:fld>
             <a:endParaRPr lang="pt-BR" noProof="0"/>
           </a:p>
@@ -30136,7 +30136,7 @@
       </p:sp>
       <p:pic>
         <p:nvPicPr>
-          <p:cNvPr id="5" name="Espaço Reservado para Conteúdo 4" descr="Tela de computador com texto preto sobre fundo branco">
+          <p:cNvPr id="5" name="Espaço Reservado para Conteúdo 4">
             <a:extLst>
               <a:ext uri="{FF2B5EF4-FFF2-40B4-BE49-F238E27FC236}">
                 <a16:creationId xmlns:a16="http://schemas.microsoft.com/office/drawing/2014/main" id="{244738B4-CDB7-521F-5166-203C07473EE5}"/>
@@ -30152,9 +30152,8 @@
         </p:nvPicPr>
         <p:blipFill>
           <a:blip r:embed="rId3"/>
-          <a:stretch>
-            <a:fillRect/>
-          </a:stretch>
+          <a:srcRect/>
+          <a:stretch/>
         </p:blipFill>
         <p:spPr>
           <a:xfrm>
@@ -30386,7 +30385,7 @@
       </p:sp>
       <p:pic>
         <p:nvPicPr>
-          <p:cNvPr id="7" name="Espaço Reservado para Conteúdo 6" descr="projeto em java com padrão de projeto façade">
+          <p:cNvPr id="7" name="Espaço Reservado para Conteúdo 6">
             <a:extLst>
               <a:ext uri="{FF2B5EF4-FFF2-40B4-BE49-F238E27FC236}">
                 <a16:creationId xmlns:a16="http://schemas.microsoft.com/office/drawing/2014/main" id="{D1DA1BF3-1AE3-1EFE-F566-456BB2D527B4}"/>
@@ -30402,9 +30401,8 @@
         </p:nvPicPr>
         <p:blipFill>
           <a:blip r:embed="rId3"/>
-          <a:stretch>
-            <a:fillRect/>
-          </a:stretch>
+          <a:srcRect/>
+          <a:stretch/>
         </p:blipFill>
         <p:spPr>
           <a:xfrm>
@@ -32967,6 +32965,36 @@
           </a:p>
         </p:txBody>
       </p:sp>
+      <p:pic>
+        <p:nvPicPr>
+          <p:cNvPr id="3" name="Imagem 2">
+            <a:extLst>
+              <a:ext uri="{FF2B5EF4-FFF2-40B4-BE49-F238E27FC236}">
+                <a16:creationId xmlns:a16="http://schemas.microsoft.com/office/drawing/2014/main" id="{AEF62F4A-4CD9-48FE-BCD1-00AD3832D8F2}"/>
+              </a:ext>
+            </a:extLst>
+          </p:cNvPr>
+          <p:cNvPicPr>
+            <a:picLocks noChangeAspect="1"/>
+          </p:cNvPicPr>
+          <p:nvPr/>
+        </p:nvPicPr>
+        <p:blipFill>
+          <a:blip r:embed="rId5"/>
+          <a:stretch>
+            <a:fillRect/>
+          </a:stretch>
+        </p:blipFill>
+        <p:spPr>
+          <a:xfrm>
+            <a:off x="6256287" y="4147481"/>
+            <a:ext cx="2900752" cy="667799"/>
+          </a:xfrm>
+          <a:prstGeom prst="rect">
+            <a:avLst/>
+          </a:prstGeom>
+        </p:spPr>
+      </p:pic>
     </p:spTree>
     <p:extLst>
       <p:ext uri="{BB962C8B-B14F-4D97-AF65-F5344CB8AC3E}">
@@ -33597,7 +33625,7 @@
       </p:sp>
       <p:pic>
         <p:nvPicPr>
-          <p:cNvPr id="5" name="Imagem 4" descr="Diagrama&#10;&#10;Descrição gerada automaticamente">
+          <p:cNvPr id="5" name="Imagem 4">
             <a:extLst>
               <a:ext uri="{FF2B5EF4-FFF2-40B4-BE49-F238E27FC236}">
                 <a16:creationId xmlns:a16="http://schemas.microsoft.com/office/drawing/2014/main" id="{37FDA165-FAD8-2D0C-D087-F761B98C9ADD}"/>
@@ -33611,14 +33639,13 @@
         </p:nvPicPr>
         <p:blipFill>
           <a:blip r:embed="rId2"/>
-          <a:stretch>
-            <a:fillRect/>
-          </a:stretch>
+          <a:srcRect/>
+          <a:stretch/>
         </p:blipFill>
         <p:spPr>
           <a:xfrm>
-            <a:off x="3723736" y="1841806"/>
-            <a:ext cx="4744528" cy="5016194"/>
+            <a:off x="3543300" y="1965444"/>
+            <a:ext cx="6534149" cy="4789833"/>
           </a:xfrm>
           <a:prstGeom prst="rect">
             <a:avLst/>
@@ -33693,7 +33720,7 @@
       </p:sp>
       <p:pic>
         <p:nvPicPr>
-          <p:cNvPr id="4" name="Imagem 3" descr="Diagrama&#10;&#10;Descrição gerada automaticamente">
+          <p:cNvPr id="4" name="Imagem 3">
             <a:extLst>
               <a:ext uri="{FF2B5EF4-FFF2-40B4-BE49-F238E27FC236}">
                 <a16:creationId xmlns:a16="http://schemas.microsoft.com/office/drawing/2014/main" id="{85C0C7EA-CF4F-93BC-1B58-DB06E0D2B046}"/>
@@ -33707,14 +33734,13 @@
         </p:nvPicPr>
         <p:blipFill>
           <a:blip r:embed="rId2"/>
-          <a:stretch>
-            <a:fillRect/>
-          </a:stretch>
+          <a:srcRect/>
+          <a:stretch/>
         </p:blipFill>
         <p:spPr>
           <a:xfrm>
-            <a:off x="1671020" y="1846053"/>
-            <a:ext cx="8849960" cy="5011947"/>
+            <a:off x="2325379" y="1846053"/>
+            <a:ext cx="7731741" cy="5011947"/>
           </a:xfrm>
           <a:prstGeom prst="rect">
             <a:avLst/>
@@ -36207,6 +36233,126 @@
           </a:prstGeom>
         </p:spPr>
       </p:pic>
+      <p:pic>
+        <p:nvPicPr>
+          <p:cNvPr id="2" name="Imagem 1">
+            <a:extLst>
+              <a:ext uri="{FF2B5EF4-FFF2-40B4-BE49-F238E27FC236}">
+                <a16:creationId xmlns:a16="http://schemas.microsoft.com/office/drawing/2014/main" id="{3D3E07D2-E9DE-4105-A191-0EE3A15E0CAC}"/>
+              </a:ext>
+            </a:extLst>
+          </p:cNvPr>
+          <p:cNvPicPr>
+            <a:picLocks noChangeAspect="1"/>
+          </p:cNvPicPr>
+          <p:nvPr/>
+        </p:nvPicPr>
+        <p:blipFill>
+          <a:blip r:embed="rId5"/>
+          <a:stretch>
+            <a:fillRect/>
+          </a:stretch>
+        </p:blipFill>
+        <p:spPr>
+          <a:xfrm>
+            <a:off x="3915605" y="3677613"/>
+            <a:ext cx="2317415" cy="533506"/>
+          </a:xfrm>
+          <a:prstGeom prst="rect">
+            <a:avLst/>
+          </a:prstGeom>
+        </p:spPr>
+      </p:pic>
+      <p:pic>
+        <p:nvPicPr>
+          <p:cNvPr id="5" name="Imagem 4">
+            <a:extLst>
+              <a:ext uri="{FF2B5EF4-FFF2-40B4-BE49-F238E27FC236}">
+                <a16:creationId xmlns:a16="http://schemas.microsoft.com/office/drawing/2014/main" id="{9F376377-954F-4D84-9DE8-53BB117C7F95}"/>
+              </a:ext>
+            </a:extLst>
+          </p:cNvPr>
+          <p:cNvPicPr>
+            <a:picLocks noChangeAspect="1"/>
+          </p:cNvPicPr>
+          <p:nvPr/>
+        </p:nvPicPr>
+        <p:blipFill>
+          <a:blip r:embed="rId5"/>
+          <a:stretch>
+            <a:fillRect/>
+          </a:stretch>
+        </p:blipFill>
+        <p:spPr>
+          <a:xfrm>
+            <a:off x="8815881" y="3877549"/>
+            <a:ext cx="2317412" cy="533505"/>
+          </a:xfrm>
+          <a:prstGeom prst="rect">
+            <a:avLst/>
+          </a:prstGeom>
+        </p:spPr>
+      </p:pic>
+      <p:pic>
+        <p:nvPicPr>
+          <p:cNvPr id="6" name="Imagem 5">
+            <a:extLst>
+              <a:ext uri="{FF2B5EF4-FFF2-40B4-BE49-F238E27FC236}">
+                <a16:creationId xmlns:a16="http://schemas.microsoft.com/office/drawing/2014/main" id="{1607260D-E8A0-4324-9DD5-F3848ADAF403}"/>
+              </a:ext>
+            </a:extLst>
+          </p:cNvPr>
+          <p:cNvPicPr>
+            <a:picLocks noChangeAspect="1"/>
+          </p:cNvPicPr>
+          <p:nvPr/>
+        </p:nvPicPr>
+        <p:blipFill>
+          <a:blip r:embed="rId6"/>
+          <a:stretch>
+            <a:fillRect/>
+          </a:stretch>
+        </p:blipFill>
+        <p:spPr>
+          <a:xfrm>
+            <a:off x="6710317" y="5281301"/>
+            <a:ext cx="1239961" cy="381489"/>
+          </a:xfrm>
+          <a:prstGeom prst="rect">
+            <a:avLst/>
+          </a:prstGeom>
+        </p:spPr>
+      </p:pic>
+      <p:pic>
+        <p:nvPicPr>
+          <p:cNvPr id="14" name="Imagem 13">
+            <a:extLst>
+              <a:ext uri="{FF2B5EF4-FFF2-40B4-BE49-F238E27FC236}">
+                <a16:creationId xmlns:a16="http://schemas.microsoft.com/office/drawing/2014/main" id="{8FA00C2E-97E2-4DF7-BBAD-E2FA6B460739}"/>
+              </a:ext>
+            </a:extLst>
+          </p:cNvPr>
+          <p:cNvPicPr>
+            <a:picLocks noChangeAspect="1"/>
+          </p:cNvPicPr>
+          <p:nvPr/>
+        </p:nvPicPr>
+        <p:blipFill>
+          <a:blip r:embed="rId7"/>
+          <a:stretch>
+            <a:fillRect/>
+          </a:stretch>
+        </p:blipFill>
+        <p:spPr>
+          <a:xfrm>
+            <a:off x="6624335" y="5344769"/>
+            <a:ext cx="1622357" cy="781050"/>
+          </a:xfrm>
+          <a:prstGeom prst="rect">
+            <a:avLst/>
+          </a:prstGeom>
+        </p:spPr>
+      </p:pic>
     </p:spTree>
     <p:extLst>
       <p:ext uri="{BB962C8B-B14F-4D97-AF65-F5344CB8AC3E}">
@@ -36324,7 +36470,7 @@
         </p:spPr>
         <p:txBody>
           <a:bodyPr>
-            <a:normAutofit lnSpcReduction="10000"/>
+            <a:normAutofit fontScale="92500"/>
           </a:bodyPr>
           <a:lstStyle>
             <a:lvl1pPr marL="306000" indent="-306000" algn="l" defTabSz="457200" rtl="0" eaLnBrk="1" latinLnBrk="0" hangingPunct="1">
